--- a/econometricsintro/ch3/lm-modeling.pptx
+++ b/econometricsintro/ch3/lm-modeling.pptx
@@ -23,10 +23,11 @@
     <p:sldId id="275" r:id="rId17"/>
     <p:sldId id="264" r:id="rId18"/>
     <p:sldId id="284" r:id="rId19"/>
-    <p:sldId id="276" r:id="rId20"/>
-    <p:sldId id="285" r:id="rId21"/>
-    <p:sldId id="283" r:id="rId22"/>
-    <p:sldId id="265" r:id="rId23"/>
+    <p:sldId id="289" r:id="rId20"/>
+    <p:sldId id="276" r:id="rId21"/>
+    <p:sldId id="285" r:id="rId22"/>
+    <p:sldId id="283" r:id="rId23"/>
+    <p:sldId id="265" r:id="rId24"/>
   </p:sldIdLst>
   <p:sldSz cx="12192000" cy="6858000"/>
   <p:notesSz cx="6858000" cy="9144000"/>
@@ -4009,6 +4010,925 @@
 </file>
 
 <file path=ppt/diagrams/colors6.xml><?xml version="1.0" encoding="utf-8"?>
+<dgm:colorsDef xmlns:dgm="http://schemas.openxmlformats.org/drawingml/2006/diagram" xmlns:a="http://schemas.openxmlformats.org/drawingml/2006/main" uniqueId="urn:microsoft.com/office/officeart/2005/8/colors/colorful1">
+  <dgm:title val=""/>
+  <dgm:desc val=""/>
+  <dgm:catLst>
+    <dgm:cat type="colorful" pri="10100"/>
+  </dgm:catLst>
+  <dgm:styleLbl name="node0">
+    <dgm:fillClrLst meth="repeat">
+      <a:schemeClr val="accent1"/>
+    </dgm:fillClrLst>
+    <dgm:linClrLst meth="repeat">
+      <a:schemeClr val="lt1"/>
+    </dgm:linClrLst>
+    <dgm:effectClrLst/>
+    <dgm:txLinClrLst/>
+    <dgm:txFillClrLst/>
+    <dgm:txEffectClrLst/>
+  </dgm:styleLbl>
+  <dgm:styleLbl name="node1">
+    <dgm:fillClrLst meth="repeat">
+      <a:schemeClr val="accent2"/>
+      <a:schemeClr val="accent3"/>
+      <a:schemeClr val="accent4"/>
+      <a:schemeClr val="accent5"/>
+      <a:schemeClr val="accent6"/>
+    </dgm:fillClrLst>
+    <dgm:linClrLst meth="repeat">
+      <a:schemeClr val="lt1"/>
+    </dgm:linClrLst>
+    <dgm:effectClrLst/>
+    <dgm:txLinClrLst/>
+    <dgm:txFillClrLst/>
+    <dgm:txEffectClrLst/>
+  </dgm:styleLbl>
+  <dgm:styleLbl name="alignNode1">
+    <dgm:fillClrLst meth="repeat">
+      <a:schemeClr val="accent2"/>
+      <a:schemeClr val="accent3"/>
+      <a:schemeClr val="accent4"/>
+      <a:schemeClr val="accent5"/>
+      <a:schemeClr val="accent6"/>
+    </dgm:fillClrLst>
+    <dgm:linClrLst meth="repeat">
+      <a:schemeClr val="accent2"/>
+      <a:schemeClr val="accent3"/>
+      <a:schemeClr val="accent4"/>
+      <a:schemeClr val="accent5"/>
+      <a:schemeClr val="accent6"/>
+    </dgm:linClrLst>
+    <dgm:effectClrLst/>
+    <dgm:txLinClrLst/>
+    <dgm:txFillClrLst/>
+    <dgm:txEffectClrLst/>
+  </dgm:styleLbl>
+  <dgm:styleLbl name="lnNode1">
+    <dgm:fillClrLst meth="repeat">
+      <a:schemeClr val="accent2"/>
+      <a:schemeClr val="accent3"/>
+      <a:schemeClr val="accent4"/>
+      <a:schemeClr val="accent5"/>
+      <a:schemeClr val="accent6"/>
+    </dgm:fillClrLst>
+    <dgm:linClrLst meth="repeat">
+      <a:schemeClr val="lt1"/>
+    </dgm:linClrLst>
+    <dgm:effectClrLst/>
+    <dgm:txLinClrLst/>
+    <dgm:txFillClrLst/>
+    <dgm:txEffectClrLst/>
+  </dgm:styleLbl>
+  <dgm:styleLbl name="vennNode1">
+    <dgm:fillClrLst meth="repeat">
+      <a:schemeClr val="accent2">
+        <a:alpha val="50000"/>
+      </a:schemeClr>
+      <a:schemeClr val="accent3">
+        <a:alpha val="50000"/>
+      </a:schemeClr>
+      <a:schemeClr val="accent4">
+        <a:alpha val="50000"/>
+      </a:schemeClr>
+      <a:schemeClr val="accent5">
+        <a:alpha val="50000"/>
+      </a:schemeClr>
+      <a:schemeClr val="accent6">
+        <a:alpha val="50000"/>
+      </a:schemeClr>
+    </dgm:fillClrLst>
+    <dgm:linClrLst meth="repeat">
+      <a:schemeClr val="lt1"/>
+    </dgm:linClrLst>
+    <dgm:effectClrLst/>
+    <dgm:txLinClrLst/>
+    <dgm:txFillClrLst/>
+    <dgm:txEffectClrLst/>
+  </dgm:styleLbl>
+  <dgm:styleLbl name="node2">
+    <dgm:fillClrLst>
+      <a:schemeClr val="accent2"/>
+    </dgm:fillClrLst>
+    <dgm:linClrLst meth="repeat">
+      <a:schemeClr val="lt1"/>
+    </dgm:linClrLst>
+    <dgm:effectClrLst/>
+    <dgm:txLinClrLst/>
+    <dgm:txFillClrLst/>
+    <dgm:txEffectClrLst/>
+  </dgm:styleLbl>
+  <dgm:styleLbl name="node3">
+    <dgm:fillClrLst>
+      <a:schemeClr val="accent3"/>
+    </dgm:fillClrLst>
+    <dgm:linClrLst meth="repeat">
+      <a:schemeClr val="lt1"/>
+    </dgm:linClrLst>
+    <dgm:effectClrLst/>
+    <dgm:txLinClrLst/>
+    <dgm:txFillClrLst/>
+    <dgm:txEffectClrLst/>
+  </dgm:styleLbl>
+  <dgm:styleLbl name="node4">
+    <dgm:fillClrLst>
+      <a:schemeClr val="accent4"/>
+    </dgm:fillClrLst>
+    <dgm:linClrLst meth="repeat">
+      <a:schemeClr val="lt1"/>
+    </dgm:linClrLst>
+    <dgm:effectClrLst/>
+    <dgm:txLinClrLst/>
+    <dgm:txFillClrLst/>
+    <dgm:txEffectClrLst/>
+  </dgm:styleLbl>
+  <dgm:styleLbl name="fgImgPlace1">
+    <dgm:fillClrLst meth="repeat">
+      <a:schemeClr val="accent2">
+        <a:tint val="50000"/>
+      </a:schemeClr>
+      <a:schemeClr val="accent3">
+        <a:tint val="50000"/>
+      </a:schemeClr>
+      <a:schemeClr val="accent4">
+        <a:tint val="50000"/>
+      </a:schemeClr>
+      <a:schemeClr val="accent5">
+        <a:tint val="50000"/>
+      </a:schemeClr>
+      <a:schemeClr val="accent6">
+        <a:tint val="50000"/>
+      </a:schemeClr>
+    </dgm:fillClrLst>
+    <dgm:linClrLst meth="repeat">
+      <a:schemeClr val="lt1"/>
+    </dgm:linClrLst>
+    <dgm:effectClrLst/>
+    <dgm:txLinClrLst/>
+    <dgm:txFillClrLst meth="repeat">
+      <a:schemeClr val="lt1"/>
+    </dgm:txFillClrLst>
+    <dgm:txEffectClrLst/>
+  </dgm:styleLbl>
+  <dgm:styleLbl name="alignImgPlace1">
+    <dgm:fillClrLst>
+      <a:schemeClr val="accent1">
+        <a:tint val="50000"/>
+      </a:schemeClr>
+      <a:schemeClr val="accent2">
+        <a:tint val="20000"/>
+      </a:schemeClr>
+    </dgm:fillClrLst>
+    <dgm:linClrLst meth="repeat">
+      <a:schemeClr val="lt1"/>
+    </dgm:linClrLst>
+    <dgm:effectClrLst/>
+    <dgm:txLinClrLst/>
+    <dgm:txFillClrLst meth="repeat">
+      <a:schemeClr val="lt1"/>
+    </dgm:txFillClrLst>
+    <dgm:txEffectClrLst/>
+  </dgm:styleLbl>
+  <dgm:styleLbl name="bgImgPlace1">
+    <dgm:fillClrLst>
+      <a:schemeClr val="accent1">
+        <a:tint val="50000"/>
+      </a:schemeClr>
+      <a:schemeClr val="accent2">
+        <a:tint val="20000"/>
+      </a:schemeClr>
+    </dgm:fillClrLst>
+    <dgm:linClrLst meth="repeat">
+      <a:schemeClr val="lt1"/>
+    </dgm:linClrLst>
+    <dgm:effectClrLst/>
+    <dgm:txLinClrLst/>
+    <dgm:txFillClrLst meth="repeat">
+      <a:schemeClr val="lt1"/>
+    </dgm:txFillClrLst>
+    <dgm:txEffectClrLst/>
+  </dgm:styleLbl>
+  <dgm:styleLbl name="sibTrans2D1">
+    <dgm:fillClrLst meth="repeat">
+      <a:schemeClr val="accent2"/>
+      <a:schemeClr val="accent3"/>
+      <a:schemeClr val="accent4"/>
+      <a:schemeClr val="accent5"/>
+      <a:schemeClr val="accent6"/>
+    </dgm:fillClrLst>
+    <dgm:linClrLst meth="cycle">
+      <a:schemeClr val="lt1"/>
+    </dgm:linClrLst>
+    <dgm:effectClrLst/>
+    <dgm:txLinClrLst/>
+    <dgm:txFillClrLst/>
+    <dgm:txEffectClrLst/>
+  </dgm:styleLbl>
+  <dgm:styleLbl name="fgSibTrans2D1">
+    <dgm:fillClrLst meth="repeat">
+      <a:schemeClr val="accent2"/>
+      <a:schemeClr val="accent3"/>
+      <a:schemeClr val="accent4"/>
+      <a:schemeClr val="accent5"/>
+      <a:schemeClr val="accent6"/>
+    </dgm:fillClrLst>
+    <dgm:linClrLst meth="cycle">
+      <a:schemeClr val="lt1"/>
+    </dgm:linClrLst>
+    <dgm:effectClrLst/>
+    <dgm:txLinClrLst/>
+    <dgm:txFillClrLst meth="repeat">
+      <a:schemeClr val="lt1"/>
+    </dgm:txFillClrLst>
+    <dgm:txEffectClrLst/>
+  </dgm:styleLbl>
+  <dgm:styleLbl name="bgSibTrans2D1">
+    <dgm:fillClrLst meth="repeat">
+      <a:schemeClr val="accent2"/>
+      <a:schemeClr val="accent3"/>
+      <a:schemeClr val="accent4"/>
+      <a:schemeClr val="accent5"/>
+      <a:schemeClr val="accent6"/>
+    </dgm:fillClrLst>
+    <dgm:linClrLst meth="cycle">
+      <a:schemeClr val="lt1"/>
+    </dgm:linClrLst>
+    <dgm:effectClrLst/>
+    <dgm:txLinClrLst/>
+    <dgm:txFillClrLst meth="repeat">
+      <a:schemeClr val="lt1"/>
+    </dgm:txFillClrLst>
+    <dgm:txEffectClrLst/>
+  </dgm:styleLbl>
+  <dgm:styleLbl name="sibTrans1D1">
+    <dgm:fillClrLst meth="repeat">
+      <a:schemeClr val="accent2"/>
+      <a:schemeClr val="accent3"/>
+      <a:schemeClr val="accent4"/>
+      <a:schemeClr val="accent5"/>
+      <a:schemeClr val="accent6"/>
+    </dgm:fillClrLst>
+    <dgm:linClrLst meth="repeat">
+      <a:schemeClr val="accent2"/>
+      <a:schemeClr val="accent3"/>
+      <a:schemeClr val="accent4"/>
+      <a:schemeClr val="accent5"/>
+      <a:schemeClr val="accent6"/>
+    </dgm:linClrLst>
+    <dgm:effectClrLst/>
+    <dgm:txLinClrLst/>
+    <dgm:txFillClrLst meth="repeat">
+      <a:schemeClr val="tx1"/>
+    </dgm:txFillClrLst>
+    <dgm:txEffectClrLst/>
+  </dgm:styleLbl>
+  <dgm:styleLbl name="callout">
+    <dgm:fillClrLst meth="repeat">
+      <a:schemeClr val="accent2"/>
+    </dgm:fillClrLst>
+    <dgm:linClrLst meth="repeat">
+      <a:schemeClr val="accent2">
+        <a:tint val="50000"/>
+      </a:schemeClr>
+    </dgm:linClrLst>
+    <dgm:effectClrLst/>
+    <dgm:txLinClrLst/>
+    <dgm:txFillClrLst meth="repeat">
+      <a:schemeClr val="tx1"/>
+    </dgm:txFillClrLst>
+    <dgm:txEffectClrLst/>
+  </dgm:styleLbl>
+  <dgm:styleLbl name="asst0">
+    <dgm:fillClrLst meth="repeat">
+      <a:schemeClr val="accent1"/>
+    </dgm:fillClrLst>
+    <dgm:linClrLst meth="repeat">
+      <a:schemeClr val="lt1"/>
+    </dgm:linClrLst>
+    <dgm:effectClrLst/>
+    <dgm:txLinClrLst/>
+    <dgm:txFillClrLst/>
+    <dgm:txEffectClrLst/>
+  </dgm:styleLbl>
+  <dgm:styleLbl name="asst1">
+    <dgm:fillClrLst meth="repeat">
+      <a:schemeClr val="accent2"/>
+    </dgm:fillClrLst>
+    <dgm:linClrLst meth="repeat">
+      <a:schemeClr val="lt1"/>
+    </dgm:linClrLst>
+    <dgm:effectClrLst/>
+    <dgm:txLinClrLst/>
+    <dgm:txFillClrLst/>
+    <dgm:txEffectClrLst/>
+  </dgm:styleLbl>
+  <dgm:styleLbl name="asst2">
+    <dgm:fillClrLst>
+      <a:schemeClr val="accent3"/>
+    </dgm:fillClrLst>
+    <dgm:linClrLst meth="repeat">
+      <a:schemeClr val="lt1"/>
+    </dgm:linClrLst>
+    <dgm:effectClrLst/>
+    <dgm:txLinClrLst/>
+    <dgm:txFillClrLst/>
+    <dgm:txEffectClrLst/>
+  </dgm:styleLbl>
+  <dgm:styleLbl name="asst3">
+    <dgm:fillClrLst>
+      <a:schemeClr val="accent4"/>
+    </dgm:fillClrLst>
+    <dgm:linClrLst meth="repeat">
+      <a:schemeClr val="lt1"/>
+    </dgm:linClrLst>
+    <dgm:effectClrLst/>
+    <dgm:txLinClrLst/>
+    <dgm:txFillClrLst/>
+    <dgm:txEffectClrLst/>
+  </dgm:styleLbl>
+  <dgm:styleLbl name="asst4">
+    <dgm:fillClrLst>
+      <a:schemeClr val="accent5"/>
+    </dgm:fillClrLst>
+    <dgm:linClrLst meth="repeat">
+      <a:schemeClr val="lt1"/>
+    </dgm:linClrLst>
+    <dgm:effectClrLst/>
+    <dgm:txLinClrLst/>
+    <dgm:txFillClrLst/>
+    <dgm:txEffectClrLst/>
+  </dgm:styleLbl>
+  <dgm:styleLbl name="parChTrans2D1">
+    <dgm:fillClrLst meth="repeat">
+      <a:schemeClr val="accent2"/>
+    </dgm:fillClrLst>
+    <dgm:linClrLst meth="repeat">
+      <a:schemeClr val="lt1"/>
+    </dgm:linClrLst>
+    <dgm:effectClrLst/>
+    <dgm:txLinClrLst/>
+    <dgm:txFillClrLst meth="repeat">
+      <a:schemeClr val="lt1"/>
+    </dgm:txFillClrLst>
+    <dgm:txEffectClrLst/>
+  </dgm:styleLbl>
+  <dgm:styleLbl name="parChTrans2D2">
+    <dgm:fillClrLst meth="repeat">
+      <a:schemeClr val="accent3"/>
+    </dgm:fillClrLst>
+    <dgm:linClrLst meth="repeat">
+      <a:schemeClr val="lt1"/>
+    </dgm:linClrLst>
+    <dgm:effectClrLst/>
+    <dgm:txLinClrLst/>
+    <dgm:txFillClrLst/>
+    <dgm:txEffectClrLst/>
+  </dgm:styleLbl>
+  <dgm:styleLbl name="parChTrans2D3">
+    <dgm:fillClrLst meth="repeat">
+      <a:schemeClr val="accent4"/>
+    </dgm:fillClrLst>
+    <dgm:linClrLst meth="repeat">
+      <a:schemeClr val="lt1"/>
+    </dgm:linClrLst>
+    <dgm:effectClrLst/>
+    <dgm:txLinClrLst/>
+    <dgm:txFillClrLst/>
+    <dgm:txEffectClrLst/>
+  </dgm:styleLbl>
+  <dgm:styleLbl name="parChTrans2D4">
+    <dgm:fillClrLst meth="repeat">
+      <a:schemeClr val="accent5"/>
+    </dgm:fillClrLst>
+    <dgm:linClrLst meth="repeat">
+      <a:schemeClr val="lt1"/>
+    </dgm:linClrLst>
+    <dgm:effectClrLst/>
+    <dgm:txLinClrLst/>
+    <dgm:txFillClrLst meth="repeat">
+      <a:schemeClr val="lt1"/>
+    </dgm:txFillClrLst>
+    <dgm:txEffectClrLst/>
+  </dgm:styleLbl>
+  <dgm:styleLbl name="parChTrans1D1">
+    <dgm:fillClrLst meth="repeat">
+      <a:schemeClr val="accent2"/>
+    </dgm:fillClrLst>
+    <dgm:linClrLst meth="repeat">
+      <a:schemeClr val="accent1"/>
+    </dgm:linClrLst>
+    <dgm:effectClrLst/>
+    <dgm:txLinClrLst/>
+    <dgm:txFillClrLst meth="repeat">
+      <a:schemeClr val="tx1"/>
+    </dgm:txFillClrLst>
+    <dgm:txEffectClrLst/>
+  </dgm:styleLbl>
+  <dgm:styleLbl name="parChTrans1D2">
+    <dgm:fillClrLst meth="repeat">
+      <a:schemeClr val="accent3">
+        <a:tint val="90000"/>
+      </a:schemeClr>
+    </dgm:fillClrLst>
+    <dgm:linClrLst meth="repeat">
+      <a:schemeClr val="accent2"/>
+    </dgm:linClrLst>
+    <dgm:effectClrLst/>
+    <dgm:txLinClrLst/>
+    <dgm:txFillClrLst meth="repeat">
+      <a:schemeClr val="tx1"/>
+    </dgm:txFillClrLst>
+    <dgm:txEffectClrLst/>
+  </dgm:styleLbl>
+  <dgm:styleLbl name="parChTrans1D3">
+    <dgm:fillClrLst meth="repeat">
+      <a:schemeClr val="accent4">
+        <a:tint val="70000"/>
+      </a:schemeClr>
+    </dgm:fillClrLst>
+    <dgm:linClrLst meth="repeat">
+      <a:schemeClr val="accent3"/>
+    </dgm:linClrLst>
+    <dgm:effectClrLst/>
+    <dgm:txLinClrLst/>
+    <dgm:txFillClrLst meth="repeat">
+      <a:schemeClr val="tx1"/>
+    </dgm:txFillClrLst>
+    <dgm:txEffectClrLst/>
+  </dgm:styleLbl>
+  <dgm:styleLbl name="parChTrans1D4">
+    <dgm:fillClrLst meth="repeat">
+      <a:schemeClr val="accent5">
+        <a:tint val="50000"/>
+      </a:schemeClr>
+    </dgm:fillClrLst>
+    <dgm:linClrLst meth="repeat">
+      <a:schemeClr val="accent4"/>
+    </dgm:linClrLst>
+    <dgm:effectClrLst/>
+    <dgm:txLinClrLst/>
+    <dgm:txFillClrLst meth="repeat">
+      <a:schemeClr val="tx1"/>
+    </dgm:txFillClrLst>
+    <dgm:txEffectClrLst/>
+  </dgm:styleLbl>
+  <dgm:styleLbl name="fgAcc1">
+    <dgm:fillClrLst meth="repeat">
+      <a:schemeClr val="lt1">
+        <a:alpha val="90000"/>
+      </a:schemeClr>
+    </dgm:fillClrLst>
+    <dgm:linClrLst meth="repeat">
+      <a:schemeClr val="accent2"/>
+      <a:schemeClr val="accent3"/>
+      <a:schemeClr val="accent4"/>
+      <a:schemeClr val="accent5"/>
+      <a:schemeClr val="accent6"/>
+    </dgm:linClrLst>
+    <dgm:effectClrLst/>
+    <dgm:txLinClrLst/>
+    <dgm:txFillClrLst meth="repeat">
+      <a:schemeClr val="dk1"/>
+    </dgm:txFillClrLst>
+    <dgm:txEffectClrLst/>
+  </dgm:styleLbl>
+  <dgm:styleLbl name="conFgAcc1">
+    <dgm:fillClrLst meth="repeat">
+      <a:schemeClr val="lt1">
+        <a:alpha val="90000"/>
+      </a:schemeClr>
+    </dgm:fillClrLst>
+    <dgm:linClrLst meth="repeat">
+      <a:schemeClr val="accent2"/>
+      <a:schemeClr val="accent3"/>
+      <a:schemeClr val="accent4"/>
+      <a:schemeClr val="accent5"/>
+      <a:schemeClr val="accent6"/>
+    </dgm:linClrLst>
+    <dgm:effectClrLst/>
+    <dgm:txLinClrLst/>
+    <dgm:txFillClrLst meth="repeat">
+      <a:schemeClr val="dk1"/>
+    </dgm:txFillClrLst>
+    <dgm:txEffectClrLst/>
+  </dgm:styleLbl>
+  <dgm:styleLbl name="alignAcc1">
+    <dgm:fillClrLst meth="repeat">
+      <a:schemeClr val="lt1">
+        <a:alpha val="90000"/>
+      </a:schemeClr>
+    </dgm:fillClrLst>
+    <dgm:linClrLst meth="repeat">
+      <a:schemeClr val="accent2"/>
+      <a:schemeClr val="accent3"/>
+      <a:schemeClr val="accent4"/>
+      <a:schemeClr val="accent5"/>
+      <a:schemeClr val="accent6"/>
+    </dgm:linClrLst>
+    <dgm:effectClrLst/>
+    <dgm:txLinClrLst/>
+    <dgm:txFillClrLst meth="repeat">
+      <a:schemeClr val="dk1"/>
+    </dgm:txFillClrLst>
+    <dgm:txEffectClrLst/>
+  </dgm:styleLbl>
+  <dgm:styleLbl name="trAlignAcc1">
+    <dgm:fillClrLst meth="repeat">
+      <a:schemeClr val="lt1">
+        <a:alpha val="40000"/>
+      </a:schemeClr>
+    </dgm:fillClrLst>
+    <dgm:linClrLst meth="repeat">
+      <a:schemeClr val="accent1"/>
+    </dgm:linClrLst>
+    <dgm:effectClrLst/>
+    <dgm:txLinClrLst/>
+    <dgm:txFillClrLst meth="repeat">
+      <a:schemeClr val="dk1"/>
+    </dgm:txFillClrLst>
+    <dgm:txEffectClrLst/>
+  </dgm:styleLbl>
+  <dgm:styleLbl name="bgAcc1">
+    <dgm:fillClrLst meth="repeat">
+      <a:schemeClr val="lt1">
+        <a:alpha val="90000"/>
+      </a:schemeClr>
+    </dgm:fillClrLst>
+    <dgm:linClrLst meth="repeat">
+      <a:schemeClr val="accent2"/>
+      <a:schemeClr val="accent3"/>
+      <a:schemeClr val="accent4"/>
+      <a:schemeClr val="accent5"/>
+      <a:schemeClr val="accent6"/>
+    </dgm:linClrLst>
+    <dgm:effectClrLst/>
+    <dgm:txLinClrLst/>
+    <dgm:txFillClrLst meth="repeat">
+      <a:schemeClr val="dk1"/>
+    </dgm:txFillClrLst>
+    <dgm:txEffectClrLst/>
+  </dgm:styleLbl>
+  <dgm:styleLbl name="solidFgAcc1">
+    <dgm:fillClrLst meth="repeat">
+      <a:schemeClr val="lt1"/>
+    </dgm:fillClrLst>
+    <dgm:linClrLst meth="repeat">
+      <a:schemeClr val="accent2"/>
+      <a:schemeClr val="accent3"/>
+      <a:schemeClr val="accent4"/>
+      <a:schemeClr val="accent5"/>
+      <a:schemeClr val="accent6"/>
+    </dgm:linClrLst>
+    <dgm:effectClrLst/>
+    <dgm:txLinClrLst/>
+    <dgm:txFillClrLst meth="repeat">
+      <a:schemeClr val="dk1"/>
+    </dgm:txFillClrLst>
+    <dgm:txEffectClrLst/>
+  </dgm:styleLbl>
+  <dgm:styleLbl name="solidAlignAcc1">
+    <dgm:fillClrLst meth="repeat">
+      <a:schemeClr val="lt1"/>
+    </dgm:fillClrLst>
+    <dgm:linClrLst meth="repeat">
+      <a:schemeClr val="accent2"/>
+      <a:schemeClr val="accent3"/>
+      <a:schemeClr val="accent4"/>
+      <a:schemeClr val="accent5"/>
+      <a:schemeClr val="accent6"/>
+    </dgm:linClrLst>
+    <dgm:effectClrLst/>
+    <dgm:txLinClrLst/>
+    <dgm:txFillClrLst meth="repeat">
+      <a:schemeClr val="dk1"/>
+    </dgm:txFillClrLst>
+    <dgm:txEffectClrLst/>
+  </dgm:styleLbl>
+  <dgm:styleLbl name="solidBgAcc1">
+    <dgm:fillClrLst meth="repeat">
+      <a:schemeClr val="lt1"/>
+    </dgm:fillClrLst>
+    <dgm:linClrLst meth="repeat">
+      <a:schemeClr val="accent2"/>
+      <a:schemeClr val="accent3"/>
+      <a:schemeClr val="accent4"/>
+      <a:schemeClr val="accent5"/>
+      <a:schemeClr val="accent6"/>
+    </dgm:linClrLst>
+    <dgm:effectClrLst/>
+    <dgm:txLinClrLst/>
+    <dgm:txFillClrLst meth="repeat">
+      <a:schemeClr val="dk1"/>
+    </dgm:txFillClrLst>
+    <dgm:txEffectClrLst/>
+  </dgm:styleLbl>
+  <dgm:styleLbl name="fgAccFollowNode1">
+    <dgm:fillClrLst meth="repeat">
+      <a:schemeClr val="accent2">
+        <a:tint val="40000"/>
+        <a:alpha val="90000"/>
+      </a:schemeClr>
+      <a:schemeClr val="accent3">
+        <a:tint val="40000"/>
+        <a:alpha val="90000"/>
+      </a:schemeClr>
+      <a:schemeClr val="accent4">
+        <a:tint val="40000"/>
+        <a:alpha val="90000"/>
+      </a:schemeClr>
+      <a:schemeClr val="accent5">
+        <a:tint val="40000"/>
+        <a:alpha val="90000"/>
+      </a:schemeClr>
+      <a:schemeClr val="accent6">
+        <a:tint val="40000"/>
+        <a:alpha val="90000"/>
+      </a:schemeClr>
+    </dgm:fillClrLst>
+    <dgm:linClrLst meth="repeat">
+      <a:schemeClr val="accent2">
+        <a:tint val="40000"/>
+        <a:alpha val="90000"/>
+      </a:schemeClr>
+      <a:schemeClr val="accent3">
+        <a:tint val="40000"/>
+        <a:alpha val="90000"/>
+      </a:schemeClr>
+      <a:schemeClr val="accent4">
+        <a:tint val="40000"/>
+        <a:alpha val="90000"/>
+      </a:schemeClr>
+      <a:schemeClr val="accent5">
+        <a:tint val="40000"/>
+        <a:alpha val="90000"/>
+      </a:schemeClr>
+      <a:schemeClr val="accent6">
+        <a:tint val="40000"/>
+        <a:alpha val="90000"/>
+      </a:schemeClr>
+    </dgm:linClrLst>
+    <dgm:effectClrLst/>
+    <dgm:txLinClrLst/>
+    <dgm:txFillClrLst meth="repeat">
+      <a:schemeClr val="dk1"/>
+    </dgm:txFillClrLst>
+    <dgm:txEffectClrLst/>
+  </dgm:styleLbl>
+  <dgm:styleLbl name="alignAccFollowNode1">
+    <dgm:fillClrLst meth="repeat">
+      <a:schemeClr val="accent2">
+        <a:tint val="40000"/>
+        <a:alpha val="90000"/>
+      </a:schemeClr>
+      <a:schemeClr val="accent3">
+        <a:tint val="40000"/>
+        <a:alpha val="90000"/>
+      </a:schemeClr>
+      <a:schemeClr val="accent4">
+        <a:tint val="40000"/>
+        <a:alpha val="90000"/>
+      </a:schemeClr>
+      <a:schemeClr val="accent5">
+        <a:tint val="40000"/>
+        <a:alpha val="90000"/>
+      </a:schemeClr>
+      <a:schemeClr val="accent6">
+        <a:tint val="40000"/>
+        <a:alpha val="90000"/>
+      </a:schemeClr>
+    </dgm:fillClrLst>
+    <dgm:linClrLst meth="repeat">
+      <a:schemeClr val="accent2">
+        <a:tint val="40000"/>
+        <a:alpha val="90000"/>
+      </a:schemeClr>
+      <a:schemeClr val="accent3">
+        <a:tint val="40000"/>
+        <a:alpha val="90000"/>
+      </a:schemeClr>
+      <a:schemeClr val="accent4">
+        <a:tint val="40000"/>
+        <a:alpha val="90000"/>
+      </a:schemeClr>
+      <a:schemeClr val="accent5">
+        <a:tint val="40000"/>
+        <a:alpha val="90000"/>
+      </a:schemeClr>
+      <a:schemeClr val="accent6">
+        <a:tint val="40000"/>
+        <a:alpha val="90000"/>
+      </a:schemeClr>
+    </dgm:linClrLst>
+    <dgm:effectClrLst/>
+    <dgm:txLinClrLst/>
+    <dgm:txFillClrLst meth="repeat">
+      <a:schemeClr val="dk1"/>
+    </dgm:txFillClrLst>
+    <dgm:txEffectClrLst/>
+  </dgm:styleLbl>
+  <dgm:styleLbl name="bgAccFollowNode1">
+    <dgm:fillClrLst meth="repeat">
+      <a:schemeClr val="accent2">
+        <a:tint val="40000"/>
+        <a:alpha val="90000"/>
+      </a:schemeClr>
+      <a:schemeClr val="accent3">
+        <a:tint val="40000"/>
+        <a:alpha val="90000"/>
+      </a:schemeClr>
+      <a:schemeClr val="accent4">
+        <a:tint val="40000"/>
+        <a:alpha val="90000"/>
+      </a:schemeClr>
+      <a:schemeClr val="accent5">
+        <a:tint val="40000"/>
+        <a:alpha val="90000"/>
+      </a:schemeClr>
+      <a:schemeClr val="accent6">
+        <a:tint val="40000"/>
+        <a:alpha val="90000"/>
+      </a:schemeClr>
+    </dgm:fillClrLst>
+    <dgm:linClrLst meth="repeat">
+      <a:schemeClr val="accent2">
+        <a:tint val="40000"/>
+        <a:alpha val="90000"/>
+      </a:schemeClr>
+      <a:schemeClr val="accent3">
+        <a:tint val="40000"/>
+        <a:alpha val="90000"/>
+      </a:schemeClr>
+      <a:schemeClr val="accent4">
+        <a:tint val="40000"/>
+        <a:alpha val="90000"/>
+      </a:schemeClr>
+      <a:schemeClr val="accent5">
+        <a:tint val="40000"/>
+        <a:alpha val="90000"/>
+      </a:schemeClr>
+      <a:schemeClr val="accent6">
+        <a:tint val="40000"/>
+        <a:alpha val="90000"/>
+      </a:schemeClr>
+    </dgm:linClrLst>
+    <dgm:effectClrLst/>
+    <dgm:txLinClrLst/>
+    <dgm:txFillClrLst meth="repeat">
+      <a:schemeClr val="dk1"/>
+    </dgm:txFillClrLst>
+    <dgm:txEffectClrLst/>
+  </dgm:styleLbl>
+  <dgm:styleLbl name="fgAcc0">
+    <dgm:fillClrLst meth="repeat">
+      <a:schemeClr val="lt1">
+        <a:alpha val="90000"/>
+      </a:schemeClr>
+    </dgm:fillClrLst>
+    <dgm:linClrLst>
+      <a:schemeClr val="accent1"/>
+    </dgm:linClrLst>
+    <dgm:effectClrLst/>
+    <dgm:txLinClrLst/>
+    <dgm:txFillClrLst meth="repeat">
+      <a:schemeClr val="dk1"/>
+    </dgm:txFillClrLst>
+    <dgm:txEffectClrLst/>
+  </dgm:styleLbl>
+  <dgm:styleLbl name="fgAcc2">
+    <dgm:fillClrLst meth="repeat">
+      <a:schemeClr val="lt1">
+        <a:alpha val="90000"/>
+      </a:schemeClr>
+    </dgm:fillClrLst>
+    <dgm:linClrLst>
+      <a:schemeClr val="accent2"/>
+    </dgm:linClrLst>
+    <dgm:effectClrLst/>
+    <dgm:txLinClrLst/>
+    <dgm:txFillClrLst meth="repeat">
+      <a:schemeClr val="dk1"/>
+    </dgm:txFillClrLst>
+    <dgm:txEffectClrLst/>
+  </dgm:styleLbl>
+  <dgm:styleLbl name="fgAcc3">
+    <dgm:fillClrLst meth="repeat">
+      <a:schemeClr val="lt1">
+        <a:alpha val="90000"/>
+      </a:schemeClr>
+    </dgm:fillClrLst>
+    <dgm:linClrLst>
+      <a:schemeClr val="accent3"/>
+    </dgm:linClrLst>
+    <dgm:effectClrLst/>
+    <dgm:txLinClrLst/>
+    <dgm:txFillClrLst meth="repeat">
+      <a:schemeClr val="dk1"/>
+    </dgm:txFillClrLst>
+    <dgm:txEffectClrLst/>
+  </dgm:styleLbl>
+  <dgm:styleLbl name="fgAcc4">
+    <dgm:fillClrLst meth="repeat">
+      <a:schemeClr val="lt1">
+        <a:alpha val="90000"/>
+      </a:schemeClr>
+    </dgm:fillClrLst>
+    <dgm:linClrLst>
+      <a:schemeClr val="accent4"/>
+    </dgm:linClrLst>
+    <dgm:effectClrLst/>
+    <dgm:txLinClrLst/>
+    <dgm:txFillClrLst meth="repeat">
+      <a:schemeClr val="dk1"/>
+    </dgm:txFillClrLst>
+    <dgm:txEffectClrLst/>
+  </dgm:styleLbl>
+  <dgm:styleLbl name="bgShp">
+    <dgm:fillClrLst meth="repeat">
+      <a:schemeClr val="accent2">
+        <a:tint val="40000"/>
+      </a:schemeClr>
+    </dgm:fillClrLst>
+    <dgm:linClrLst meth="repeat">
+      <a:schemeClr val="dk1"/>
+    </dgm:linClrLst>
+    <dgm:effectClrLst/>
+    <dgm:txLinClrLst/>
+    <dgm:txFillClrLst meth="repeat">
+      <a:schemeClr val="dk1"/>
+    </dgm:txFillClrLst>
+    <dgm:txEffectClrLst/>
+  </dgm:styleLbl>
+  <dgm:styleLbl name="dkBgShp">
+    <dgm:fillClrLst meth="repeat">
+      <a:schemeClr val="accent2">
+        <a:shade val="90000"/>
+      </a:schemeClr>
+    </dgm:fillClrLst>
+    <dgm:linClrLst meth="repeat">
+      <a:schemeClr val="dk1"/>
+    </dgm:linClrLst>
+    <dgm:effectClrLst/>
+    <dgm:txLinClrLst/>
+    <dgm:txFillClrLst meth="repeat">
+      <a:schemeClr val="lt1"/>
+    </dgm:txFillClrLst>
+    <dgm:txEffectClrLst/>
+  </dgm:styleLbl>
+  <dgm:styleLbl name="trBgShp">
+    <dgm:fillClrLst meth="repeat">
+      <a:schemeClr val="accent1">
+        <a:tint val="50000"/>
+        <a:alpha val="40000"/>
+      </a:schemeClr>
+    </dgm:fillClrLst>
+    <dgm:linClrLst meth="repeat">
+      <a:schemeClr val="accent2"/>
+    </dgm:linClrLst>
+    <dgm:effectClrLst/>
+    <dgm:txLinClrLst/>
+    <dgm:txFillClrLst meth="repeat">
+      <a:schemeClr val="lt1"/>
+    </dgm:txFillClrLst>
+    <dgm:txEffectClrLst/>
+  </dgm:styleLbl>
+  <dgm:styleLbl name="fgShp">
+    <dgm:fillClrLst meth="repeat">
+      <a:schemeClr val="accent2">
+        <a:tint val="40000"/>
+      </a:schemeClr>
+    </dgm:fillClrLst>
+    <dgm:linClrLst meth="repeat">
+      <a:schemeClr val="lt1"/>
+    </dgm:linClrLst>
+    <dgm:effectClrLst/>
+    <dgm:txLinClrLst/>
+    <dgm:txFillClrLst meth="repeat">
+      <a:schemeClr val="dk1"/>
+    </dgm:txFillClrLst>
+    <dgm:txEffectClrLst/>
+  </dgm:styleLbl>
+  <dgm:styleLbl name="revTx">
+    <dgm:fillClrLst meth="repeat">
+      <a:schemeClr val="lt1">
+        <a:alpha val="0"/>
+      </a:schemeClr>
+    </dgm:fillClrLst>
+    <dgm:linClrLst meth="repeat">
+      <a:schemeClr val="dk1">
+        <a:alpha val="0"/>
+      </a:schemeClr>
+    </dgm:linClrLst>
+    <dgm:effectClrLst/>
+    <dgm:txLinClrLst/>
+    <dgm:txFillClrLst meth="repeat">
+      <a:schemeClr val="tx1"/>
+    </dgm:txFillClrLst>
+    <dgm:txEffectClrLst/>
+  </dgm:styleLbl>
+</dgm:colorsDef>
+</file>
+
+<file path=ppt/diagrams/colors7.xml><?xml version="1.0" encoding="utf-8"?>
 <dgm:colorsDef xmlns:dgm="http://schemas.openxmlformats.org/drawingml/2006/diagram" xmlns:a="http://schemas.openxmlformats.org/drawingml/2006/main" uniqueId="urn:microsoft.com/office/officeart/2005/8/colors/colorful2">
   <dgm:title val=""/>
   <dgm:desc val=""/>
@@ -5999,6 +6919,377 @@
 </file>
 
 <file path=ppt/diagrams/data6.xml><?xml version="1.0" encoding="utf-8"?>
+<dgm:dataModel xmlns:dgm="http://schemas.openxmlformats.org/drawingml/2006/diagram" xmlns:a="http://schemas.openxmlformats.org/drawingml/2006/main">
+  <dgm:ptLst>
+    <dgm:pt modelId="{D77FD568-8C2E-4ACE-937E-1B189F0C6C48}" type="doc">
+      <dgm:prSet loTypeId="urn:microsoft.com/office/officeart/2016/7/layout/BasicLinearProcessNumbered" loCatId="process" qsTypeId="urn:microsoft.com/office/officeart/2005/8/quickstyle/simple1" qsCatId="simple" csTypeId="urn:microsoft.com/office/officeart/2005/8/colors/colorful1" csCatId="colorful"/>
+      <dgm:spPr/>
+      <dgm:t>
+        <a:bodyPr/>
+        <a:lstStyle/>
+        <a:p>
+          <a:endParaRPr lang="en-US"/>
+        </a:p>
+      </dgm:t>
+    </dgm:pt>
+    <dgm:pt modelId="{A8BE67B1-F28C-4E36-B8DD-FBFA6DA83C9A}">
+      <dgm:prSet custT="1"/>
+      <dgm:spPr/>
+      <dgm:t>
+        <a:bodyPr/>
+        <a:lstStyle/>
+        <a:p>
+          <a:r>
+            <a:rPr lang="en-US" sz="3200" dirty="0"/>
+            <a:t>X</a:t>
+          </a:r>
+          <a:r>
+            <a:rPr lang="zh-CN" sz="3200" dirty="0"/>
+            <a:t>与</a:t>
+          </a:r>
+          <a:r>
+            <a:rPr lang="en-US" sz="3200" dirty="0"/>
+            <a:t>Z</a:t>
+          </a:r>
+          <a:r>
+            <a:rPr lang="zh-CN" sz="3200" dirty="0"/>
+            <a:t>交互，应检测</a:t>
+          </a:r>
+          <a:r>
+            <a:rPr lang="zh-CN" sz="3200" dirty="0">
+              <a:solidFill>
+                <a:srgbClr val="FF0000"/>
+              </a:solidFill>
+            </a:rPr>
+            <a:t>多重共线性</a:t>
+          </a:r>
+          <a:endParaRPr lang="en-US" sz="3200" dirty="0">
+            <a:solidFill>
+              <a:srgbClr val="FF0000"/>
+            </a:solidFill>
+          </a:endParaRPr>
+        </a:p>
+      </dgm:t>
+    </dgm:pt>
+    <dgm:pt modelId="{02109551-469A-4C2F-A9A8-D798E973AA23}" type="parTrans" cxnId="{4C913422-BDC3-474D-890F-30EAD428EF52}">
+      <dgm:prSet/>
+      <dgm:spPr/>
+      <dgm:t>
+        <a:bodyPr/>
+        <a:lstStyle/>
+        <a:p>
+          <a:endParaRPr lang="en-US" sz="3200"/>
+        </a:p>
+      </dgm:t>
+    </dgm:pt>
+    <dgm:pt modelId="{7EA461BB-35F1-483D-92A2-1599148B9DF2}" type="sibTrans" cxnId="{4C913422-BDC3-474D-890F-30EAD428EF52}">
+      <dgm:prSet phldrT="1" phldr="0" custT="1"/>
+      <dgm:spPr/>
+      <dgm:t>
+        <a:bodyPr/>
+        <a:lstStyle/>
+        <a:p>
+          <a:r>
+            <a:rPr lang="en-US" sz="3200"/>
+            <a:t>1</a:t>
+          </a:r>
+        </a:p>
+      </dgm:t>
+    </dgm:pt>
+    <dgm:pt modelId="{0C9C10EE-65A8-411F-94D5-CC6B6FC82D9C}">
+      <dgm:prSet custT="1"/>
+      <dgm:spPr/>
+      <dgm:t>
+        <a:bodyPr/>
+        <a:lstStyle/>
+        <a:p>
+          <a:r>
+            <a:rPr lang="zh-CN" sz="3200" dirty="0"/>
+            <a:t>若</a:t>
+          </a:r>
+          <a:r>
+            <a:rPr lang="en-US" sz="3200" dirty="0"/>
+            <a:t>VIF</a:t>
+          </a:r>
+          <a:r>
+            <a:rPr lang="zh-CN" sz="3200" dirty="0"/>
+            <a:t>较大（例如大于</a:t>
+          </a:r>
+          <a:r>
+            <a:rPr lang="en-US" sz="3200" dirty="0"/>
+            <a:t>5</a:t>
+          </a:r>
+          <a:r>
+            <a:rPr lang="zh-CN" sz="3200" dirty="0"/>
+            <a:t>甚至</a:t>
+          </a:r>
+          <a:r>
+            <a:rPr lang="en-US" sz="3200" dirty="0"/>
+            <a:t>10</a:t>
+          </a:r>
+          <a:r>
+            <a:rPr lang="zh-CN" sz="3200" dirty="0"/>
+            <a:t>），则应将</a:t>
+          </a:r>
+          <a:r>
+            <a:rPr lang="en-US" sz="3200" dirty="0"/>
+            <a:t>X</a:t>
+          </a:r>
+          <a:r>
+            <a:rPr lang="zh-CN" sz="3200" dirty="0"/>
+            <a:t>和</a:t>
+          </a:r>
+          <a:r>
+            <a:rPr lang="en-US" sz="3200" dirty="0"/>
+            <a:t>Z</a:t>
+          </a:r>
+          <a:r>
+            <a:rPr lang="zh-CN" sz="3200" dirty="0">
+              <a:solidFill>
+                <a:srgbClr val="FF0000"/>
+              </a:solidFill>
+            </a:rPr>
+            <a:t>中心化</a:t>
+          </a:r>
+          <a:endParaRPr lang="en-US" sz="3200" dirty="0">
+            <a:solidFill>
+              <a:srgbClr val="FF0000"/>
+            </a:solidFill>
+          </a:endParaRPr>
+        </a:p>
+      </dgm:t>
+    </dgm:pt>
+    <dgm:pt modelId="{095A18E2-B4FE-4887-B797-9BA638DDF57D}" type="parTrans" cxnId="{1EA515B6-4C6C-489A-901A-95346CEF6F26}">
+      <dgm:prSet/>
+      <dgm:spPr/>
+      <dgm:t>
+        <a:bodyPr/>
+        <a:lstStyle/>
+        <a:p>
+          <a:endParaRPr lang="en-US" sz="3200"/>
+        </a:p>
+      </dgm:t>
+    </dgm:pt>
+    <dgm:pt modelId="{C8F322B6-D42B-4F59-B29A-5B1033DE585F}" type="sibTrans" cxnId="{1EA515B6-4C6C-489A-901A-95346CEF6F26}">
+      <dgm:prSet phldrT="2" phldr="0" custT="1"/>
+      <dgm:spPr/>
+      <dgm:t>
+        <a:bodyPr/>
+        <a:lstStyle/>
+        <a:p>
+          <a:r>
+            <a:rPr lang="en-US" sz="3200"/>
+            <a:t>2</a:t>
+          </a:r>
+        </a:p>
+      </dgm:t>
+    </dgm:pt>
+    <dgm:pt modelId="{A094A5E8-F9C2-4DE0-A4B9-1686A6AB2176}">
+      <dgm:prSet custT="1"/>
+      <dgm:spPr/>
+      <dgm:t>
+        <a:bodyPr/>
+        <a:lstStyle/>
+        <a:p>
+          <a:r>
+            <a:rPr lang="zh-CN" sz="3200"/>
+            <a:t>中心化后，重新生成交互项，运行模型</a:t>
+          </a:r>
+          <a:endParaRPr lang="en-US" sz="3200"/>
+        </a:p>
+      </dgm:t>
+    </dgm:pt>
+    <dgm:pt modelId="{3AF6217C-C19B-4758-A1A9-B7E5EF932589}" type="parTrans" cxnId="{DEFB3D2D-F0C3-49F9-AF8B-9F1F4E7A1B44}">
+      <dgm:prSet/>
+      <dgm:spPr/>
+      <dgm:t>
+        <a:bodyPr/>
+        <a:lstStyle/>
+        <a:p>
+          <a:endParaRPr lang="en-US" sz="3200"/>
+        </a:p>
+      </dgm:t>
+    </dgm:pt>
+    <dgm:pt modelId="{0B009104-F912-46F3-BED6-35ACED3EEDB2}" type="sibTrans" cxnId="{DEFB3D2D-F0C3-49F9-AF8B-9F1F4E7A1B44}">
+      <dgm:prSet phldrT="3" phldr="0" custT="1"/>
+      <dgm:spPr/>
+      <dgm:t>
+        <a:bodyPr/>
+        <a:lstStyle/>
+        <a:p>
+          <a:r>
+            <a:rPr lang="en-US" sz="3200"/>
+            <a:t>3</a:t>
+          </a:r>
+        </a:p>
+      </dgm:t>
+    </dgm:pt>
+    <dgm:pt modelId="{0A0AF22F-3923-481C-B541-C3011504CCD8}" type="pres">
+      <dgm:prSet presAssocID="{D77FD568-8C2E-4ACE-937E-1B189F0C6C48}" presName="Name0" presStyleCnt="0">
+        <dgm:presLayoutVars>
+          <dgm:animLvl val="lvl"/>
+          <dgm:resizeHandles val="exact"/>
+        </dgm:presLayoutVars>
+      </dgm:prSet>
+      <dgm:spPr/>
+    </dgm:pt>
+    <dgm:pt modelId="{A221F936-C32C-4F85-B795-75C120986B23}" type="pres">
+      <dgm:prSet presAssocID="{A8BE67B1-F28C-4E36-B8DD-FBFA6DA83C9A}" presName="compositeNode" presStyleCnt="0">
+        <dgm:presLayoutVars>
+          <dgm:bulletEnabled val="1"/>
+        </dgm:presLayoutVars>
+      </dgm:prSet>
+      <dgm:spPr/>
+    </dgm:pt>
+    <dgm:pt modelId="{7B84E711-C213-4091-A31C-60FEED582B0E}" type="pres">
+      <dgm:prSet presAssocID="{A8BE67B1-F28C-4E36-B8DD-FBFA6DA83C9A}" presName="bgRect" presStyleLbl="bgAccFollowNode1" presStyleIdx="0" presStyleCnt="3"/>
+      <dgm:spPr/>
+    </dgm:pt>
+    <dgm:pt modelId="{E54DBF68-14FF-4198-8974-5317ACA5E072}" type="pres">
+      <dgm:prSet presAssocID="{7EA461BB-35F1-483D-92A2-1599148B9DF2}" presName="sibTransNodeCircle" presStyleLbl="alignNode1" presStyleIdx="0" presStyleCnt="6">
+        <dgm:presLayoutVars>
+          <dgm:chMax val="0"/>
+          <dgm:bulletEnabled/>
+        </dgm:presLayoutVars>
+      </dgm:prSet>
+      <dgm:spPr/>
+    </dgm:pt>
+    <dgm:pt modelId="{8A61FE34-3545-4031-9622-D4F5ABC779F0}" type="pres">
+      <dgm:prSet presAssocID="{A8BE67B1-F28C-4E36-B8DD-FBFA6DA83C9A}" presName="bottomLine" presStyleLbl="alignNode1" presStyleIdx="1" presStyleCnt="6">
+        <dgm:presLayoutVars/>
+      </dgm:prSet>
+      <dgm:spPr/>
+    </dgm:pt>
+    <dgm:pt modelId="{CD7971E5-7A87-463B-999B-DFC1AB5E88DC}" type="pres">
+      <dgm:prSet presAssocID="{A8BE67B1-F28C-4E36-B8DD-FBFA6DA83C9A}" presName="nodeText" presStyleLbl="bgAccFollowNode1" presStyleIdx="0" presStyleCnt="3">
+        <dgm:presLayoutVars>
+          <dgm:bulletEnabled val="1"/>
+        </dgm:presLayoutVars>
+      </dgm:prSet>
+      <dgm:spPr/>
+    </dgm:pt>
+    <dgm:pt modelId="{559F2F75-2F40-4982-B23E-858C9500AA1C}" type="pres">
+      <dgm:prSet presAssocID="{7EA461BB-35F1-483D-92A2-1599148B9DF2}" presName="sibTrans" presStyleCnt="0"/>
+      <dgm:spPr/>
+    </dgm:pt>
+    <dgm:pt modelId="{C6635017-3EE3-4390-81CB-4F149B377FD3}" type="pres">
+      <dgm:prSet presAssocID="{0C9C10EE-65A8-411F-94D5-CC6B6FC82D9C}" presName="compositeNode" presStyleCnt="0">
+        <dgm:presLayoutVars>
+          <dgm:bulletEnabled val="1"/>
+        </dgm:presLayoutVars>
+      </dgm:prSet>
+      <dgm:spPr/>
+    </dgm:pt>
+    <dgm:pt modelId="{16C8E97E-93FC-4B6A-BA37-4CB5B88A2D69}" type="pres">
+      <dgm:prSet presAssocID="{0C9C10EE-65A8-411F-94D5-CC6B6FC82D9C}" presName="bgRect" presStyleLbl="bgAccFollowNode1" presStyleIdx="1" presStyleCnt="3"/>
+      <dgm:spPr/>
+    </dgm:pt>
+    <dgm:pt modelId="{3981E709-FF4D-46FA-966B-69C49CBC72B9}" type="pres">
+      <dgm:prSet presAssocID="{C8F322B6-D42B-4F59-B29A-5B1033DE585F}" presName="sibTransNodeCircle" presStyleLbl="alignNode1" presStyleIdx="2" presStyleCnt="6">
+        <dgm:presLayoutVars>
+          <dgm:chMax val="0"/>
+          <dgm:bulletEnabled/>
+        </dgm:presLayoutVars>
+      </dgm:prSet>
+      <dgm:spPr/>
+    </dgm:pt>
+    <dgm:pt modelId="{F045513A-E9DC-4251-9AE7-2384FBB0626A}" type="pres">
+      <dgm:prSet presAssocID="{0C9C10EE-65A8-411F-94D5-CC6B6FC82D9C}" presName="bottomLine" presStyleLbl="alignNode1" presStyleIdx="3" presStyleCnt="6">
+        <dgm:presLayoutVars/>
+      </dgm:prSet>
+      <dgm:spPr/>
+    </dgm:pt>
+    <dgm:pt modelId="{FD0B570F-74BB-42C0-A211-D1C3B3B44D15}" type="pres">
+      <dgm:prSet presAssocID="{0C9C10EE-65A8-411F-94D5-CC6B6FC82D9C}" presName="nodeText" presStyleLbl="bgAccFollowNode1" presStyleIdx="1" presStyleCnt="3">
+        <dgm:presLayoutVars>
+          <dgm:bulletEnabled val="1"/>
+        </dgm:presLayoutVars>
+      </dgm:prSet>
+      <dgm:spPr/>
+    </dgm:pt>
+    <dgm:pt modelId="{692DC0FB-C675-44B5-A01E-A0B41762BA75}" type="pres">
+      <dgm:prSet presAssocID="{C8F322B6-D42B-4F59-B29A-5B1033DE585F}" presName="sibTrans" presStyleCnt="0"/>
+      <dgm:spPr/>
+    </dgm:pt>
+    <dgm:pt modelId="{29E37464-E96D-47CF-A7AC-C661579A747D}" type="pres">
+      <dgm:prSet presAssocID="{A094A5E8-F9C2-4DE0-A4B9-1686A6AB2176}" presName="compositeNode" presStyleCnt="0">
+        <dgm:presLayoutVars>
+          <dgm:bulletEnabled val="1"/>
+        </dgm:presLayoutVars>
+      </dgm:prSet>
+      <dgm:spPr/>
+    </dgm:pt>
+    <dgm:pt modelId="{70F59C85-8C2A-4C8D-A836-EB95F5DF7DF7}" type="pres">
+      <dgm:prSet presAssocID="{A094A5E8-F9C2-4DE0-A4B9-1686A6AB2176}" presName="bgRect" presStyleLbl="bgAccFollowNode1" presStyleIdx="2" presStyleCnt="3"/>
+      <dgm:spPr/>
+    </dgm:pt>
+    <dgm:pt modelId="{ACC55A22-1A5A-49EA-BB6F-5212D9D5CE68}" type="pres">
+      <dgm:prSet presAssocID="{0B009104-F912-46F3-BED6-35ACED3EEDB2}" presName="sibTransNodeCircle" presStyleLbl="alignNode1" presStyleIdx="4" presStyleCnt="6">
+        <dgm:presLayoutVars>
+          <dgm:chMax val="0"/>
+          <dgm:bulletEnabled/>
+        </dgm:presLayoutVars>
+      </dgm:prSet>
+      <dgm:spPr/>
+    </dgm:pt>
+    <dgm:pt modelId="{751147A1-ECEB-461F-B4EE-64AB9AD2DDC9}" type="pres">
+      <dgm:prSet presAssocID="{A094A5E8-F9C2-4DE0-A4B9-1686A6AB2176}" presName="bottomLine" presStyleLbl="alignNode1" presStyleIdx="5" presStyleCnt="6">
+        <dgm:presLayoutVars/>
+      </dgm:prSet>
+      <dgm:spPr/>
+    </dgm:pt>
+    <dgm:pt modelId="{BC100725-0A23-4A17-9772-7F1466D58BD7}" type="pres">
+      <dgm:prSet presAssocID="{A094A5E8-F9C2-4DE0-A4B9-1686A6AB2176}" presName="nodeText" presStyleLbl="bgAccFollowNode1" presStyleIdx="2" presStyleCnt="3">
+        <dgm:presLayoutVars>
+          <dgm:bulletEnabled val="1"/>
+        </dgm:presLayoutVars>
+      </dgm:prSet>
+      <dgm:spPr/>
+    </dgm:pt>
+  </dgm:ptLst>
+  <dgm:cxnLst>
+    <dgm:cxn modelId="{4C913422-BDC3-474D-890F-30EAD428EF52}" srcId="{D77FD568-8C2E-4ACE-937E-1B189F0C6C48}" destId="{A8BE67B1-F28C-4E36-B8DD-FBFA6DA83C9A}" srcOrd="0" destOrd="0" parTransId="{02109551-469A-4C2F-A9A8-D798E973AA23}" sibTransId="{7EA461BB-35F1-483D-92A2-1599148B9DF2}"/>
+    <dgm:cxn modelId="{0E89802C-7CA5-47DA-8324-25F0837B6AAE}" type="presOf" srcId="{A094A5E8-F9C2-4DE0-A4B9-1686A6AB2176}" destId="{70F59C85-8C2A-4C8D-A836-EB95F5DF7DF7}" srcOrd="0" destOrd="0" presId="urn:microsoft.com/office/officeart/2016/7/layout/BasicLinearProcessNumbered"/>
+    <dgm:cxn modelId="{DEFB3D2D-F0C3-49F9-AF8B-9F1F4E7A1B44}" srcId="{D77FD568-8C2E-4ACE-937E-1B189F0C6C48}" destId="{A094A5E8-F9C2-4DE0-A4B9-1686A6AB2176}" srcOrd="2" destOrd="0" parTransId="{3AF6217C-C19B-4758-A1A9-B7E5EF932589}" sibTransId="{0B009104-F912-46F3-BED6-35ACED3EEDB2}"/>
+    <dgm:cxn modelId="{1BEA4B32-0A00-42F0-B08E-A1BF95C7E697}" type="presOf" srcId="{A8BE67B1-F28C-4E36-B8DD-FBFA6DA83C9A}" destId="{7B84E711-C213-4091-A31C-60FEED582B0E}" srcOrd="0" destOrd="0" presId="urn:microsoft.com/office/officeart/2016/7/layout/BasicLinearProcessNumbered"/>
+    <dgm:cxn modelId="{F160463D-5D69-4BB7-89D1-6E329AB9748E}" type="presOf" srcId="{D77FD568-8C2E-4ACE-937E-1B189F0C6C48}" destId="{0A0AF22F-3923-481C-B541-C3011504CCD8}" srcOrd="0" destOrd="0" presId="urn:microsoft.com/office/officeart/2016/7/layout/BasicLinearProcessNumbered"/>
+    <dgm:cxn modelId="{8C327F42-9229-4B36-AE29-080BB03C88F9}" type="presOf" srcId="{A094A5E8-F9C2-4DE0-A4B9-1686A6AB2176}" destId="{BC100725-0A23-4A17-9772-7F1466D58BD7}" srcOrd="1" destOrd="0" presId="urn:microsoft.com/office/officeart/2016/7/layout/BasicLinearProcessNumbered"/>
+    <dgm:cxn modelId="{E86A4072-9CF6-48E2-965D-A7A60010A2B8}" type="presOf" srcId="{C8F322B6-D42B-4F59-B29A-5B1033DE585F}" destId="{3981E709-FF4D-46FA-966B-69C49CBC72B9}" srcOrd="0" destOrd="0" presId="urn:microsoft.com/office/officeart/2016/7/layout/BasicLinearProcessNumbered"/>
+    <dgm:cxn modelId="{96B09376-65F3-4664-AC25-0E5EC87E2995}" type="presOf" srcId="{0C9C10EE-65A8-411F-94D5-CC6B6FC82D9C}" destId="{FD0B570F-74BB-42C0-A211-D1C3B3B44D15}" srcOrd="1" destOrd="0" presId="urn:microsoft.com/office/officeart/2016/7/layout/BasicLinearProcessNumbered"/>
+    <dgm:cxn modelId="{1EA515B6-4C6C-489A-901A-95346CEF6F26}" srcId="{D77FD568-8C2E-4ACE-937E-1B189F0C6C48}" destId="{0C9C10EE-65A8-411F-94D5-CC6B6FC82D9C}" srcOrd="1" destOrd="0" parTransId="{095A18E2-B4FE-4887-B797-9BA638DDF57D}" sibTransId="{C8F322B6-D42B-4F59-B29A-5B1033DE585F}"/>
+    <dgm:cxn modelId="{25860CBB-BD41-4701-AB29-B6BBFF58CCF5}" type="presOf" srcId="{A8BE67B1-F28C-4E36-B8DD-FBFA6DA83C9A}" destId="{CD7971E5-7A87-463B-999B-DFC1AB5E88DC}" srcOrd="1" destOrd="0" presId="urn:microsoft.com/office/officeart/2016/7/layout/BasicLinearProcessNumbered"/>
+    <dgm:cxn modelId="{18A626C5-8161-4B8F-9518-8B111C4EAA07}" type="presOf" srcId="{0C9C10EE-65A8-411F-94D5-CC6B6FC82D9C}" destId="{16C8E97E-93FC-4B6A-BA37-4CB5B88A2D69}" srcOrd="0" destOrd="0" presId="urn:microsoft.com/office/officeart/2016/7/layout/BasicLinearProcessNumbered"/>
+    <dgm:cxn modelId="{ED049CC9-30AD-4170-8C91-D0B6F6F6065B}" type="presOf" srcId="{0B009104-F912-46F3-BED6-35ACED3EEDB2}" destId="{ACC55A22-1A5A-49EA-BB6F-5212D9D5CE68}" srcOrd="0" destOrd="0" presId="urn:microsoft.com/office/officeart/2016/7/layout/BasicLinearProcessNumbered"/>
+    <dgm:cxn modelId="{E7750FED-A92B-4323-8B87-5A9AA5488F44}" type="presOf" srcId="{7EA461BB-35F1-483D-92A2-1599148B9DF2}" destId="{E54DBF68-14FF-4198-8974-5317ACA5E072}" srcOrd="0" destOrd="0" presId="urn:microsoft.com/office/officeart/2016/7/layout/BasicLinearProcessNumbered"/>
+    <dgm:cxn modelId="{F0EC0D4A-7DC9-4196-BA46-8762A266CC71}" type="presParOf" srcId="{0A0AF22F-3923-481C-B541-C3011504CCD8}" destId="{A221F936-C32C-4F85-B795-75C120986B23}" srcOrd="0" destOrd="0" presId="urn:microsoft.com/office/officeart/2016/7/layout/BasicLinearProcessNumbered"/>
+    <dgm:cxn modelId="{03F0A559-4971-439F-89DF-F062BD0D363D}" type="presParOf" srcId="{A221F936-C32C-4F85-B795-75C120986B23}" destId="{7B84E711-C213-4091-A31C-60FEED582B0E}" srcOrd="0" destOrd="0" presId="urn:microsoft.com/office/officeart/2016/7/layout/BasicLinearProcessNumbered"/>
+    <dgm:cxn modelId="{0C38AE75-191D-4E88-B44D-97D336107BAE}" type="presParOf" srcId="{A221F936-C32C-4F85-B795-75C120986B23}" destId="{E54DBF68-14FF-4198-8974-5317ACA5E072}" srcOrd="1" destOrd="0" presId="urn:microsoft.com/office/officeart/2016/7/layout/BasicLinearProcessNumbered"/>
+    <dgm:cxn modelId="{55F28FFA-38EC-4841-9BFE-CAF6191BA136}" type="presParOf" srcId="{A221F936-C32C-4F85-B795-75C120986B23}" destId="{8A61FE34-3545-4031-9622-D4F5ABC779F0}" srcOrd="2" destOrd="0" presId="urn:microsoft.com/office/officeart/2016/7/layout/BasicLinearProcessNumbered"/>
+    <dgm:cxn modelId="{B3260E9D-F312-4B1E-8B87-C3D675A4464A}" type="presParOf" srcId="{A221F936-C32C-4F85-B795-75C120986B23}" destId="{CD7971E5-7A87-463B-999B-DFC1AB5E88DC}" srcOrd="3" destOrd="0" presId="urn:microsoft.com/office/officeart/2016/7/layout/BasicLinearProcessNumbered"/>
+    <dgm:cxn modelId="{C10B4B40-8BEB-42FD-A01D-059D8EAA9D0B}" type="presParOf" srcId="{0A0AF22F-3923-481C-B541-C3011504CCD8}" destId="{559F2F75-2F40-4982-B23E-858C9500AA1C}" srcOrd="1" destOrd="0" presId="urn:microsoft.com/office/officeart/2016/7/layout/BasicLinearProcessNumbered"/>
+    <dgm:cxn modelId="{2F2AF4CE-85E9-4042-B33C-BF94D71C6E4D}" type="presParOf" srcId="{0A0AF22F-3923-481C-B541-C3011504CCD8}" destId="{C6635017-3EE3-4390-81CB-4F149B377FD3}" srcOrd="2" destOrd="0" presId="urn:microsoft.com/office/officeart/2016/7/layout/BasicLinearProcessNumbered"/>
+    <dgm:cxn modelId="{2A478B32-8A70-4FAC-A60D-CA6367B3D3CB}" type="presParOf" srcId="{C6635017-3EE3-4390-81CB-4F149B377FD3}" destId="{16C8E97E-93FC-4B6A-BA37-4CB5B88A2D69}" srcOrd="0" destOrd="0" presId="urn:microsoft.com/office/officeart/2016/7/layout/BasicLinearProcessNumbered"/>
+    <dgm:cxn modelId="{8471B746-65D0-41ED-A816-10336A301AF3}" type="presParOf" srcId="{C6635017-3EE3-4390-81CB-4F149B377FD3}" destId="{3981E709-FF4D-46FA-966B-69C49CBC72B9}" srcOrd="1" destOrd="0" presId="urn:microsoft.com/office/officeart/2016/7/layout/BasicLinearProcessNumbered"/>
+    <dgm:cxn modelId="{35D3ABDB-5E63-4D05-8F61-191644B4D891}" type="presParOf" srcId="{C6635017-3EE3-4390-81CB-4F149B377FD3}" destId="{F045513A-E9DC-4251-9AE7-2384FBB0626A}" srcOrd="2" destOrd="0" presId="urn:microsoft.com/office/officeart/2016/7/layout/BasicLinearProcessNumbered"/>
+    <dgm:cxn modelId="{A58C56CF-19AE-4236-A269-B336807D2A9A}" type="presParOf" srcId="{C6635017-3EE3-4390-81CB-4F149B377FD3}" destId="{FD0B570F-74BB-42C0-A211-D1C3B3B44D15}" srcOrd="3" destOrd="0" presId="urn:microsoft.com/office/officeart/2016/7/layout/BasicLinearProcessNumbered"/>
+    <dgm:cxn modelId="{D162AAF1-6CAC-4885-BEA6-C1FAD0745851}" type="presParOf" srcId="{0A0AF22F-3923-481C-B541-C3011504CCD8}" destId="{692DC0FB-C675-44B5-A01E-A0B41762BA75}" srcOrd="3" destOrd="0" presId="urn:microsoft.com/office/officeart/2016/7/layout/BasicLinearProcessNumbered"/>
+    <dgm:cxn modelId="{E5E69F26-B117-4E94-9499-4DA833787FA2}" type="presParOf" srcId="{0A0AF22F-3923-481C-B541-C3011504CCD8}" destId="{29E37464-E96D-47CF-A7AC-C661579A747D}" srcOrd="4" destOrd="0" presId="urn:microsoft.com/office/officeart/2016/7/layout/BasicLinearProcessNumbered"/>
+    <dgm:cxn modelId="{EF25531A-9B79-4D12-A41E-E43CAC257994}" type="presParOf" srcId="{29E37464-E96D-47CF-A7AC-C661579A747D}" destId="{70F59C85-8C2A-4C8D-A836-EB95F5DF7DF7}" srcOrd="0" destOrd="0" presId="urn:microsoft.com/office/officeart/2016/7/layout/BasicLinearProcessNumbered"/>
+    <dgm:cxn modelId="{763C2DC0-99E9-46FF-8176-C28D2CC6D5F8}" type="presParOf" srcId="{29E37464-E96D-47CF-A7AC-C661579A747D}" destId="{ACC55A22-1A5A-49EA-BB6F-5212D9D5CE68}" srcOrd="1" destOrd="0" presId="urn:microsoft.com/office/officeart/2016/7/layout/BasicLinearProcessNumbered"/>
+    <dgm:cxn modelId="{ACB3131C-744A-4001-89F8-350F29B0239F}" type="presParOf" srcId="{29E37464-E96D-47CF-A7AC-C661579A747D}" destId="{751147A1-ECEB-461F-B4EE-64AB9AD2DDC9}" srcOrd="2" destOrd="0" presId="urn:microsoft.com/office/officeart/2016/7/layout/BasicLinearProcessNumbered"/>
+    <dgm:cxn modelId="{040293D7-BA2B-4A01-BCAC-EBFCDAFF70E2}" type="presParOf" srcId="{29E37464-E96D-47CF-A7AC-C661579A747D}" destId="{BC100725-0A23-4A17-9772-7F1466D58BD7}" srcOrd="3" destOrd="0" presId="urn:microsoft.com/office/officeart/2016/7/layout/BasicLinearProcessNumbered"/>
+  </dgm:cxnLst>
+  <dgm:bg/>
+  <dgm:whole/>
+  <dgm:extLst>
+    <a:ext uri="http://schemas.microsoft.com/office/drawing/2008/diagram">
+      <dsp:dataModelExt xmlns:dsp="http://schemas.microsoft.com/office/drawing/2008/diagram" relId="rId6" minVer="http://schemas.openxmlformats.org/drawingml/2006/diagram"/>
+    </a:ext>
+  </dgm:extLst>
+</dgm:dataModel>
+</file>
+
+<file path=ppt/diagrams/data7.xml><?xml version="1.0" encoding="utf-8"?>
 <dgm:dataModel xmlns:dgm="http://schemas.openxmlformats.org/drawingml/2006/diagram" xmlns:a="http://schemas.openxmlformats.org/drawingml/2006/main">
   <dgm:ptLst>
     <dgm:pt modelId="{DF8F85B2-1522-4988-A1D5-67069AA5D20E}" type="doc">
@@ -8167,6 +9458,717 @@
 </file>
 
 <file path=ppt/diagrams/drawing6.xml><?xml version="1.0" encoding="utf-8"?>
+<dsp:drawing xmlns:dgm="http://schemas.openxmlformats.org/drawingml/2006/diagram" xmlns:dsp="http://schemas.microsoft.com/office/drawing/2008/diagram" xmlns:a="http://schemas.openxmlformats.org/drawingml/2006/main">
+  <dsp:spTree>
+    <dsp:nvGrpSpPr>
+      <dsp:cNvPr id="0" name=""/>
+      <dsp:cNvGrpSpPr/>
+    </dsp:nvGrpSpPr>
+    <dsp:grpSpPr/>
+    <dsp:sp modelId="{7B84E711-C213-4091-A31C-60FEED582B0E}">
+      <dsp:nvSpPr>
+        <dsp:cNvPr id="0" name=""/>
+        <dsp:cNvSpPr/>
+      </dsp:nvSpPr>
+      <dsp:spPr>
+        <a:xfrm>
+          <a:off x="0" y="0"/>
+          <a:ext cx="3564839" cy="4351338"/>
+        </a:xfrm>
+        <a:prstGeom prst="rect">
+          <a:avLst/>
+        </a:prstGeom>
+        <a:solidFill>
+          <a:schemeClr val="accent2">
+            <a:tint val="40000"/>
+            <a:alpha val="90000"/>
+            <a:hueOff val="0"/>
+            <a:satOff val="0"/>
+            <a:lumOff val="0"/>
+            <a:alphaOff val="0"/>
+          </a:schemeClr>
+        </a:solidFill>
+        <a:ln w="12700" cap="flat" cmpd="sng" algn="ctr">
+          <a:solidFill>
+            <a:schemeClr val="accent2">
+              <a:tint val="40000"/>
+              <a:alpha val="90000"/>
+              <a:hueOff val="0"/>
+              <a:satOff val="0"/>
+              <a:lumOff val="0"/>
+              <a:alphaOff val="0"/>
+            </a:schemeClr>
+          </a:solidFill>
+          <a:prstDash val="solid"/>
+          <a:miter lim="800000"/>
+        </a:ln>
+        <a:effectLst/>
+      </dsp:spPr>
+      <dsp:style>
+        <a:lnRef idx="2">
+          <a:scrgbClr r="0" g="0" b="0"/>
+        </a:lnRef>
+        <a:fillRef idx="1">
+          <a:scrgbClr r="0" g="0" b="0"/>
+        </a:fillRef>
+        <a:effectRef idx="0">
+          <a:scrgbClr r="0" g="0" b="0"/>
+        </a:effectRef>
+        <a:fontRef idx="minor"/>
+      </dsp:style>
+      <dsp:txBody>
+        <a:bodyPr spcFirstLastPara="0" vert="horz" wrap="square" lIns="277929" tIns="330200" rIns="277929" bIns="330200" numCol="1" spcCol="1270" anchor="t" anchorCtr="0">
+          <a:noAutofit/>
+        </a:bodyPr>
+        <a:lstStyle/>
+        <a:p>
+          <a:pPr marL="0" lvl="0" indent="0" algn="l" defTabSz="1422400">
+            <a:lnSpc>
+              <a:spcPct val="90000"/>
+            </a:lnSpc>
+            <a:spcBef>
+              <a:spcPct val="0"/>
+            </a:spcBef>
+            <a:spcAft>
+              <a:spcPct val="35000"/>
+            </a:spcAft>
+            <a:buNone/>
+          </a:pPr>
+          <a:r>
+            <a:rPr lang="en-US" sz="3200" kern="1200" dirty="0"/>
+            <a:t>X</a:t>
+          </a:r>
+          <a:r>
+            <a:rPr lang="zh-CN" sz="3200" kern="1200" dirty="0"/>
+            <a:t>与</a:t>
+          </a:r>
+          <a:r>
+            <a:rPr lang="en-US" sz="3200" kern="1200" dirty="0"/>
+            <a:t>Z</a:t>
+          </a:r>
+          <a:r>
+            <a:rPr lang="zh-CN" sz="3200" kern="1200" dirty="0"/>
+            <a:t>交互，应检测</a:t>
+          </a:r>
+          <a:r>
+            <a:rPr lang="zh-CN" sz="3200" kern="1200" dirty="0">
+              <a:solidFill>
+                <a:srgbClr val="FF0000"/>
+              </a:solidFill>
+            </a:rPr>
+            <a:t>多重共线性</a:t>
+          </a:r>
+          <a:endParaRPr lang="en-US" sz="3200" kern="1200" dirty="0">
+            <a:solidFill>
+              <a:srgbClr val="FF0000"/>
+            </a:solidFill>
+          </a:endParaRPr>
+        </a:p>
+      </dsp:txBody>
+      <dsp:txXfrm>
+        <a:off x="0" y="1653508"/>
+        <a:ext cx="3564839" cy="2610802"/>
+      </dsp:txXfrm>
+    </dsp:sp>
+    <dsp:sp modelId="{E54DBF68-14FF-4198-8974-5317ACA5E072}">
+      <dsp:nvSpPr>
+        <dsp:cNvPr id="0" name=""/>
+        <dsp:cNvSpPr/>
+      </dsp:nvSpPr>
+      <dsp:spPr>
+        <a:xfrm>
+          <a:off x="1129719" y="435133"/>
+          <a:ext cx="1305401" cy="1305401"/>
+        </a:xfrm>
+        <a:prstGeom prst="ellipse">
+          <a:avLst/>
+        </a:prstGeom>
+        <a:solidFill>
+          <a:schemeClr val="accent2">
+            <a:hueOff val="0"/>
+            <a:satOff val="0"/>
+            <a:lumOff val="0"/>
+            <a:alphaOff val="0"/>
+          </a:schemeClr>
+        </a:solidFill>
+        <a:ln w="12700" cap="flat" cmpd="sng" algn="ctr">
+          <a:solidFill>
+            <a:schemeClr val="accent2">
+              <a:hueOff val="0"/>
+              <a:satOff val="0"/>
+              <a:lumOff val="0"/>
+              <a:alphaOff val="0"/>
+            </a:schemeClr>
+          </a:solidFill>
+          <a:prstDash val="solid"/>
+          <a:miter lim="800000"/>
+        </a:ln>
+        <a:effectLst/>
+      </dsp:spPr>
+      <dsp:style>
+        <a:lnRef idx="2">
+          <a:scrgbClr r="0" g="0" b="0"/>
+        </a:lnRef>
+        <a:fillRef idx="1">
+          <a:scrgbClr r="0" g="0" b="0"/>
+        </a:fillRef>
+        <a:effectRef idx="0">
+          <a:scrgbClr r="0" g="0" b="0"/>
+        </a:effectRef>
+        <a:fontRef idx="minor">
+          <a:schemeClr val="lt1"/>
+        </a:fontRef>
+      </dsp:style>
+      <dsp:txBody>
+        <a:bodyPr spcFirstLastPara="0" vert="horz" wrap="square" lIns="101774" tIns="12700" rIns="101774" bIns="12700" numCol="1" spcCol="1270" anchor="ctr" anchorCtr="0">
+          <a:noAutofit/>
+        </a:bodyPr>
+        <a:lstStyle/>
+        <a:p>
+          <a:pPr marL="0" lvl="0" indent="0" algn="ctr" defTabSz="1422400">
+            <a:lnSpc>
+              <a:spcPct val="90000"/>
+            </a:lnSpc>
+            <a:spcBef>
+              <a:spcPct val="0"/>
+            </a:spcBef>
+            <a:spcAft>
+              <a:spcPct val="35000"/>
+            </a:spcAft>
+            <a:buNone/>
+          </a:pPr>
+          <a:r>
+            <a:rPr lang="en-US" sz="3200" kern="1200"/>
+            <a:t>1</a:t>
+          </a:r>
+        </a:p>
+      </dsp:txBody>
+      <dsp:txXfrm>
+        <a:off x="1320891" y="626305"/>
+        <a:ext cx="923057" cy="923057"/>
+      </dsp:txXfrm>
+    </dsp:sp>
+    <dsp:sp modelId="{8A61FE34-3545-4031-9622-D4F5ABC779F0}">
+      <dsp:nvSpPr>
+        <dsp:cNvPr id="0" name=""/>
+        <dsp:cNvSpPr/>
+      </dsp:nvSpPr>
+      <dsp:spPr>
+        <a:xfrm>
+          <a:off x="0" y="4351266"/>
+          <a:ext cx="3564839" cy="72"/>
+        </a:xfrm>
+        <a:prstGeom prst="rect">
+          <a:avLst/>
+        </a:prstGeom>
+        <a:solidFill>
+          <a:schemeClr val="accent3">
+            <a:hueOff val="0"/>
+            <a:satOff val="0"/>
+            <a:lumOff val="0"/>
+            <a:alphaOff val="0"/>
+          </a:schemeClr>
+        </a:solidFill>
+        <a:ln w="12700" cap="flat" cmpd="sng" algn="ctr">
+          <a:solidFill>
+            <a:schemeClr val="accent3">
+              <a:hueOff val="0"/>
+              <a:satOff val="0"/>
+              <a:lumOff val="0"/>
+              <a:alphaOff val="0"/>
+            </a:schemeClr>
+          </a:solidFill>
+          <a:prstDash val="solid"/>
+          <a:miter lim="800000"/>
+        </a:ln>
+        <a:effectLst/>
+      </dsp:spPr>
+      <dsp:style>
+        <a:lnRef idx="2">
+          <a:scrgbClr r="0" g="0" b="0"/>
+        </a:lnRef>
+        <a:fillRef idx="1">
+          <a:scrgbClr r="0" g="0" b="0"/>
+        </a:fillRef>
+        <a:effectRef idx="0">
+          <a:scrgbClr r="0" g="0" b="0"/>
+        </a:effectRef>
+        <a:fontRef idx="minor">
+          <a:schemeClr val="lt1"/>
+        </a:fontRef>
+      </dsp:style>
+    </dsp:sp>
+    <dsp:sp modelId="{16C8E97E-93FC-4B6A-BA37-4CB5B88A2D69}">
+      <dsp:nvSpPr>
+        <dsp:cNvPr id="0" name=""/>
+        <dsp:cNvSpPr/>
+      </dsp:nvSpPr>
+      <dsp:spPr>
+        <a:xfrm>
+          <a:off x="3921323" y="0"/>
+          <a:ext cx="3564839" cy="4351338"/>
+        </a:xfrm>
+        <a:prstGeom prst="rect">
+          <a:avLst/>
+        </a:prstGeom>
+        <a:solidFill>
+          <a:schemeClr val="accent3">
+            <a:tint val="40000"/>
+            <a:alpha val="90000"/>
+            <a:hueOff val="0"/>
+            <a:satOff val="0"/>
+            <a:lumOff val="0"/>
+            <a:alphaOff val="0"/>
+          </a:schemeClr>
+        </a:solidFill>
+        <a:ln w="12700" cap="flat" cmpd="sng" algn="ctr">
+          <a:solidFill>
+            <a:schemeClr val="accent3">
+              <a:tint val="40000"/>
+              <a:alpha val="90000"/>
+              <a:hueOff val="0"/>
+              <a:satOff val="0"/>
+              <a:lumOff val="0"/>
+              <a:alphaOff val="0"/>
+            </a:schemeClr>
+          </a:solidFill>
+          <a:prstDash val="solid"/>
+          <a:miter lim="800000"/>
+        </a:ln>
+        <a:effectLst/>
+      </dsp:spPr>
+      <dsp:style>
+        <a:lnRef idx="2">
+          <a:scrgbClr r="0" g="0" b="0"/>
+        </a:lnRef>
+        <a:fillRef idx="1">
+          <a:scrgbClr r="0" g="0" b="0"/>
+        </a:fillRef>
+        <a:effectRef idx="0">
+          <a:scrgbClr r="0" g="0" b="0"/>
+        </a:effectRef>
+        <a:fontRef idx="minor"/>
+      </dsp:style>
+      <dsp:txBody>
+        <a:bodyPr spcFirstLastPara="0" vert="horz" wrap="square" lIns="277929" tIns="330200" rIns="277929" bIns="330200" numCol="1" spcCol="1270" anchor="t" anchorCtr="0">
+          <a:noAutofit/>
+        </a:bodyPr>
+        <a:lstStyle/>
+        <a:p>
+          <a:pPr marL="0" lvl="0" indent="0" algn="l" defTabSz="1422400">
+            <a:lnSpc>
+              <a:spcPct val="90000"/>
+            </a:lnSpc>
+            <a:spcBef>
+              <a:spcPct val="0"/>
+            </a:spcBef>
+            <a:spcAft>
+              <a:spcPct val="35000"/>
+            </a:spcAft>
+            <a:buNone/>
+          </a:pPr>
+          <a:r>
+            <a:rPr lang="zh-CN" sz="3200" kern="1200" dirty="0"/>
+            <a:t>若</a:t>
+          </a:r>
+          <a:r>
+            <a:rPr lang="en-US" sz="3200" kern="1200" dirty="0"/>
+            <a:t>VIF</a:t>
+          </a:r>
+          <a:r>
+            <a:rPr lang="zh-CN" sz="3200" kern="1200" dirty="0"/>
+            <a:t>较大（例如大于</a:t>
+          </a:r>
+          <a:r>
+            <a:rPr lang="en-US" sz="3200" kern="1200" dirty="0"/>
+            <a:t>5</a:t>
+          </a:r>
+          <a:r>
+            <a:rPr lang="zh-CN" sz="3200" kern="1200" dirty="0"/>
+            <a:t>甚至</a:t>
+          </a:r>
+          <a:r>
+            <a:rPr lang="en-US" sz="3200" kern="1200" dirty="0"/>
+            <a:t>10</a:t>
+          </a:r>
+          <a:r>
+            <a:rPr lang="zh-CN" sz="3200" kern="1200" dirty="0"/>
+            <a:t>），则应将</a:t>
+          </a:r>
+          <a:r>
+            <a:rPr lang="en-US" sz="3200" kern="1200" dirty="0"/>
+            <a:t>X</a:t>
+          </a:r>
+          <a:r>
+            <a:rPr lang="zh-CN" sz="3200" kern="1200" dirty="0"/>
+            <a:t>和</a:t>
+          </a:r>
+          <a:r>
+            <a:rPr lang="en-US" sz="3200" kern="1200" dirty="0"/>
+            <a:t>Z</a:t>
+          </a:r>
+          <a:r>
+            <a:rPr lang="zh-CN" sz="3200" kern="1200" dirty="0">
+              <a:solidFill>
+                <a:srgbClr val="FF0000"/>
+              </a:solidFill>
+            </a:rPr>
+            <a:t>中心化</a:t>
+          </a:r>
+          <a:endParaRPr lang="en-US" sz="3200" kern="1200" dirty="0">
+            <a:solidFill>
+              <a:srgbClr val="FF0000"/>
+            </a:solidFill>
+          </a:endParaRPr>
+        </a:p>
+      </dsp:txBody>
+      <dsp:txXfrm>
+        <a:off x="3921323" y="1653508"/>
+        <a:ext cx="3564839" cy="2610802"/>
+      </dsp:txXfrm>
+    </dsp:sp>
+    <dsp:sp modelId="{3981E709-FF4D-46FA-966B-69C49CBC72B9}">
+      <dsp:nvSpPr>
+        <dsp:cNvPr id="0" name=""/>
+        <dsp:cNvSpPr/>
+      </dsp:nvSpPr>
+      <dsp:spPr>
+        <a:xfrm>
+          <a:off x="5051042" y="435133"/>
+          <a:ext cx="1305401" cy="1305401"/>
+        </a:xfrm>
+        <a:prstGeom prst="ellipse">
+          <a:avLst/>
+        </a:prstGeom>
+        <a:solidFill>
+          <a:schemeClr val="accent4">
+            <a:hueOff val="0"/>
+            <a:satOff val="0"/>
+            <a:lumOff val="0"/>
+            <a:alphaOff val="0"/>
+          </a:schemeClr>
+        </a:solidFill>
+        <a:ln w="12700" cap="flat" cmpd="sng" algn="ctr">
+          <a:solidFill>
+            <a:schemeClr val="accent4">
+              <a:hueOff val="0"/>
+              <a:satOff val="0"/>
+              <a:lumOff val="0"/>
+              <a:alphaOff val="0"/>
+            </a:schemeClr>
+          </a:solidFill>
+          <a:prstDash val="solid"/>
+          <a:miter lim="800000"/>
+        </a:ln>
+        <a:effectLst/>
+      </dsp:spPr>
+      <dsp:style>
+        <a:lnRef idx="2">
+          <a:scrgbClr r="0" g="0" b="0"/>
+        </a:lnRef>
+        <a:fillRef idx="1">
+          <a:scrgbClr r="0" g="0" b="0"/>
+        </a:fillRef>
+        <a:effectRef idx="0">
+          <a:scrgbClr r="0" g="0" b="0"/>
+        </a:effectRef>
+        <a:fontRef idx="minor">
+          <a:schemeClr val="lt1"/>
+        </a:fontRef>
+      </dsp:style>
+      <dsp:txBody>
+        <a:bodyPr spcFirstLastPara="0" vert="horz" wrap="square" lIns="101774" tIns="12700" rIns="101774" bIns="12700" numCol="1" spcCol="1270" anchor="ctr" anchorCtr="0">
+          <a:noAutofit/>
+        </a:bodyPr>
+        <a:lstStyle/>
+        <a:p>
+          <a:pPr marL="0" lvl="0" indent="0" algn="ctr" defTabSz="1422400">
+            <a:lnSpc>
+              <a:spcPct val="90000"/>
+            </a:lnSpc>
+            <a:spcBef>
+              <a:spcPct val="0"/>
+            </a:spcBef>
+            <a:spcAft>
+              <a:spcPct val="35000"/>
+            </a:spcAft>
+            <a:buNone/>
+          </a:pPr>
+          <a:r>
+            <a:rPr lang="en-US" sz="3200" kern="1200"/>
+            <a:t>2</a:t>
+          </a:r>
+        </a:p>
+      </dsp:txBody>
+      <dsp:txXfrm>
+        <a:off x="5242214" y="626305"/>
+        <a:ext cx="923057" cy="923057"/>
+      </dsp:txXfrm>
+    </dsp:sp>
+    <dsp:sp modelId="{F045513A-E9DC-4251-9AE7-2384FBB0626A}">
+      <dsp:nvSpPr>
+        <dsp:cNvPr id="0" name=""/>
+        <dsp:cNvSpPr/>
+      </dsp:nvSpPr>
+      <dsp:spPr>
+        <a:xfrm>
+          <a:off x="3921323" y="4351266"/>
+          <a:ext cx="3564839" cy="72"/>
+        </a:xfrm>
+        <a:prstGeom prst="rect">
+          <a:avLst/>
+        </a:prstGeom>
+        <a:solidFill>
+          <a:schemeClr val="accent5">
+            <a:hueOff val="0"/>
+            <a:satOff val="0"/>
+            <a:lumOff val="0"/>
+            <a:alphaOff val="0"/>
+          </a:schemeClr>
+        </a:solidFill>
+        <a:ln w="12700" cap="flat" cmpd="sng" algn="ctr">
+          <a:solidFill>
+            <a:schemeClr val="accent5">
+              <a:hueOff val="0"/>
+              <a:satOff val="0"/>
+              <a:lumOff val="0"/>
+              <a:alphaOff val="0"/>
+            </a:schemeClr>
+          </a:solidFill>
+          <a:prstDash val="solid"/>
+          <a:miter lim="800000"/>
+        </a:ln>
+        <a:effectLst/>
+      </dsp:spPr>
+      <dsp:style>
+        <a:lnRef idx="2">
+          <a:scrgbClr r="0" g="0" b="0"/>
+        </a:lnRef>
+        <a:fillRef idx="1">
+          <a:scrgbClr r="0" g="0" b="0"/>
+        </a:fillRef>
+        <a:effectRef idx="0">
+          <a:scrgbClr r="0" g="0" b="0"/>
+        </a:effectRef>
+        <a:fontRef idx="minor">
+          <a:schemeClr val="lt1"/>
+        </a:fontRef>
+      </dsp:style>
+    </dsp:sp>
+    <dsp:sp modelId="{70F59C85-8C2A-4C8D-A836-EB95F5DF7DF7}">
+      <dsp:nvSpPr>
+        <dsp:cNvPr id="0" name=""/>
+        <dsp:cNvSpPr/>
+      </dsp:nvSpPr>
+      <dsp:spPr>
+        <a:xfrm>
+          <a:off x="7842647" y="0"/>
+          <a:ext cx="3564839" cy="4351338"/>
+        </a:xfrm>
+        <a:prstGeom prst="rect">
+          <a:avLst/>
+        </a:prstGeom>
+        <a:solidFill>
+          <a:schemeClr val="accent4">
+            <a:tint val="40000"/>
+            <a:alpha val="90000"/>
+            <a:hueOff val="0"/>
+            <a:satOff val="0"/>
+            <a:lumOff val="0"/>
+            <a:alphaOff val="0"/>
+          </a:schemeClr>
+        </a:solidFill>
+        <a:ln w="12700" cap="flat" cmpd="sng" algn="ctr">
+          <a:solidFill>
+            <a:schemeClr val="accent4">
+              <a:tint val="40000"/>
+              <a:alpha val="90000"/>
+              <a:hueOff val="0"/>
+              <a:satOff val="0"/>
+              <a:lumOff val="0"/>
+              <a:alphaOff val="0"/>
+            </a:schemeClr>
+          </a:solidFill>
+          <a:prstDash val="solid"/>
+          <a:miter lim="800000"/>
+        </a:ln>
+        <a:effectLst/>
+      </dsp:spPr>
+      <dsp:style>
+        <a:lnRef idx="2">
+          <a:scrgbClr r="0" g="0" b="0"/>
+        </a:lnRef>
+        <a:fillRef idx="1">
+          <a:scrgbClr r="0" g="0" b="0"/>
+        </a:fillRef>
+        <a:effectRef idx="0">
+          <a:scrgbClr r="0" g="0" b="0"/>
+        </a:effectRef>
+        <a:fontRef idx="minor"/>
+      </dsp:style>
+      <dsp:txBody>
+        <a:bodyPr spcFirstLastPara="0" vert="horz" wrap="square" lIns="277929" tIns="330200" rIns="277929" bIns="330200" numCol="1" spcCol="1270" anchor="t" anchorCtr="0">
+          <a:noAutofit/>
+        </a:bodyPr>
+        <a:lstStyle/>
+        <a:p>
+          <a:pPr marL="0" lvl="0" indent="0" algn="l" defTabSz="1422400">
+            <a:lnSpc>
+              <a:spcPct val="90000"/>
+            </a:lnSpc>
+            <a:spcBef>
+              <a:spcPct val="0"/>
+            </a:spcBef>
+            <a:spcAft>
+              <a:spcPct val="35000"/>
+            </a:spcAft>
+            <a:buNone/>
+          </a:pPr>
+          <a:r>
+            <a:rPr lang="zh-CN" sz="3200" kern="1200"/>
+            <a:t>中心化后，重新生成交互项，运行模型</a:t>
+          </a:r>
+          <a:endParaRPr lang="en-US" sz="3200" kern="1200"/>
+        </a:p>
+      </dsp:txBody>
+      <dsp:txXfrm>
+        <a:off x="7842647" y="1653508"/>
+        <a:ext cx="3564839" cy="2610802"/>
+      </dsp:txXfrm>
+    </dsp:sp>
+    <dsp:sp modelId="{ACC55A22-1A5A-49EA-BB6F-5212D9D5CE68}">
+      <dsp:nvSpPr>
+        <dsp:cNvPr id="0" name=""/>
+        <dsp:cNvSpPr/>
+      </dsp:nvSpPr>
+      <dsp:spPr>
+        <a:xfrm>
+          <a:off x="8972366" y="435133"/>
+          <a:ext cx="1305401" cy="1305401"/>
+        </a:xfrm>
+        <a:prstGeom prst="ellipse">
+          <a:avLst/>
+        </a:prstGeom>
+        <a:solidFill>
+          <a:schemeClr val="accent6">
+            <a:hueOff val="0"/>
+            <a:satOff val="0"/>
+            <a:lumOff val="0"/>
+            <a:alphaOff val="0"/>
+          </a:schemeClr>
+        </a:solidFill>
+        <a:ln w="12700" cap="flat" cmpd="sng" algn="ctr">
+          <a:solidFill>
+            <a:schemeClr val="accent6">
+              <a:hueOff val="0"/>
+              <a:satOff val="0"/>
+              <a:lumOff val="0"/>
+              <a:alphaOff val="0"/>
+            </a:schemeClr>
+          </a:solidFill>
+          <a:prstDash val="solid"/>
+          <a:miter lim="800000"/>
+        </a:ln>
+        <a:effectLst/>
+      </dsp:spPr>
+      <dsp:style>
+        <a:lnRef idx="2">
+          <a:scrgbClr r="0" g="0" b="0"/>
+        </a:lnRef>
+        <a:fillRef idx="1">
+          <a:scrgbClr r="0" g="0" b="0"/>
+        </a:fillRef>
+        <a:effectRef idx="0">
+          <a:scrgbClr r="0" g="0" b="0"/>
+        </a:effectRef>
+        <a:fontRef idx="minor">
+          <a:schemeClr val="lt1"/>
+        </a:fontRef>
+      </dsp:style>
+      <dsp:txBody>
+        <a:bodyPr spcFirstLastPara="0" vert="horz" wrap="square" lIns="101774" tIns="12700" rIns="101774" bIns="12700" numCol="1" spcCol="1270" anchor="ctr" anchorCtr="0">
+          <a:noAutofit/>
+        </a:bodyPr>
+        <a:lstStyle/>
+        <a:p>
+          <a:pPr marL="0" lvl="0" indent="0" algn="ctr" defTabSz="1422400">
+            <a:lnSpc>
+              <a:spcPct val="90000"/>
+            </a:lnSpc>
+            <a:spcBef>
+              <a:spcPct val="0"/>
+            </a:spcBef>
+            <a:spcAft>
+              <a:spcPct val="35000"/>
+            </a:spcAft>
+            <a:buNone/>
+          </a:pPr>
+          <a:r>
+            <a:rPr lang="en-US" sz="3200" kern="1200"/>
+            <a:t>3</a:t>
+          </a:r>
+        </a:p>
+      </dsp:txBody>
+      <dsp:txXfrm>
+        <a:off x="9163538" y="626305"/>
+        <a:ext cx="923057" cy="923057"/>
+      </dsp:txXfrm>
+    </dsp:sp>
+    <dsp:sp modelId="{751147A1-ECEB-461F-B4EE-64AB9AD2DDC9}">
+      <dsp:nvSpPr>
+        <dsp:cNvPr id="0" name=""/>
+        <dsp:cNvSpPr/>
+      </dsp:nvSpPr>
+      <dsp:spPr>
+        <a:xfrm>
+          <a:off x="7842647" y="4351266"/>
+          <a:ext cx="3564839" cy="72"/>
+        </a:xfrm>
+        <a:prstGeom prst="rect">
+          <a:avLst/>
+        </a:prstGeom>
+        <a:solidFill>
+          <a:schemeClr val="accent2">
+            <a:hueOff val="0"/>
+            <a:satOff val="0"/>
+            <a:lumOff val="0"/>
+            <a:alphaOff val="0"/>
+          </a:schemeClr>
+        </a:solidFill>
+        <a:ln w="12700" cap="flat" cmpd="sng" algn="ctr">
+          <a:solidFill>
+            <a:schemeClr val="accent2">
+              <a:hueOff val="0"/>
+              <a:satOff val="0"/>
+              <a:lumOff val="0"/>
+              <a:alphaOff val="0"/>
+            </a:schemeClr>
+          </a:solidFill>
+          <a:prstDash val="solid"/>
+          <a:miter lim="800000"/>
+        </a:ln>
+        <a:effectLst/>
+      </dsp:spPr>
+      <dsp:style>
+        <a:lnRef idx="2">
+          <a:scrgbClr r="0" g="0" b="0"/>
+        </a:lnRef>
+        <a:fillRef idx="1">
+          <a:scrgbClr r="0" g="0" b="0"/>
+        </a:fillRef>
+        <a:effectRef idx="0">
+          <a:scrgbClr r="0" g="0" b="0"/>
+        </a:effectRef>
+        <a:fontRef idx="minor">
+          <a:schemeClr val="lt1"/>
+        </a:fontRef>
+      </dsp:style>
+    </dsp:sp>
+  </dsp:spTree>
+</dsp:drawing>
+</file>
+
+<file path=ppt/diagrams/drawing7.xml><?xml version="1.0" encoding="utf-8"?>
 <dsp:drawing xmlns:dgm="http://schemas.openxmlformats.org/drawingml/2006/diagram" xmlns:dsp="http://schemas.microsoft.com/office/drawing/2008/diagram" xmlns:a="http://schemas.openxmlformats.org/drawingml/2006/main">
   <dsp:spTree>
     <dsp:nvGrpSpPr>
@@ -11532,6 +13534,283 @@
 </file>
 
 <file path=ppt/diagrams/layout6.xml><?xml version="1.0" encoding="utf-8"?>
+<dgm:layoutDef xmlns:dgm="http://schemas.openxmlformats.org/drawingml/2006/diagram" xmlns:a="http://schemas.openxmlformats.org/drawingml/2006/main" uniqueId="urn:microsoft.com/office/officeart/2016/7/layout/BasicLinearProcessNumbered">
+  <dgm:title val="Basic Linear Process Numbered"/>
+  <dgm:desc val="Used to show a progression; a timeline; sequential steps in a task, process, or workflow; or to emphasize movement or direction. Automatic numbers have been introduced to show the steps of the process which appears in a circle. Level 1 and Level 2 text appear in a rectangle."/>
+  <dgm:catLst>
+    <dgm:cat type="process" pri="500"/>
+  </dgm:catLst>
+  <dgm:sampData>
+    <dgm:dataModel>
+      <dgm:ptLst>
+        <dgm:pt modelId="0" type="doc"/>
+        <dgm:pt modelId="1">
+          <dgm:prSet phldr="1"/>
+        </dgm:pt>
+        <dgm:pt modelId="11">
+          <dgm:prSet phldr="1"/>
+        </dgm:pt>
+        <dgm:pt modelId="2">
+          <dgm:prSet phldr="1"/>
+        </dgm:pt>
+        <dgm:pt modelId="21">
+          <dgm:prSet phldr="1"/>
+        </dgm:pt>
+        <dgm:pt modelId="3">
+          <dgm:prSet phldr="1"/>
+        </dgm:pt>
+        <dgm:pt modelId="31">
+          <dgm:prSet phldr="1"/>
+        </dgm:pt>
+        <dgm:pt modelId="101" type="sibTrans" cxnId="4">
+          <dgm:prSet phldrT="1"/>
+          <dgm:t>
+            <a:bodyPr/>
+            <a:lstStyle/>
+            <a:p>
+              <a:r>
+                <a:t>1</a:t>
+              </a:r>
+            </a:p>
+          </dgm:t>
+        </dgm:pt>
+        <dgm:pt modelId="201" type="sibTrans" cxnId="5">
+          <dgm:prSet phldrT="2"/>
+          <dgm:t>
+            <a:bodyPr/>
+            <a:lstStyle/>
+            <a:p>
+              <a:r>
+                <a:t>2</a:t>
+              </a:r>
+            </a:p>
+          </dgm:t>
+        </dgm:pt>
+        <dgm:pt modelId="301" type="sibTrans" cxnId="6">
+          <dgm:prSet phldrT="3"/>
+          <dgm:t>
+            <a:bodyPr/>
+            <a:lstStyle/>
+            <a:p>
+              <a:r>
+                <a:t>3</a:t>
+              </a:r>
+            </a:p>
+          </dgm:t>
+        </dgm:pt>
+      </dgm:ptLst>
+      <dgm:cxnLst>
+        <dgm:cxn modelId="4" srcId="0" destId="1" srcOrd="0" destOrd="0" sibTransId="101"/>
+        <dgm:cxn modelId="5" srcId="0" destId="2" srcOrd="1" destOrd="0" sibTransId="201"/>
+        <dgm:cxn modelId="6" srcId="0" destId="3" srcOrd="2" destOrd="0" sibTransId="301"/>
+        <dgm:cxn modelId="13" srcId="1" destId="11" srcOrd="0" destOrd="0"/>
+        <dgm:cxn modelId="23" srcId="2" destId="21" srcOrd="0" destOrd="0"/>
+        <dgm:cxn modelId="33" srcId="3" destId="31" srcOrd="0" destOrd="0"/>
+      </dgm:cxnLst>
+      <dgm:bg/>
+      <dgm:whole/>
+    </dgm:dataModel>
+  </dgm:sampData>
+  <dgm:styleData>
+    <dgm:dataModel>
+      <dgm:ptLst>
+        <dgm:pt modelId="0" type="doc"/>
+        <dgm:pt modelId="1"/>
+        <dgm:pt modelId="11"/>
+        <dgm:pt modelId="2"/>
+        <dgm:pt modelId="21"/>
+      </dgm:ptLst>
+      <dgm:cxnLst>
+        <dgm:cxn modelId="4" srcId="0" destId="1" srcOrd="0" destOrd="0"/>
+        <dgm:cxn modelId="5" srcId="0" destId="2" srcOrd="1" destOrd="0"/>
+        <dgm:cxn modelId="13" srcId="1" destId="11" srcOrd="0" destOrd="0"/>
+        <dgm:cxn modelId="23" srcId="2" destId="21" srcOrd="0" destOrd="0"/>
+      </dgm:cxnLst>
+      <dgm:bg/>
+      <dgm:whole/>
+    </dgm:dataModel>
+  </dgm:styleData>
+  <dgm:clrData>
+    <dgm:dataModel>
+      <dgm:ptLst>
+        <dgm:pt modelId="0" type="doc"/>
+        <dgm:pt modelId="1"/>
+        <dgm:pt modelId="11"/>
+        <dgm:pt modelId="2"/>
+        <dgm:pt modelId="21"/>
+        <dgm:pt modelId="3"/>
+        <dgm:pt modelId="31"/>
+        <dgm:pt modelId="4"/>
+        <dgm:pt modelId="41"/>
+      </dgm:ptLst>
+      <dgm:cxnLst>
+        <dgm:cxn modelId="5" srcId="0" destId="1" srcOrd="0" destOrd="0"/>
+        <dgm:cxn modelId="6" srcId="0" destId="2" srcOrd="1" destOrd="0"/>
+        <dgm:cxn modelId="7" srcId="0" destId="3" srcOrd="2" destOrd="0"/>
+        <dgm:cxn modelId="8" srcId="0" destId="4" srcOrd="3" destOrd="0"/>
+        <dgm:cxn modelId="13" srcId="1" destId="11" srcOrd="0" destOrd="0"/>
+        <dgm:cxn modelId="23" srcId="2" destId="21" srcOrd="0" destOrd="0"/>
+        <dgm:cxn modelId="33" srcId="3" destId="31" srcOrd="0" destOrd="0"/>
+        <dgm:cxn modelId="43" srcId="4" destId="41" srcOrd="0" destOrd="0"/>
+      </dgm:cxnLst>
+      <dgm:bg/>
+      <dgm:whole/>
+    </dgm:dataModel>
+  </dgm:clrData>
+  <dgm:layoutNode name="Name0">
+    <dgm:varLst>
+      <dgm:animLvl val="lvl"/>
+      <dgm:resizeHandles val="exact"/>
+    </dgm:varLst>
+    <dgm:alg type="lin">
+      <dgm:param type="linDir" val="fromL"/>
+      <dgm:param type="nodeVertAlign" val="t"/>
+    </dgm:alg>
+    <dgm:shape xmlns:r="http://schemas.openxmlformats.org/officeDocument/2006/relationships" r:blip="">
+      <dgm:adjLst/>
+    </dgm:shape>
+    <dgm:presOf/>
+    <dgm:constrLst>
+      <dgm:constr type="h" for="ch" forName="compositeNode" refType="h"/>
+      <dgm:constr type="w" for="ch" forName="compositeNode" refType="w"/>
+      <dgm:constr type="w" for="des" forName="simulatedConn" refType="w" refFor="ch" refForName="compositeNode" fact="0.15"/>
+      <dgm:constr type="h" for="des" forName="simulatedConn" refType="w" refFor="des" refForName="simulatedConn"/>
+      <dgm:constr type="h" for="des" forName="vSp1" refType="w" refFor="ch" refForName="compositeNode" fact="0.8"/>
+      <dgm:constr type="h" for="des" forName="vSp2" refType="w" refFor="ch" refForName="compositeNode" fact="0.07"/>
+      <dgm:constr type="w" for="ch" forName="vProcSp" refType="w" refFor="des" refForName="simulatedConn" op="equ"/>
+      <dgm:constr type="h" for="ch" forName="vProcSp" refType="h" refFor="ch" refForName="compositeNode" op="equ"/>
+      <dgm:constr type="w" for="ch" forName="sibTrans" refType="w" refFor="ch" refForName="compositeNode" fact="0.1"/>
+      <dgm:constr type="primFontSz" for="des" forName="sibTransNodeCircle" op="equ"/>
+      <dgm:constr type="primFontSz" for="des" forName="nodeText" op="equ"/>
+      <dgm:constr type="h" for="des" forName="sibTransNodeCircle" op="equ"/>
+      <dgm:constr type="w" for="des" forName="sibTransNodeCircle" op="equ"/>
+    </dgm:constrLst>
+    <dgm:ruleLst>
+      <dgm:rule type="h" val="NaN" fact="1.2" max="NaN"/>
+    </dgm:ruleLst>
+    <dgm:forEach name="Name4" axis="ch" ptType="node">
+      <dgm:layoutNode name="compositeNode">
+        <dgm:varLst>
+          <dgm:bulletEnabled val="1"/>
+        </dgm:varLst>
+        <dgm:alg type="composite"/>
+        <dgm:constrLst>
+          <dgm:constr type="h" refType="w" op="lte" fact="1.4"/>
+          <dgm:constr type="w" for="ch" forName="bgRect" refType="w"/>
+          <dgm:constr type="h" for="ch" forName="bgRect" refType="h"/>
+          <dgm:constr type="t" for="ch" forName="bgRect"/>
+          <dgm:constr type="l" for="ch" forName="bgRect"/>
+          <dgm:constr type="h" for="ch" forName="sibTransNodeCircle" refType="h" refFor="ch" refForName="bgRect" fact="0.3"/>
+          <dgm:constr type="w" for="ch" forName="sibTransNodeCircle" refType="h" refFor="ch" refForName="sibTransNodeCircle"/>
+          <dgm:constr type="ctrX" for="ch" forName="sibTransNodeCircle" refType="w" fact="0.5"/>
+          <dgm:constr type="ctrY" for="ch" forName="sibTransNodeCircle" refType="h" fact="0.25"/>
+          <dgm:constr type="r" for="ch" forName="nodeText" refType="r" refFor="ch" refForName="bgRect"/>
+          <dgm:constr type="h" for="ch" forName="nodeText" refType="h" refFor="ch" refForName="bgRect" fact="0.6"/>
+          <dgm:constr type="t" for="ch" forName="nodeText" refType="h" refFor="ch" refForName="bgRect" fact="0.38"/>
+          <dgm:constr type="b" for="ch" forName="bottomLine" refType="b" refFor="ch" refForName="bgRect"/>
+          <dgm:constr type="w" for="ch" forName="bottomLine" refType="w" refFor="ch" refForName="bgRect"/>
+          <dgm:constr type="h" for="ch" forName="bottomLine" val="0.002"/>
+        </dgm:constrLst>
+        <dgm:ruleLst/>
+        <dgm:layoutNode name="bgRect" styleLbl="bgAccFollowNode1">
+          <dgm:alg type="sp"/>
+          <dgm:shape xmlns:r="http://schemas.openxmlformats.org/officeDocument/2006/relationships" type="rect" r:blip="">
+            <dgm:adjLst/>
+          </dgm:shape>
+          <dgm:presOf axis="self"/>
+          <dgm:constrLst/>
+          <dgm:ruleLst/>
+        </dgm:layoutNode>
+        <dgm:forEach name="Name19" axis="followSib" ptType="sibTrans" hideLastTrans="0" cnt="1">
+          <dgm:layoutNode name="sibTransNodeCircle" styleLbl="alignNode1">
+            <dgm:varLst>
+              <dgm:chMax val="0"/>
+              <dgm:bulletEnabled/>
+            </dgm:varLst>
+            <dgm:presOf axis="self" ptType="sibTrans"/>
+            <dgm:alg type="tx">
+              <dgm:param type="txAnchorVert" val="mid"/>
+              <dgm:param type="txAnchorHorzCh" val="ctr"/>
+            </dgm:alg>
+            <dgm:shape xmlns:r="http://schemas.openxmlformats.org/officeDocument/2006/relationships" type="ellipse" r:blip="">
+              <dgm:adjLst/>
+            </dgm:shape>
+            <dgm:constrLst>
+              <dgm:constr type="w" refType="h" op="lte"/>
+              <dgm:constr type="primFontSz" val="48"/>
+              <dgm:constr type="tMarg" val="1"/>
+              <dgm:constr type="lMarg" refType="w" fact="0.221"/>
+              <dgm:constr type="rMarg" refType="w" fact="0.221"/>
+              <dgm:constr type="bMarg" val="1"/>
+            </dgm:constrLst>
+            <dgm:ruleLst>
+              <dgm:rule type="primFontSz" val="14" fact="NaN" max="NaN"/>
+            </dgm:ruleLst>
+          </dgm:layoutNode>
+        </dgm:forEach>
+        <dgm:layoutNode name="bottomLine" styleLbl="alignNode1">
+          <dgm:varLst/>
+          <dgm:presOf/>
+          <dgm:alg type="sp"/>
+          <dgm:shape xmlns:r="http://schemas.openxmlformats.org/officeDocument/2006/relationships" type="rect" r:blip="">
+            <dgm:adjLst/>
+          </dgm:shape>
+          <dgm:constrLst/>
+          <dgm:ruleLst/>
+        </dgm:layoutNode>
+        <dgm:layoutNode name="nodeText" styleLbl="bgAccFollowNode1" moveWith="bgRect">
+          <dgm:varLst>
+            <dgm:bulletEnabled val="1"/>
+          </dgm:varLst>
+          <dgm:alg type="tx">
+            <dgm:param type="parTxLTRAlign" val="l"/>
+            <dgm:param type="parTxRTLAlign" val="r"/>
+            <dgm:param type="txAnchorVert" val="t"/>
+          </dgm:alg>
+          <dgm:shape xmlns:r="http://schemas.openxmlformats.org/officeDocument/2006/relationships" type="rect" r:blip="" zOrderOff="-1" hideGeom="1">
+            <dgm:adjLst/>
+          </dgm:shape>
+          <dgm:presOf axis="desOrSelf" ptType="node"/>
+          <dgm:constrLst>
+            <dgm:constr type="primFontSz" val="26"/>
+            <dgm:constr type="tMarg" val="26"/>
+            <dgm:constr type="lMarg" refType="w" fact="0.221"/>
+            <dgm:constr type="rMarg" refType="w" fact="0.221"/>
+            <dgm:constr type="bMarg" val="26"/>
+          </dgm:constrLst>
+          <dgm:ruleLst>
+            <dgm:rule type="primFontSz" val="11" fact="NaN" max="NaN"/>
+          </dgm:ruleLst>
+        </dgm:layoutNode>
+      </dgm:layoutNode>
+      <dgm:forEach name="Name14" axis="followSib" ptType="sibTrans" cnt="1">
+        <dgm:layoutNode name="sibTrans">
+          <dgm:alg type="sp"/>
+          <dgm:shape xmlns:r="http://schemas.openxmlformats.org/officeDocument/2006/relationships" r:blip="">
+            <dgm:adjLst/>
+          </dgm:shape>
+          <dgm:presOf/>
+          <dgm:constrLst/>
+          <dgm:ruleLst/>
+        </dgm:layoutNode>
+      </dgm:forEach>
+    </dgm:forEach>
+  </dgm:layoutNode>
+  <dgm:extLst>
+    <a:ext uri="{4F341089-5ED1-44EC-B178-C955D00A3D55}">
+      <dgm1611:autoBuNodeInfoLst xmlns:dgm1611="http://schemas.microsoft.com/office/drawing/2016/11/diagram">
+        <dgm1611:autoBuNodeInfo lvl="1" ptType="sibTrans">
+          <dgm1611:buPr prefix="" leadZeros="0">
+            <a:buAutoNum type="arabicParenBoth"/>
+          </dgm1611:buPr>
+        </dgm1611:autoBuNodeInfo>
+      </dgm1611:autoBuNodeInfoLst>
+    </a:ext>
+  </dgm:extLst>
+</dgm:layoutDef>
+</file>
+
+<file path=ppt/diagrams/layout7.xml><?xml version="1.0" encoding="utf-8"?>
 <dgm:layoutDef xmlns:dgm="http://schemas.openxmlformats.org/drawingml/2006/diagram" xmlns:a="http://schemas.openxmlformats.org/drawingml/2006/main" uniqueId="urn:microsoft.com/office/officeart/2008/layout/LinedList">
   <dgm:title val=""/>
   <dgm:desc val=""/>
@@ -18201,6 +20480,1040 @@
 </dgm:styleDef>
 </file>
 
+<file path=ppt/diagrams/quickStyle7.xml><?xml version="1.0" encoding="utf-8"?>
+<dgm:styleDef xmlns:dgm="http://schemas.openxmlformats.org/drawingml/2006/diagram" xmlns:a="http://schemas.openxmlformats.org/drawingml/2006/main" uniqueId="urn:microsoft.com/office/officeart/2005/8/quickstyle/simple1">
+  <dgm:title val=""/>
+  <dgm:desc val=""/>
+  <dgm:catLst>
+    <dgm:cat type="simple" pri="10100"/>
+  </dgm:catLst>
+  <dgm:scene3d>
+    <a:camera prst="orthographicFront"/>
+    <a:lightRig rig="threePt" dir="t"/>
+  </dgm:scene3d>
+  <dgm:styleLbl name="node0">
+    <dgm:scene3d>
+      <a:camera prst="orthographicFront"/>
+      <a:lightRig rig="threePt" dir="t"/>
+    </dgm:scene3d>
+    <dgm:sp3d/>
+    <dgm:txPr/>
+    <dgm:style>
+      <a:lnRef idx="2">
+        <a:scrgbClr r="0" g="0" b="0"/>
+      </a:lnRef>
+      <a:fillRef idx="1">
+        <a:scrgbClr r="0" g="0" b="0"/>
+      </a:fillRef>
+      <a:effectRef idx="0">
+        <a:scrgbClr r="0" g="0" b="0"/>
+      </a:effectRef>
+      <a:fontRef idx="minor">
+        <a:schemeClr val="lt1"/>
+      </a:fontRef>
+    </dgm:style>
+  </dgm:styleLbl>
+  <dgm:styleLbl name="lnNode1">
+    <dgm:scene3d>
+      <a:camera prst="orthographicFront"/>
+      <a:lightRig rig="threePt" dir="t"/>
+    </dgm:scene3d>
+    <dgm:sp3d/>
+    <dgm:txPr/>
+    <dgm:style>
+      <a:lnRef idx="2">
+        <a:scrgbClr r="0" g="0" b="0"/>
+      </a:lnRef>
+      <a:fillRef idx="1">
+        <a:scrgbClr r="0" g="0" b="0"/>
+      </a:fillRef>
+      <a:effectRef idx="0">
+        <a:scrgbClr r="0" g="0" b="0"/>
+      </a:effectRef>
+      <a:fontRef idx="minor">
+        <a:schemeClr val="lt1"/>
+      </a:fontRef>
+    </dgm:style>
+  </dgm:styleLbl>
+  <dgm:styleLbl name="vennNode1">
+    <dgm:scene3d>
+      <a:camera prst="orthographicFront"/>
+      <a:lightRig rig="threePt" dir="t"/>
+    </dgm:scene3d>
+    <dgm:sp3d/>
+    <dgm:txPr/>
+    <dgm:style>
+      <a:lnRef idx="2">
+        <a:scrgbClr r="0" g="0" b="0"/>
+      </a:lnRef>
+      <a:fillRef idx="1">
+        <a:scrgbClr r="0" g="0" b="0"/>
+      </a:fillRef>
+      <a:effectRef idx="0">
+        <a:scrgbClr r="0" g="0" b="0"/>
+      </a:effectRef>
+      <a:fontRef idx="minor">
+        <a:schemeClr val="tx1"/>
+      </a:fontRef>
+    </dgm:style>
+  </dgm:styleLbl>
+  <dgm:styleLbl name="alignNode1">
+    <dgm:scene3d>
+      <a:camera prst="orthographicFront"/>
+      <a:lightRig rig="threePt" dir="t"/>
+    </dgm:scene3d>
+    <dgm:sp3d/>
+    <dgm:txPr/>
+    <dgm:style>
+      <a:lnRef idx="2">
+        <a:scrgbClr r="0" g="0" b="0"/>
+      </a:lnRef>
+      <a:fillRef idx="1">
+        <a:scrgbClr r="0" g="0" b="0"/>
+      </a:fillRef>
+      <a:effectRef idx="0">
+        <a:scrgbClr r="0" g="0" b="0"/>
+      </a:effectRef>
+      <a:fontRef idx="minor">
+        <a:schemeClr val="lt1"/>
+      </a:fontRef>
+    </dgm:style>
+  </dgm:styleLbl>
+  <dgm:styleLbl name="node1">
+    <dgm:scene3d>
+      <a:camera prst="orthographicFront"/>
+      <a:lightRig rig="threePt" dir="t"/>
+    </dgm:scene3d>
+    <dgm:sp3d/>
+    <dgm:txPr/>
+    <dgm:style>
+      <a:lnRef idx="2">
+        <a:scrgbClr r="0" g="0" b="0"/>
+      </a:lnRef>
+      <a:fillRef idx="1">
+        <a:scrgbClr r="0" g="0" b="0"/>
+      </a:fillRef>
+      <a:effectRef idx="0">
+        <a:scrgbClr r="0" g="0" b="0"/>
+      </a:effectRef>
+      <a:fontRef idx="minor">
+        <a:schemeClr val="lt1"/>
+      </a:fontRef>
+    </dgm:style>
+  </dgm:styleLbl>
+  <dgm:styleLbl name="node2">
+    <dgm:scene3d>
+      <a:camera prst="orthographicFront"/>
+      <a:lightRig rig="threePt" dir="t"/>
+    </dgm:scene3d>
+    <dgm:sp3d/>
+    <dgm:txPr/>
+    <dgm:style>
+      <a:lnRef idx="2">
+        <a:scrgbClr r="0" g="0" b="0"/>
+      </a:lnRef>
+      <a:fillRef idx="1">
+        <a:scrgbClr r="0" g="0" b="0"/>
+      </a:fillRef>
+      <a:effectRef idx="0">
+        <a:scrgbClr r="0" g="0" b="0"/>
+      </a:effectRef>
+      <a:fontRef idx="minor">
+        <a:schemeClr val="lt1"/>
+      </a:fontRef>
+    </dgm:style>
+  </dgm:styleLbl>
+  <dgm:styleLbl name="node3">
+    <dgm:scene3d>
+      <a:camera prst="orthographicFront"/>
+      <a:lightRig rig="threePt" dir="t"/>
+    </dgm:scene3d>
+    <dgm:sp3d/>
+    <dgm:txPr/>
+    <dgm:style>
+      <a:lnRef idx="2">
+        <a:scrgbClr r="0" g="0" b="0"/>
+      </a:lnRef>
+      <a:fillRef idx="1">
+        <a:scrgbClr r="0" g="0" b="0"/>
+      </a:fillRef>
+      <a:effectRef idx="0">
+        <a:scrgbClr r="0" g="0" b="0"/>
+      </a:effectRef>
+      <a:fontRef idx="minor">
+        <a:schemeClr val="lt1"/>
+      </a:fontRef>
+    </dgm:style>
+  </dgm:styleLbl>
+  <dgm:styleLbl name="node4">
+    <dgm:scene3d>
+      <a:camera prst="orthographicFront"/>
+      <a:lightRig rig="threePt" dir="t"/>
+    </dgm:scene3d>
+    <dgm:sp3d/>
+    <dgm:txPr/>
+    <dgm:style>
+      <a:lnRef idx="2">
+        <a:scrgbClr r="0" g="0" b="0"/>
+      </a:lnRef>
+      <a:fillRef idx="1">
+        <a:scrgbClr r="0" g="0" b="0"/>
+      </a:fillRef>
+      <a:effectRef idx="0">
+        <a:scrgbClr r="0" g="0" b="0"/>
+      </a:effectRef>
+      <a:fontRef idx="minor">
+        <a:schemeClr val="lt1"/>
+      </a:fontRef>
+    </dgm:style>
+  </dgm:styleLbl>
+  <dgm:styleLbl name="fgImgPlace1">
+    <dgm:scene3d>
+      <a:camera prst="orthographicFront"/>
+      <a:lightRig rig="threePt" dir="t"/>
+    </dgm:scene3d>
+    <dgm:sp3d/>
+    <dgm:txPr/>
+    <dgm:style>
+      <a:lnRef idx="2">
+        <a:scrgbClr r="0" g="0" b="0"/>
+      </a:lnRef>
+      <a:fillRef idx="1">
+        <a:scrgbClr r="0" g="0" b="0"/>
+      </a:fillRef>
+      <a:effectRef idx="0">
+        <a:scrgbClr r="0" g="0" b="0"/>
+      </a:effectRef>
+      <a:fontRef idx="minor"/>
+    </dgm:style>
+  </dgm:styleLbl>
+  <dgm:styleLbl name="alignImgPlace1">
+    <dgm:scene3d>
+      <a:camera prst="orthographicFront"/>
+      <a:lightRig rig="threePt" dir="t"/>
+    </dgm:scene3d>
+    <dgm:sp3d/>
+    <dgm:txPr/>
+    <dgm:style>
+      <a:lnRef idx="2">
+        <a:scrgbClr r="0" g="0" b="0"/>
+      </a:lnRef>
+      <a:fillRef idx="1">
+        <a:scrgbClr r="0" g="0" b="0"/>
+      </a:fillRef>
+      <a:effectRef idx="0">
+        <a:scrgbClr r="0" g="0" b="0"/>
+      </a:effectRef>
+      <a:fontRef idx="minor"/>
+    </dgm:style>
+  </dgm:styleLbl>
+  <dgm:styleLbl name="bgImgPlace1">
+    <dgm:scene3d>
+      <a:camera prst="orthographicFront"/>
+      <a:lightRig rig="threePt" dir="t"/>
+    </dgm:scene3d>
+    <dgm:sp3d/>
+    <dgm:txPr/>
+    <dgm:style>
+      <a:lnRef idx="2">
+        <a:scrgbClr r="0" g="0" b="0"/>
+      </a:lnRef>
+      <a:fillRef idx="1">
+        <a:scrgbClr r="0" g="0" b="0"/>
+      </a:fillRef>
+      <a:effectRef idx="0">
+        <a:scrgbClr r="0" g="0" b="0"/>
+      </a:effectRef>
+      <a:fontRef idx="minor"/>
+    </dgm:style>
+  </dgm:styleLbl>
+  <dgm:styleLbl name="sibTrans2D1">
+    <dgm:scene3d>
+      <a:camera prst="orthographicFront"/>
+      <a:lightRig rig="threePt" dir="t"/>
+    </dgm:scene3d>
+    <dgm:sp3d/>
+    <dgm:txPr/>
+    <dgm:style>
+      <a:lnRef idx="0">
+        <a:scrgbClr r="0" g="0" b="0"/>
+      </a:lnRef>
+      <a:fillRef idx="1">
+        <a:scrgbClr r="0" g="0" b="0"/>
+      </a:fillRef>
+      <a:effectRef idx="0">
+        <a:scrgbClr r="0" g="0" b="0"/>
+      </a:effectRef>
+      <a:fontRef idx="minor">
+        <a:schemeClr val="lt1"/>
+      </a:fontRef>
+    </dgm:style>
+  </dgm:styleLbl>
+  <dgm:styleLbl name="fgSibTrans2D1">
+    <dgm:scene3d>
+      <a:camera prst="orthographicFront"/>
+      <a:lightRig rig="threePt" dir="t"/>
+    </dgm:scene3d>
+    <dgm:sp3d/>
+    <dgm:txPr/>
+    <dgm:style>
+      <a:lnRef idx="0">
+        <a:scrgbClr r="0" g="0" b="0"/>
+      </a:lnRef>
+      <a:fillRef idx="1">
+        <a:scrgbClr r="0" g="0" b="0"/>
+      </a:fillRef>
+      <a:effectRef idx="0">
+        <a:scrgbClr r="0" g="0" b="0"/>
+      </a:effectRef>
+      <a:fontRef idx="minor">
+        <a:schemeClr val="lt1"/>
+      </a:fontRef>
+    </dgm:style>
+  </dgm:styleLbl>
+  <dgm:styleLbl name="bgSibTrans2D1">
+    <dgm:scene3d>
+      <a:camera prst="orthographicFront"/>
+      <a:lightRig rig="threePt" dir="t"/>
+    </dgm:scene3d>
+    <dgm:sp3d/>
+    <dgm:txPr/>
+    <dgm:style>
+      <a:lnRef idx="0">
+        <a:scrgbClr r="0" g="0" b="0"/>
+      </a:lnRef>
+      <a:fillRef idx="1">
+        <a:scrgbClr r="0" g="0" b="0"/>
+      </a:fillRef>
+      <a:effectRef idx="0">
+        <a:scrgbClr r="0" g="0" b="0"/>
+      </a:effectRef>
+      <a:fontRef idx="minor">
+        <a:schemeClr val="lt1"/>
+      </a:fontRef>
+    </dgm:style>
+  </dgm:styleLbl>
+  <dgm:styleLbl name="sibTrans1D1">
+    <dgm:scene3d>
+      <a:camera prst="orthographicFront"/>
+      <a:lightRig rig="threePt" dir="t"/>
+    </dgm:scene3d>
+    <dgm:sp3d/>
+    <dgm:txPr/>
+    <dgm:style>
+      <a:lnRef idx="1">
+        <a:scrgbClr r="0" g="0" b="0"/>
+      </a:lnRef>
+      <a:fillRef idx="0">
+        <a:scrgbClr r="0" g="0" b="0"/>
+      </a:fillRef>
+      <a:effectRef idx="0">
+        <a:scrgbClr r="0" g="0" b="0"/>
+      </a:effectRef>
+      <a:fontRef idx="minor"/>
+    </dgm:style>
+  </dgm:styleLbl>
+  <dgm:styleLbl name="callout">
+    <dgm:scene3d>
+      <a:camera prst="orthographicFront"/>
+      <a:lightRig rig="threePt" dir="t"/>
+    </dgm:scene3d>
+    <dgm:sp3d/>
+    <dgm:txPr/>
+    <dgm:style>
+      <a:lnRef idx="2">
+        <a:scrgbClr r="0" g="0" b="0"/>
+      </a:lnRef>
+      <a:fillRef idx="1">
+        <a:scrgbClr r="0" g="0" b="0"/>
+      </a:fillRef>
+      <a:effectRef idx="0">
+        <a:scrgbClr r="0" g="0" b="0"/>
+      </a:effectRef>
+      <a:fontRef idx="minor"/>
+    </dgm:style>
+  </dgm:styleLbl>
+  <dgm:styleLbl name="asst0">
+    <dgm:scene3d>
+      <a:camera prst="orthographicFront"/>
+      <a:lightRig rig="threePt" dir="t"/>
+    </dgm:scene3d>
+    <dgm:sp3d/>
+    <dgm:txPr/>
+    <dgm:style>
+      <a:lnRef idx="2">
+        <a:scrgbClr r="0" g="0" b="0"/>
+      </a:lnRef>
+      <a:fillRef idx="1">
+        <a:scrgbClr r="0" g="0" b="0"/>
+      </a:fillRef>
+      <a:effectRef idx="0">
+        <a:scrgbClr r="0" g="0" b="0"/>
+      </a:effectRef>
+      <a:fontRef idx="minor">
+        <a:schemeClr val="lt1"/>
+      </a:fontRef>
+    </dgm:style>
+  </dgm:styleLbl>
+  <dgm:styleLbl name="asst1">
+    <dgm:scene3d>
+      <a:camera prst="orthographicFront"/>
+      <a:lightRig rig="threePt" dir="t"/>
+    </dgm:scene3d>
+    <dgm:sp3d/>
+    <dgm:txPr/>
+    <dgm:style>
+      <a:lnRef idx="2">
+        <a:scrgbClr r="0" g="0" b="0"/>
+      </a:lnRef>
+      <a:fillRef idx="1">
+        <a:scrgbClr r="0" g="0" b="0"/>
+      </a:fillRef>
+      <a:effectRef idx="0">
+        <a:scrgbClr r="0" g="0" b="0"/>
+      </a:effectRef>
+      <a:fontRef idx="minor">
+        <a:schemeClr val="lt1"/>
+      </a:fontRef>
+    </dgm:style>
+  </dgm:styleLbl>
+  <dgm:styleLbl name="asst2">
+    <dgm:scene3d>
+      <a:camera prst="orthographicFront"/>
+      <a:lightRig rig="threePt" dir="t"/>
+    </dgm:scene3d>
+    <dgm:sp3d/>
+    <dgm:txPr/>
+    <dgm:style>
+      <a:lnRef idx="2">
+        <a:scrgbClr r="0" g="0" b="0"/>
+      </a:lnRef>
+      <a:fillRef idx="1">
+        <a:scrgbClr r="0" g="0" b="0"/>
+      </a:fillRef>
+      <a:effectRef idx="0">
+        <a:scrgbClr r="0" g="0" b="0"/>
+      </a:effectRef>
+      <a:fontRef idx="minor">
+        <a:schemeClr val="lt1"/>
+      </a:fontRef>
+    </dgm:style>
+  </dgm:styleLbl>
+  <dgm:styleLbl name="asst3">
+    <dgm:scene3d>
+      <a:camera prst="orthographicFront"/>
+      <a:lightRig rig="threePt" dir="t"/>
+    </dgm:scene3d>
+    <dgm:sp3d/>
+    <dgm:txPr/>
+    <dgm:style>
+      <a:lnRef idx="2">
+        <a:scrgbClr r="0" g="0" b="0"/>
+      </a:lnRef>
+      <a:fillRef idx="1">
+        <a:scrgbClr r="0" g="0" b="0"/>
+      </a:fillRef>
+      <a:effectRef idx="0">
+        <a:scrgbClr r="0" g="0" b="0"/>
+      </a:effectRef>
+      <a:fontRef idx="minor">
+        <a:schemeClr val="lt1"/>
+      </a:fontRef>
+    </dgm:style>
+  </dgm:styleLbl>
+  <dgm:styleLbl name="asst4">
+    <dgm:scene3d>
+      <a:camera prst="orthographicFront"/>
+      <a:lightRig rig="threePt" dir="t"/>
+    </dgm:scene3d>
+    <dgm:sp3d/>
+    <dgm:txPr/>
+    <dgm:style>
+      <a:lnRef idx="2">
+        <a:scrgbClr r="0" g="0" b="0"/>
+      </a:lnRef>
+      <a:fillRef idx="1">
+        <a:scrgbClr r="0" g="0" b="0"/>
+      </a:fillRef>
+      <a:effectRef idx="0">
+        <a:scrgbClr r="0" g="0" b="0"/>
+      </a:effectRef>
+      <a:fontRef idx="minor">
+        <a:schemeClr val="lt1"/>
+      </a:fontRef>
+    </dgm:style>
+  </dgm:styleLbl>
+  <dgm:styleLbl name="parChTrans2D1">
+    <dgm:scene3d>
+      <a:camera prst="orthographicFront"/>
+      <a:lightRig rig="threePt" dir="t"/>
+    </dgm:scene3d>
+    <dgm:sp3d/>
+    <dgm:txPr/>
+    <dgm:style>
+      <a:lnRef idx="2">
+        <a:scrgbClr r="0" g="0" b="0"/>
+      </a:lnRef>
+      <a:fillRef idx="1">
+        <a:scrgbClr r="0" g="0" b="0"/>
+      </a:fillRef>
+      <a:effectRef idx="0">
+        <a:scrgbClr r="0" g="0" b="0"/>
+      </a:effectRef>
+      <a:fontRef idx="minor">
+        <a:schemeClr val="lt1"/>
+      </a:fontRef>
+    </dgm:style>
+  </dgm:styleLbl>
+  <dgm:styleLbl name="parChTrans2D2">
+    <dgm:scene3d>
+      <a:camera prst="orthographicFront"/>
+      <a:lightRig rig="threePt" dir="t"/>
+    </dgm:scene3d>
+    <dgm:sp3d/>
+    <dgm:txPr/>
+    <dgm:style>
+      <a:lnRef idx="2">
+        <a:scrgbClr r="0" g="0" b="0"/>
+      </a:lnRef>
+      <a:fillRef idx="1">
+        <a:scrgbClr r="0" g="0" b="0"/>
+      </a:fillRef>
+      <a:effectRef idx="0">
+        <a:scrgbClr r="0" g="0" b="0"/>
+      </a:effectRef>
+      <a:fontRef idx="minor">
+        <a:schemeClr val="lt1"/>
+      </a:fontRef>
+    </dgm:style>
+  </dgm:styleLbl>
+  <dgm:styleLbl name="parChTrans2D3">
+    <dgm:scene3d>
+      <a:camera prst="orthographicFront"/>
+      <a:lightRig rig="threePt" dir="t"/>
+    </dgm:scene3d>
+    <dgm:sp3d/>
+    <dgm:txPr/>
+    <dgm:style>
+      <a:lnRef idx="2">
+        <a:scrgbClr r="0" g="0" b="0"/>
+      </a:lnRef>
+      <a:fillRef idx="1">
+        <a:scrgbClr r="0" g="0" b="0"/>
+      </a:fillRef>
+      <a:effectRef idx="0">
+        <a:scrgbClr r="0" g="0" b="0"/>
+      </a:effectRef>
+      <a:fontRef idx="minor">
+        <a:schemeClr val="lt1"/>
+      </a:fontRef>
+    </dgm:style>
+  </dgm:styleLbl>
+  <dgm:styleLbl name="parChTrans2D4">
+    <dgm:scene3d>
+      <a:camera prst="orthographicFront"/>
+      <a:lightRig rig="threePt" dir="t"/>
+    </dgm:scene3d>
+    <dgm:sp3d/>
+    <dgm:txPr/>
+    <dgm:style>
+      <a:lnRef idx="2">
+        <a:scrgbClr r="0" g="0" b="0"/>
+      </a:lnRef>
+      <a:fillRef idx="1">
+        <a:scrgbClr r="0" g="0" b="0"/>
+      </a:fillRef>
+      <a:effectRef idx="0">
+        <a:scrgbClr r="0" g="0" b="0"/>
+      </a:effectRef>
+      <a:fontRef idx="minor">
+        <a:schemeClr val="lt1"/>
+      </a:fontRef>
+    </dgm:style>
+  </dgm:styleLbl>
+  <dgm:styleLbl name="parChTrans1D1">
+    <dgm:scene3d>
+      <a:camera prst="orthographicFront"/>
+      <a:lightRig rig="threePt" dir="t"/>
+    </dgm:scene3d>
+    <dgm:sp3d/>
+    <dgm:txPr/>
+    <dgm:style>
+      <a:lnRef idx="2">
+        <a:scrgbClr r="0" g="0" b="0"/>
+      </a:lnRef>
+      <a:fillRef idx="0">
+        <a:scrgbClr r="0" g="0" b="0"/>
+      </a:fillRef>
+      <a:effectRef idx="0">
+        <a:scrgbClr r="0" g="0" b="0"/>
+      </a:effectRef>
+      <a:fontRef idx="minor"/>
+    </dgm:style>
+  </dgm:styleLbl>
+  <dgm:styleLbl name="parChTrans1D2">
+    <dgm:scene3d>
+      <a:camera prst="orthographicFront"/>
+      <a:lightRig rig="threePt" dir="t"/>
+    </dgm:scene3d>
+    <dgm:sp3d/>
+    <dgm:txPr/>
+    <dgm:style>
+      <a:lnRef idx="2">
+        <a:scrgbClr r="0" g="0" b="0"/>
+      </a:lnRef>
+      <a:fillRef idx="0">
+        <a:scrgbClr r="0" g="0" b="0"/>
+      </a:fillRef>
+      <a:effectRef idx="0">
+        <a:scrgbClr r="0" g="0" b="0"/>
+      </a:effectRef>
+      <a:fontRef idx="minor"/>
+    </dgm:style>
+  </dgm:styleLbl>
+  <dgm:styleLbl name="parChTrans1D3">
+    <dgm:scene3d>
+      <a:camera prst="orthographicFront"/>
+      <a:lightRig rig="threePt" dir="t"/>
+    </dgm:scene3d>
+    <dgm:sp3d/>
+    <dgm:txPr/>
+    <dgm:style>
+      <a:lnRef idx="2">
+        <a:scrgbClr r="0" g="0" b="0"/>
+      </a:lnRef>
+      <a:fillRef idx="0">
+        <a:scrgbClr r="0" g="0" b="0"/>
+      </a:fillRef>
+      <a:effectRef idx="0">
+        <a:scrgbClr r="0" g="0" b="0"/>
+      </a:effectRef>
+      <a:fontRef idx="minor"/>
+    </dgm:style>
+  </dgm:styleLbl>
+  <dgm:styleLbl name="parChTrans1D4">
+    <dgm:scene3d>
+      <a:camera prst="orthographicFront"/>
+      <a:lightRig rig="threePt" dir="t"/>
+    </dgm:scene3d>
+    <dgm:sp3d/>
+    <dgm:txPr/>
+    <dgm:style>
+      <a:lnRef idx="2">
+        <a:scrgbClr r="0" g="0" b="0"/>
+      </a:lnRef>
+      <a:fillRef idx="0">
+        <a:scrgbClr r="0" g="0" b="0"/>
+      </a:fillRef>
+      <a:effectRef idx="0">
+        <a:scrgbClr r="0" g="0" b="0"/>
+      </a:effectRef>
+      <a:fontRef idx="minor"/>
+    </dgm:style>
+  </dgm:styleLbl>
+  <dgm:styleLbl name="fgAcc1">
+    <dgm:scene3d>
+      <a:camera prst="orthographicFront"/>
+      <a:lightRig rig="threePt" dir="t"/>
+    </dgm:scene3d>
+    <dgm:sp3d/>
+    <dgm:txPr/>
+    <dgm:style>
+      <a:lnRef idx="2">
+        <a:scrgbClr r="0" g="0" b="0"/>
+      </a:lnRef>
+      <a:fillRef idx="1">
+        <a:scrgbClr r="0" g="0" b="0"/>
+      </a:fillRef>
+      <a:effectRef idx="0">
+        <a:scrgbClr r="0" g="0" b="0"/>
+      </a:effectRef>
+      <a:fontRef idx="minor"/>
+    </dgm:style>
+  </dgm:styleLbl>
+  <dgm:styleLbl name="conFgAcc1">
+    <dgm:scene3d>
+      <a:camera prst="orthographicFront"/>
+      <a:lightRig rig="threePt" dir="t"/>
+    </dgm:scene3d>
+    <dgm:sp3d/>
+    <dgm:txPr/>
+    <dgm:style>
+      <a:lnRef idx="2">
+        <a:scrgbClr r="0" g="0" b="0"/>
+      </a:lnRef>
+      <a:fillRef idx="1">
+        <a:scrgbClr r="0" g="0" b="0"/>
+      </a:fillRef>
+      <a:effectRef idx="0">
+        <a:scrgbClr r="0" g="0" b="0"/>
+      </a:effectRef>
+      <a:fontRef idx="minor"/>
+    </dgm:style>
+  </dgm:styleLbl>
+  <dgm:styleLbl name="alignAcc1">
+    <dgm:scene3d>
+      <a:camera prst="orthographicFront"/>
+      <a:lightRig rig="threePt" dir="t"/>
+    </dgm:scene3d>
+    <dgm:sp3d/>
+    <dgm:txPr/>
+    <dgm:style>
+      <a:lnRef idx="2">
+        <a:scrgbClr r="0" g="0" b="0"/>
+      </a:lnRef>
+      <a:fillRef idx="1">
+        <a:scrgbClr r="0" g="0" b="0"/>
+      </a:fillRef>
+      <a:effectRef idx="0">
+        <a:scrgbClr r="0" g="0" b="0"/>
+      </a:effectRef>
+      <a:fontRef idx="minor"/>
+    </dgm:style>
+  </dgm:styleLbl>
+  <dgm:styleLbl name="trAlignAcc1">
+    <dgm:scene3d>
+      <a:camera prst="orthographicFront"/>
+      <a:lightRig rig="threePt" dir="t"/>
+    </dgm:scene3d>
+    <dgm:sp3d/>
+    <dgm:txPr/>
+    <dgm:style>
+      <a:lnRef idx="1">
+        <a:scrgbClr r="0" g="0" b="0"/>
+      </a:lnRef>
+      <a:fillRef idx="1">
+        <a:scrgbClr r="0" g="0" b="0"/>
+      </a:fillRef>
+      <a:effectRef idx="0">
+        <a:scrgbClr r="0" g="0" b="0"/>
+      </a:effectRef>
+      <a:fontRef idx="minor"/>
+    </dgm:style>
+  </dgm:styleLbl>
+  <dgm:styleLbl name="bgAcc1">
+    <dgm:scene3d>
+      <a:camera prst="orthographicFront"/>
+      <a:lightRig rig="threePt" dir="t"/>
+    </dgm:scene3d>
+    <dgm:sp3d/>
+    <dgm:txPr/>
+    <dgm:style>
+      <a:lnRef idx="2">
+        <a:scrgbClr r="0" g="0" b="0"/>
+      </a:lnRef>
+      <a:fillRef idx="1">
+        <a:scrgbClr r="0" g="0" b="0"/>
+      </a:fillRef>
+      <a:effectRef idx="0">
+        <a:scrgbClr r="0" g="0" b="0"/>
+      </a:effectRef>
+      <a:fontRef idx="minor"/>
+    </dgm:style>
+  </dgm:styleLbl>
+  <dgm:styleLbl name="solidFgAcc1">
+    <dgm:scene3d>
+      <a:camera prst="orthographicFront"/>
+      <a:lightRig rig="threePt" dir="t"/>
+    </dgm:scene3d>
+    <dgm:sp3d/>
+    <dgm:txPr/>
+    <dgm:style>
+      <a:lnRef idx="2">
+        <a:scrgbClr r="0" g="0" b="0"/>
+      </a:lnRef>
+      <a:fillRef idx="1">
+        <a:scrgbClr r="0" g="0" b="0"/>
+      </a:fillRef>
+      <a:effectRef idx="0">
+        <a:scrgbClr r="0" g="0" b="0"/>
+      </a:effectRef>
+      <a:fontRef idx="minor"/>
+    </dgm:style>
+  </dgm:styleLbl>
+  <dgm:styleLbl name="solidAlignAcc1">
+    <dgm:scene3d>
+      <a:camera prst="orthographicFront"/>
+      <a:lightRig rig="threePt" dir="t"/>
+    </dgm:scene3d>
+    <dgm:sp3d/>
+    <dgm:txPr/>
+    <dgm:style>
+      <a:lnRef idx="2">
+        <a:scrgbClr r="0" g="0" b="0"/>
+      </a:lnRef>
+      <a:fillRef idx="1">
+        <a:scrgbClr r="0" g="0" b="0"/>
+      </a:fillRef>
+      <a:effectRef idx="0">
+        <a:scrgbClr r="0" g="0" b="0"/>
+      </a:effectRef>
+      <a:fontRef idx="minor"/>
+    </dgm:style>
+  </dgm:styleLbl>
+  <dgm:styleLbl name="solidBgAcc1">
+    <dgm:scene3d>
+      <a:camera prst="orthographicFront"/>
+      <a:lightRig rig="threePt" dir="t"/>
+    </dgm:scene3d>
+    <dgm:sp3d/>
+    <dgm:txPr/>
+    <dgm:style>
+      <a:lnRef idx="2">
+        <a:scrgbClr r="0" g="0" b="0"/>
+      </a:lnRef>
+      <a:fillRef idx="1">
+        <a:scrgbClr r="0" g="0" b="0"/>
+      </a:fillRef>
+      <a:effectRef idx="0">
+        <a:scrgbClr r="0" g="0" b="0"/>
+      </a:effectRef>
+      <a:fontRef idx="minor"/>
+    </dgm:style>
+  </dgm:styleLbl>
+  <dgm:styleLbl name="fgAccFollowNode1">
+    <dgm:scene3d>
+      <a:camera prst="orthographicFront"/>
+      <a:lightRig rig="threePt" dir="t"/>
+    </dgm:scene3d>
+    <dgm:sp3d/>
+    <dgm:txPr/>
+    <dgm:style>
+      <a:lnRef idx="2">
+        <a:scrgbClr r="0" g="0" b="0"/>
+      </a:lnRef>
+      <a:fillRef idx="1">
+        <a:scrgbClr r="0" g="0" b="0"/>
+      </a:fillRef>
+      <a:effectRef idx="0">
+        <a:scrgbClr r="0" g="0" b="0"/>
+      </a:effectRef>
+      <a:fontRef idx="minor"/>
+    </dgm:style>
+  </dgm:styleLbl>
+  <dgm:styleLbl name="alignAccFollowNode1">
+    <dgm:scene3d>
+      <a:camera prst="orthographicFront"/>
+      <a:lightRig rig="threePt" dir="t"/>
+    </dgm:scene3d>
+    <dgm:sp3d/>
+    <dgm:txPr/>
+    <dgm:style>
+      <a:lnRef idx="2">
+        <a:scrgbClr r="0" g="0" b="0"/>
+      </a:lnRef>
+      <a:fillRef idx="1">
+        <a:scrgbClr r="0" g="0" b="0"/>
+      </a:fillRef>
+      <a:effectRef idx="0">
+        <a:scrgbClr r="0" g="0" b="0"/>
+      </a:effectRef>
+      <a:fontRef idx="minor"/>
+    </dgm:style>
+  </dgm:styleLbl>
+  <dgm:styleLbl name="bgAccFollowNode1">
+    <dgm:scene3d>
+      <a:camera prst="orthographicFront"/>
+      <a:lightRig rig="threePt" dir="t"/>
+    </dgm:scene3d>
+    <dgm:sp3d/>
+    <dgm:txPr/>
+    <dgm:style>
+      <a:lnRef idx="2">
+        <a:scrgbClr r="0" g="0" b="0"/>
+      </a:lnRef>
+      <a:fillRef idx="1">
+        <a:scrgbClr r="0" g="0" b="0"/>
+      </a:fillRef>
+      <a:effectRef idx="0">
+        <a:scrgbClr r="0" g="0" b="0"/>
+      </a:effectRef>
+      <a:fontRef idx="minor"/>
+    </dgm:style>
+  </dgm:styleLbl>
+  <dgm:styleLbl name="fgAcc0">
+    <dgm:scene3d>
+      <a:camera prst="orthographicFront"/>
+      <a:lightRig rig="threePt" dir="t"/>
+    </dgm:scene3d>
+    <dgm:sp3d/>
+    <dgm:txPr/>
+    <dgm:style>
+      <a:lnRef idx="2">
+        <a:scrgbClr r="0" g="0" b="0"/>
+      </a:lnRef>
+      <a:fillRef idx="1">
+        <a:scrgbClr r="0" g="0" b="0"/>
+      </a:fillRef>
+      <a:effectRef idx="0">
+        <a:scrgbClr r="0" g="0" b="0"/>
+      </a:effectRef>
+      <a:fontRef idx="minor"/>
+    </dgm:style>
+  </dgm:styleLbl>
+  <dgm:styleLbl name="fgAcc2">
+    <dgm:scene3d>
+      <a:camera prst="orthographicFront"/>
+      <a:lightRig rig="threePt" dir="t"/>
+    </dgm:scene3d>
+    <dgm:sp3d/>
+    <dgm:txPr/>
+    <dgm:style>
+      <a:lnRef idx="2">
+        <a:scrgbClr r="0" g="0" b="0"/>
+      </a:lnRef>
+      <a:fillRef idx="1">
+        <a:scrgbClr r="0" g="0" b="0"/>
+      </a:fillRef>
+      <a:effectRef idx="0">
+        <a:scrgbClr r="0" g="0" b="0"/>
+      </a:effectRef>
+      <a:fontRef idx="minor"/>
+    </dgm:style>
+  </dgm:styleLbl>
+  <dgm:styleLbl name="fgAcc3">
+    <dgm:scene3d>
+      <a:camera prst="orthographicFront"/>
+      <a:lightRig rig="threePt" dir="t"/>
+    </dgm:scene3d>
+    <dgm:sp3d/>
+    <dgm:txPr/>
+    <dgm:style>
+      <a:lnRef idx="2">
+        <a:scrgbClr r="0" g="0" b="0"/>
+      </a:lnRef>
+      <a:fillRef idx="1">
+        <a:scrgbClr r="0" g="0" b="0"/>
+      </a:fillRef>
+      <a:effectRef idx="0">
+        <a:scrgbClr r="0" g="0" b="0"/>
+      </a:effectRef>
+      <a:fontRef idx="minor"/>
+    </dgm:style>
+  </dgm:styleLbl>
+  <dgm:styleLbl name="fgAcc4">
+    <dgm:scene3d>
+      <a:camera prst="orthographicFront"/>
+      <a:lightRig rig="threePt" dir="t"/>
+    </dgm:scene3d>
+    <dgm:sp3d/>
+    <dgm:txPr/>
+    <dgm:style>
+      <a:lnRef idx="2">
+        <a:scrgbClr r="0" g="0" b="0"/>
+      </a:lnRef>
+      <a:fillRef idx="1">
+        <a:scrgbClr r="0" g="0" b="0"/>
+      </a:fillRef>
+      <a:effectRef idx="0">
+        <a:scrgbClr r="0" g="0" b="0"/>
+      </a:effectRef>
+      <a:fontRef idx="minor"/>
+    </dgm:style>
+  </dgm:styleLbl>
+  <dgm:styleLbl name="bgShp">
+    <dgm:scene3d>
+      <a:camera prst="orthographicFront"/>
+      <a:lightRig rig="threePt" dir="t"/>
+    </dgm:scene3d>
+    <dgm:sp3d/>
+    <dgm:txPr/>
+    <dgm:style>
+      <a:lnRef idx="0">
+        <a:scrgbClr r="0" g="0" b="0"/>
+      </a:lnRef>
+      <a:fillRef idx="1">
+        <a:scrgbClr r="0" g="0" b="0"/>
+      </a:fillRef>
+      <a:effectRef idx="0">
+        <a:scrgbClr r="0" g="0" b="0"/>
+      </a:effectRef>
+      <a:fontRef idx="minor"/>
+    </dgm:style>
+  </dgm:styleLbl>
+  <dgm:styleLbl name="dkBgShp">
+    <dgm:scene3d>
+      <a:camera prst="orthographicFront"/>
+      <a:lightRig rig="threePt" dir="t"/>
+    </dgm:scene3d>
+    <dgm:sp3d/>
+    <dgm:txPr/>
+    <dgm:style>
+      <a:lnRef idx="0">
+        <a:scrgbClr r="0" g="0" b="0"/>
+      </a:lnRef>
+      <a:fillRef idx="1">
+        <a:scrgbClr r="0" g="0" b="0"/>
+      </a:fillRef>
+      <a:effectRef idx="0">
+        <a:scrgbClr r="0" g="0" b="0"/>
+      </a:effectRef>
+      <a:fontRef idx="minor"/>
+    </dgm:style>
+  </dgm:styleLbl>
+  <dgm:styleLbl name="trBgShp">
+    <dgm:scene3d>
+      <a:camera prst="orthographicFront"/>
+      <a:lightRig rig="threePt" dir="t"/>
+    </dgm:scene3d>
+    <dgm:sp3d/>
+    <dgm:txPr/>
+    <dgm:style>
+      <a:lnRef idx="0">
+        <a:scrgbClr r="0" g="0" b="0"/>
+      </a:lnRef>
+      <a:fillRef idx="1">
+        <a:scrgbClr r="0" g="0" b="0"/>
+      </a:fillRef>
+      <a:effectRef idx="0">
+        <a:scrgbClr r="0" g="0" b="0"/>
+      </a:effectRef>
+      <a:fontRef idx="minor"/>
+    </dgm:style>
+  </dgm:styleLbl>
+  <dgm:styleLbl name="fgShp">
+    <dgm:scene3d>
+      <a:camera prst="orthographicFront"/>
+      <a:lightRig rig="threePt" dir="t"/>
+    </dgm:scene3d>
+    <dgm:sp3d/>
+    <dgm:txPr/>
+    <dgm:style>
+      <a:lnRef idx="2">
+        <a:scrgbClr r="0" g="0" b="0"/>
+      </a:lnRef>
+      <a:fillRef idx="1">
+        <a:scrgbClr r="0" g="0" b="0"/>
+      </a:fillRef>
+      <a:effectRef idx="0">
+        <a:scrgbClr r="0" g="0" b="0"/>
+      </a:effectRef>
+      <a:fontRef idx="minor"/>
+    </dgm:style>
+  </dgm:styleLbl>
+  <dgm:styleLbl name="revTx">
+    <dgm:scene3d>
+      <a:camera prst="orthographicFront"/>
+      <a:lightRig rig="threePt" dir="t"/>
+    </dgm:scene3d>
+    <dgm:sp3d/>
+    <dgm:txPr/>
+    <dgm:style>
+      <a:lnRef idx="0">
+        <a:scrgbClr r="0" g="0" b="0"/>
+      </a:lnRef>
+      <a:fillRef idx="0">
+        <a:scrgbClr r="0" g="0" b="0"/>
+      </a:fillRef>
+      <a:effectRef idx="0">
+        <a:scrgbClr r="0" g="0" b="0"/>
+      </a:effectRef>
+      <a:fontRef idx="minor"/>
+    </dgm:style>
+  </dgm:styleLbl>
+</dgm:styleDef>
+</file>
+
 <file path=ppt/slideLayouts/slideLayout1.xml><?xml version="1.0" encoding="utf-8"?>
 <p:sldLayout xmlns:a="http://schemas.openxmlformats.org/drawingml/2006/main" xmlns:r="http://schemas.openxmlformats.org/officeDocument/2006/relationships" xmlns:p="http://schemas.openxmlformats.org/presentationml/2006/main" type="title" preserve="1">
   <p:cSld name="标题幻灯片">
@@ -18332,7 +21645,7 @@
           <a:p>
             <a:fld id="{5A8F3604-515A-41FB-875F-ACBE921EC2F2}" type="datetimeFigureOut">
               <a:rPr lang="en-US" smtClean="0"/>
-              <a:t>5/9/2020</a:t>
+              <a:t>5/10/2020</a:t>
             </a:fld>
             <a:endParaRPr lang="en-US"/>
           </a:p>
@@ -18502,7 +21815,7 @@
           <a:p>
             <a:fld id="{5A8F3604-515A-41FB-875F-ACBE921EC2F2}" type="datetimeFigureOut">
               <a:rPr lang="en-US" smtClean="0"/>
-              <a:t>5/9/2020</a:t>
+              <a:t>5/10/2020</a:t>
             </a:fld>
             <a:endParaRPr lang="en-US"/>
           </a:p>
@@ -18682,7 +21995,7 @@
           <a:p>
             <a:fld id="{5A8F3604-515A-41FB-875F-ACBE921EC2F2}" type="datetimeFigureOut">
               <a:rPr lang="en-US" smtClean="0"/>
-              <a:t>5/9/2020</a:t>
+              <a:t>5/10/2020</a:t>
             </a:fld>
             <a:endParaRPr lang="en-US"/>
           </a:p>
@@ -18890,7 +22203,7 @@
           <a:p>
             <a:fld id="{8663F5F6-EA10-44FF-B365-9A2EC8616DD5}" type="datetimeFigureOut">
               <a:rPr lang="zh-CN" altLang="en-US" smtClean="0"/>
-              <a:t>2020/5/9</a:t>
+              <a:t>2020/5/10</a:t>
             </a:fld>
             <a:endParaRPr lang="zh-CN" altLang="en-US"/>
           </a:p>
@@ -19088,7 +22401,7 @@
           <a:p>
             <a:fld id="{8663F5F6-EA10-44FF-B365-9A2EC8616DD5}" type="datetimeFigureOut">
               <a:rPr lang="zh-CN" altLang="en-US" smtClean="0"/>
-              <a:t>2020/5/9</a:t>
+              <a:t>2020/5/10</a:t>
             </a:fld>
             <a:endParaRPr lang="zh-CN" altLang="en-US"/>
           </a:p>
@@ -19363,7 +22676,7 @@
           <a:p>
             <a:fld id="{8663F5F6-EA10-44FF-B365-9A2EC8616DD5}" type="datetimeFigureOut">
               <a:rPr lang="zh-CN" altLang="en-US" smtClean="0"/>
-              <a:t>2020/5/9</a:t>
+              <a:t>2020/5/10</a:t>
             </a:fld>
             <a:endParaRPr lang="zh-CN" altLang="en-US"/>
           </a:p>
@@ -19628,7 +22941,7 @@
           <a:p>
             <a:fld id="{8663F5F6-EA10-44FF-B365-9A2EC8616DD5}" type="datetimeFigureOut">
               <a:rPr lang="zh-CN" altLang="en-US" smtClean="0"/>
-              <a:t>2020/5/9</a:t>
+              <a:t>2020/5/10</a:t>
             </a:fld>
             <a:endParaRPr lang="zh-CN" altLang="en-US"/>
           </a:p>
@@ -20040,7 +23353,7 @@
           <a:p>
             <a:fld id="{8663F5F6-EA10-44FF-B365-9A2EC8616DD5}" type="datetimeFigureOut">
               <a:rPr lang="zh-CN" altLang="en-US" smtClean="0"/>
-              <a:t>2020/5/9</a:t>
+              <a:t>2020/5/10</a:t>
             </a:fld>
             <a:endParaRPr lang="zh-CN" altLang="en-US"/>
           </a:p>
@@ -20181,7 +23494,7 @@
           <a:p>
             <a:fld id="{8663F5F6-EA10-44FF-B365-9A2EC8616DD5}" type="datetimeFigureOut">
               <a:rPr lang="zh-CN" altLang="en-US" smtClean="0"/>
-              <a:t>2020/5/9</a:t>
+              <a:t>2020/5/10</a:t>
             </a:fld>
             <a:endParaRPr lang="zh-CN" altLang="en-US"/>
           </a:p>
@@ -20294,7 +23607,7 @@
           <a:p>
             <a:fld id="{8663F5F6-EA10-44FF-B365-9A2EC8616DD5}" type="datetimeFigureOut">
               <a:rPr lang="zh-CN" altLang="en-US" smtClean="0"/>
-              <a:t>2020/5/9</a:t>
+              <a:t>2020/5/10</a:t>
             </a:fld>
             <a:endParaRPr lang="zh-CN" altLang="en-US"/>
           </a:p>
@@ -20605,7 +23918,7 @@
           <a:p>
             <a:fld id="{8663F5F6-EA10-44FF-B365-9A2EC8616DD5}" type="datetimeFigureOut">
               <a:rPr lang="zh-CN" altLang="en-US" smtClean="0"/>
-              <a:t>2020/5/9</a:t>
+              <a:t>2020/5/10</a:t>
             </a:fld>
             <a:endParaRPr lang="zh-CN" altLang="en-US"/>
           </a:p>
@@ -20787,7 +24100,7 @@
           <a:p>
             <a:fld id="{5A8F3604-515A-41FB-875F-ACBE921EC2F2}" type="datetimeFigureOut">
               <a:rPr lang="en-US" smtClean="0"/>
-              <a:t>5/9/2020</a:t>
+              <a:t>5/10/2020</a:t>
             </a:fld>
             <a:endParaRPr lang="en-US"/>
           </a:p>
@@ -21063,7 +24376,7 @@
           <a:p>
             <a:fld id="{8663F5F6-EA10-44FF-B365-9A2EC8616DD5}" type="datetimeFigureOut">
               <a:rPr lang="zh-CN" altLang="en-US" smtClean="0"/>
-              <a:t>2020/5/9</a:t>
+              <a:t>2020/5/10</a:t>
             </a:fld>
             <a:endParaRPr lang="zh-CN" altLang="en-US"/>
           </a:p>
@@ -21261,7 +24574,7 @@
           <a:p>
             <a:fld id="{8663F5F6-EA10-44FF-B365-9A2EC8616DD5}" type="datetimeFigureOut">
               <a:rPr lang="zh-CN" altLang="en-US" smtClean="0"/>
-              <a:t>2020/5/9</a:t>
+              <a:t>2020/5/10</a:t>
             </a:fld>
             <a:endParaRPr lang="zh-CN" altLang="en-US"/>
           </a:p>
@@ -21469,7 +24782,7 @@
           <a:p>
             <a:fld id="{8663F5F6-EA10-44FF-B365-9A2EC8616DD5}" type="datetimeFigureOut">
               <a:rPr lang="zh-CN" altLang="en-US" smtClean="0"/>
-              <a:t>2020/5/9</a:t>
+              <a:t>2020/5/10</a:t>
             </a:fld>
             <a:endParaRPr lang="zh-CN" altLang="en-US"/>
           </a:p>
@@ -21727,7 +25040,7 @@
           <a:p>
             <a:fld id="{5A8F3604-515A-41FB-875F-ACBE921EC2F2}" type="datetimeFigureOut">
               <a:rPr lang="en-US" smtClean="0"/>
-              <a:t>5/9/2020</a:t>
+              <a:t>5/10/2020</a:t>
             </a:fld>
             <a:endParaRPr lang="en-US"/>
           </a:p>
@@ -21959,7 +25272,7 @@
           <a:p>
             <a:fld id="{5A8F3604-515A-41FB-875F-ACBE921EC2F2}" type="datetimeFigureOut">
               <a:rPr lang="en-US" smtClean="0"/>
-              <a:t>5/9/2020</a:t>
+              <a:t>5/10/2020</a:t>
             </a:fld>
             <a:endParaRPr lang="en-US"/>
           </a:p>
@@ -22326,7 +25639,7 @@
           <a:p>
             <a:fld id="{5A8F3604-515A-41FB-875F-ACBE921EC2F2}" type="datetimeFigureOut">
               <a:rPr lang="en-US" smtClean="0"/>
-              <a:t>5/9/2020</a:t>
+              <a:t>5/10/2020</a:t>
             </a:fld>
             <a:endParaRPr lang="en-US"/>
           </a:p>
@@ -22444,7 +25757,7 @@
           <a:p>
             <a:fld id="{5A8F3604-515A-41FB-875F-ACBE921EC2F2}" type="datetimeFigureOut">
               <a:rPr lang="en-US" smtClean="0"/>
-              <a:t>5/9/2020</a:t>
+              <a:t>5/10/2020</a:t>
             </a:fld>
             <a:endParaRPr lang="en-US"/>
           </a:p>
@@ -22539,7 +25852,7 @@
           <a:p>
             <a:fld id="{5A8F3604-515A-41FB-875F-ACBE921EC2F2}" type="datetimeFigureOut">
               <a:rPr lang="en-US" smtClean="0"/>
-              <a:t>5/9/2020</a:t>
+              <a:t>5/10/2020</a:t>
             </a:fld>
             <a:endParaRPr lang="en-US"/>
           </a:p>
@@ -22816,7 +26129,7 @@
           <a:p>
             <a:fld id="{5A8F3604-515A-41FB-875F-ACBE921EC2F2}" type="datetimeFigureOut">
               <a:rPr lang="en-US" smtClean="0"/>
-              <a:t>5/9/2020</a:t>
+              <a:t>5/10/2020</a:t>
             </a:fld>
             <a:endParaRPr lang="en-US"/>
           </a:p>
@@ -23069,7 +26382,7 @@
           <a:p>
             <a:fld id="{5A8F3604-515A-41FB-875F-ACBE921EC2F2}" type="datetimeFigureOut">
               <a:rPr lang="en-US" smtClean="0"/>
-              <a:t>5/9/2020</a:t>
+              <a:t>5/10/2020</a:t>
             </a:fld>
             <a:endParaRPr lang="en-US"/>
           </a:p>
@@ -23282,7 +26595,7 @@
           <a:p>
             <a:fld id="{5A8F3604-515A-41FB-875F-ACBE921EC2F2}" type="datetimeFigureOut">
               <a:rPr lang="en-US" smtClean="0"/>
-              <a:t>5/9/2020</a:t>
+              <a:t>5/10/2020</a:t>
             </a:fld>
             <a:endParaRPr lang="en-US"/>
           </a:p>
@@ -23838,7 +27151,7 @@
           <a:p>
             <a:fld id="{8663F5F6-EA10-44FF-B365-9A2EC8616DD5}" type="datetimeFigureOut">
               <a:rPr lang="zh-CN" altLang="en-US" smtClean="0"/>
-              <a:t>2020/5/9</a:t>
+              <a:t>2020/5/10</a:t>
             </a:fld>
             <a:endParaRPr lang="zh-CN" altLang="en-US"/>
           </a:p>
@@ -27176,6 +30489,189 @@
       </p:grpSpPr>
       <p:sp>
         <p:nvSpPr>
+          <p:cNvPr id="2" name="标题 1">
+            <a:extLst>
+              <a:ext uri="{FF2B5EF4-FFF2-40B4-BE49-F238E27FC236}">
+                <a16:creationId xmlns:a16="http://schemas.microsoft.com/office/drawing/2014/main" id="{E63D830C-C0DA-4723-8F3B-BF6D1F13AD64}"/>
+              </a:ext>
+            </a:extLst>
+          </p:cNvPr>
+          <p:cNvSpPr>
+            <a:spLocks noGrp="1"/>
+          </p:cNvSpPr>
+          <p:nvPr>
+            <p:ph type="title"/>
+          </p:nvPr>
+        </p:nvSpPr>
+        <p:spPr>
+          <a:xfrm>
+            <a:off x="396573" y="320675"/>
+            <a:ext cx="11407487" cy="1325563"/>
+          </a:xfrm>
+        </p:spPr>
+        <p:txBody>
+          <a:bodyPr>
+            <a:normAutofit/>
+          </a:bodyPr>
+          <a:lstStyle/>
+          <a:p>
+            <a:r>
+              <a:rPr lang="zh-CN" altLang="en-US" sz="5400"/>
+              <a:t>交互项实践指南</a:t>
+            </a:r>
+          </a:p>
+        </p:txBody>
+      </p:sp>
+      <p:sp>
+        <p:nvSpPr>
+          <p:cNvPr id="10" name="Rectangle 9">
+            <a:extLst>
+              <a:ext uri="{FF2B5EF4-FFF2-40B4-BE49-F238E27FC236}">
+                <a16:creationId xmlns:a16="http://schemas.microsoft.com/office/drawing/2014/main" id="{37E32B78-23DD-4E77-8B9C-7779E3BF20C2}"/>
+              </a:ext>
+              <a:ext uri="{C183D7F6-B498-43B3-948B-1728B52AA6E4}">
+                <adec:decorative xmlns:adec="http://schemas.microsoft.com/office/drawing/2017/decorative" val="1"/>
+              </a:ext>
+            </a:extLst>
+          </p:cNvPr>
+          <p:cNvSpPr>
+            <a:spLocks noGrp="1" noRot="1" noChangeAspect="1" noMove="1" noResize="1" noEditPoints="1" noAdjustHandles="1" noChangeArrowheads="1" noChangeShapeType="1" noTextEdit="1"/>
+          </p:cNvSpPr>
+          <p:nvPr>
+            <p:extLst>
+              <p:ext uri="{386F3935-93C4-4BCD-93E2-E3B085C9AB24}">
+                <p16:designElem xmlns:p16="http://schemas.microsoft.com/office/powerpoint/2015/main" val="1"/>
+              </p:ext>
+            </p:extLst>
+          </p:nvPr>
+        </p:nvSpPr>
+        <p:spPr>
+          <a:xfrm>
+            <a:off x="0" y="0"/>
+            <a:ext cx="126124" cy="6858000"/>
+          </a:xfrm>
+          <a:prstGeom prst="rect">
+            <a:avLst/>
+          </a:prstGeom>
+          <a:solidFill>
+            <a:srgbClr val="4472C4"/>
+          </a:solidFill>
+          <a:ln w="12700" cap="flat" cmpd="sng" algn="ctr">
+            <a:noFill/>
+            <a:prstDash val="solid"/>
+            <a:miter lim="800000"/>
+          </a:ln>
+          <a:effectLst/>
+        </p:spPr>
+        <p:txBody>
+          <a:bodyPr rtlCol="0" anchor="ctr"/>
+          <a:lstStyle/>
+          <a:p>
+            <a:pPr marL="0" marR="0" lvl="0" indent="0" algn="ctr" defTabSz="914400" eaLnBrk="1" fontAlgn="auto" latinLnBrk="0" hangingPunct="1">
+              <a:lnSpc>
+                <a:spcPct val="100000"/>
+              </a:lnSpc>
+              <a:spcBef>
+                <a:spcPts val="0"/>
+              </a:spcBef>
+              <a:spcAft>
+                <a:spcPts val="0"/>
+              </a:spcAft>
+              <a:buClrTx/>
+              <a:buSzTx/>
+              <a:buFontTx/>
+              <a:buNone/>
+              <a:tabLst/>
+              <a:defRPr/>
+            </a:pPr>
+            <a:endParaRPr kumimoji="0" lang="en-US" sz="1800" b="0" i="0" u="none" strike="noStrike" kern="0" cap="none" spc="0" normalizeH="0" baseline="0" noProof="0">
+              <a:ln>
+                <a:noFill/>
+              </a:ln>
+              <a:solidFill>
+                <a:prstClr val="white"/>
+              </a:solidFill>
+              <a:effectLst/>
+              <a:uLnTx/>
+              <a:uFillTx/>
+              <a:latin typeface="Calibri" panose="020F0502020204030204"/>
+              <a:ea typeface="+mn-ea"/>
+              <a:cs typeface="+mn-cs"/>
+            </a:endParaRPr>
+          </a:p>
+        </p:txBody>
+      </p:sp>
+      <p:graphicFrame>
+        <p:nvGraphicFramePr>
+          <p:cNvPr id="5" name="内容占位符 2">
+            <a:extLst>
+              <a:ext uri="{FF2B5EF4-FFF2-40B4-BE49-F238E27FC236}">
+                <a16:creationId xmlns:a16="http://schemas.microsoft.com/office/drawing/2014/main" id="{E0865FD0-A02C-4E00-B438-FD185E370567}"/>
+              </a:ext>
+            </a:extLst>
+          </p:cNvPr>
+          <p:cNvGraphicFramePr>
+            <a:graphicFrameLocks noGrp="1"/>
+          </p:cNvGraphicFramePr>
+          <p:nvPr>
+            <p:ph idx="1"/>
+            <p:extLst>
+              <p:ext uri="{D42A27DB-BD31-4B8C-83A1-F6EECF244321}">
+                <p14:modId xmlns:p14="http://schemas.microsoft.com/office/powerpoint/2010/main" val="2367012513"/>
+              </p:ext>
+            </p:extLst>
+          </p:nvPr>
+        </p:nvGraphicFramePr>
+        <p:xfrm>
+          <a:off x="396574" y="1825625"/>
+          <a:ext cx="11407487" cy="4351338"/>
+        </p:xfrm>
+        <a:graphic>
+          <a:graphicData uri="http://schemas.openxmlformats.org/drawingml/2006/diagram">
+            <dgm:relIds xmlns:dgm="http://schemas.openxmlformats.org/drawingml/2006/diagram" xmlns:r="http://schemas.openxmlformats.org/officeDocument/2006/relationships" r:dm="rId2" r:lo="rId3" r:qs="rId4" r:cs="rId5"/>
+          </a:graphicData>
+        </a:graphic>
+      </p:graphicFrame>
+    </p:spTree>
+    <p:extLst>
+      <p:ext uri="{BB962C8B-B14F-4D97-AF65-F5344CB8AC3E}">
+        <p14:creationId xmlns:p14="http://schemas.microsoft.com/office/powerpoint/2010/main" val="1142402194"/>
+      </p:ext>
+    </p:extLst>
+  </p:cSld>
+  <p:clrMapOvr>
+    <a:masterClrMapping/>
+  </p:clrMapOvr>
+</p:sld>
+</file>
+
+<file path=ppt/slides/slide19.xml><?xml version="1.0" encoding="utf-8"?>
+<p:sld xmlns:a="http://schemas.openxmlformats.org/drawingml/2006/main" xmlns:r="http://schemas.openxmlformats.org/officeDocument/2006/relationships" xmlns:p="http://schemas.openxmlformats.org/presentationml/2006/main">
+  <p:cSld>
+    <p:bg>
+      <p:bgPr>
+        <a:solidFill>
+          <a:schemeClr val="bg1"/>
+        </a:solidFill>
+        <a:effectLst/>
+      </p:bgPr>
+    </p:bg>
+    <p:spTree>
+      <p:nvGrpSpPr>
+        <p:cNvPr id="1" name=""/>
+        <p:cNvGrpSpPr/>
+        <p:nvPr/>
+      </p:nvGrpSpPr>
+      <p:grpSpPr>
+        <a:xfrm>
+          <a:off x="0" y="0"/>
+          <a:ext cx="0" cy="0"/>
+          <a:chOff x="0" y="0"/>
+          <a:chExt cx="0" cy="0"/>
+        </a:xfrm>
+      </p:grpSpPr>
+      <p:sp>
+        <p:nvSpPr>
           <p:cNvPr id="20" name="Rectangle 19">
             <a:extLst>
               <a:ext uri="{FF2B5EF4-FFF2-40B4-BE49-F238E27FC236}">
@@ -27986,7 +31482,354 @@
 </p:sld>
 </file>
 
-<file path=ppt/slides/slide19.xml><?xml version="1.0" encoding="utf-8"?>
+<file path=ppt/slides/slide2.xml><?xml version="1.0" encoding="utf-8"?>
+<p:sld xmlns:a="http://schemas.openxmlformats.org/drawingml/2006/main" xmlns:r="http://schemas.openxmlformats.org/officeDocument/2006/relationships" xmlns:p="http://schemas.openxmlformats.org/presentationml/2006/main">
+  <p:cSld>
+    <p:bg>
+      <p:bgPr>
+        <a:solidFill>
+          <a:schemeClr val="bg1"/>
+        </a:solidFill>
+        <a:effectLst/>
+      </p:bgPr>
+    </p:bg>
+    <p:spTree>
+      <p:nvGrpSpPr>
+        <p:cNvPr id="1" name=""/>
+        <p:cNvGrpSpPr/>
+        <p:nvPr/>
+      </p:nvGrpSpPr>
+      <p:grpSpPr>
+        <a:xfrm>
+          <a:off x="0" y="0"/>
+          <a:ext cx="0" cy="0"/>
+          <a:chOff x="0" y="0"/>
+          <a:chExt cx="0" cy="0"/>
+        </a:xfrm>
+      </p:grpSpPr>
+      <p:sp>
+        <p:nvSpPr>
+          <p:cNvPr id="2" name="标题 1">
+            <a:extLst>
+              <a:ext uri="{FF2B5EF4-FFF2-40B4-BE49-F238E27FC236}">
+                <a16:creationId xmlns:a16="http://schemas.microsoft.com/office/drawing/2014/main" id="{6DFC68D7-806B-4B70-82E2-3E5D9AA3A90A}"/>
+              </a:ext>
+            </a:extLst>
+          </p:cNvPr>
+          <p:cNvSpPr>
+            <a:spLocks noGrp="1"/>
+          </p:cNvSpPr>
+          <p:nvPr>
+            <p:ph type="title"/>
+          </p:nvPr>
+        </p:nvSpPr>
+        <p:spPr>
+          <a:xfrm>
+            <a:off x="6109498" y="908344"/>
+            <a:ext cx="5244301" cy="1538130"/>
+          </a:xfrm>
+        </p:spPr>
+        <p:txBody>
+          <a:bodyPr>
+            <a:normAutofit/>
+          </a:bodyPr>
+          <a:lstStyle/>
+          <a:p>
+            <a:pPr algn="ctr"/>
+            <a:r>
+              <a:rPr lang="zh-CN" altLang="en-US" dirty="0"/>
+              <a:t>教学目标</a:t>
+            </a:r>
+          </a:p>
+        </p:txBody>
+      </p:sp>
+      <p:sp>
+        <p:nvSpPr>
+          <p:cNvPr id="17" name="Freeform 6">
+            <a:extLst>
+              <a:ext uri="{FF2B5EF4-FFF2-40B4-BE49-F238E27FC236}">
+                <a16:creationId xmlns:a16="http://schemas.microsoft.com/office/drawing/2014/main" id="{B6C29DB0-17E9-42FF-986E-0B7F493F4D24}"/>
+              </a:ext>
+              <a:ext uri="{C183D7F6-B498-43B3-948B-1728B52AA6E4}">
+                <adec:decorative xmlns:adec="http://schemas.microsoft.com/office/drawing/2017/decorative" val="1"/>
+              </a:ext>
+            </a:extLst>
+          </p:cNvPr>
+          <p:cNvSpPr>
+            <a:spLocks noGrp="1" noRot="1" noChangeAspect="1" noMove="1" noResize="1" noEditPoints="1" noAdjustHandles="1" noChangeArrowheads="1" noChangeShapeType="1" noTextEdit="1"/>
+          </p:cNvSpPr>
+          <p:nvPr>
+            <p:extLst>
+              <p:ext uri="{386F3935-93C4-4BCD-93E2-E3B085C9AB24}">
+                <p16:designElem xmlns:p16="http://schemas.microsoft.com/office/powerpoint/2015/main" val="1"/>
+              </p:ext>
+            </p:extLst>
+          </p:nvPr>
+        </p:nvSpPr>
+        <p:spPr bwMode="auto">
+          <a:xfrm>
+            <a:off x="2199584" y="1685652"/>
+            <a:ext cx="3275013" cy="4408488"/>
+          </a:xfrm>
+          <a:custGeom>
+            <a:avLst/>
+            <a:gdLst/>
+            <a:ahLst/>
+            <a:cxnLst/>
+            <a:rect l="l" t="t" r="r" b="b"/>
+            <a:pathLst>
+              <a:path w="10000" h="10000">
+                <a:moveTo>
+                  <a:pt x="8761" y="0"/>
+                </a:moveTo>
+                <a:lnTo>
+                  <a:pt x="10000" y="0"/>
+                </a:lnTo>
+                <a:lnTo>
+                  <a:pt x="10000" y="10000"/>
+                </a:lnTo>
+                <a:lnTo>
+                  <a:pt x="0" y="10000"/>
+                </a:lnTo>
+                <a:lnTo>
+                  <a:pt x="0" y="9126"/>
+                </a:lnTo>
+                <a:lnTo>
+                  <a:pt x="8761" y="9127"/>
+                </a:lnTo>
+                <a:lnTo>
+                  <a:pt x="8761" y="0"/>
+                </a:lnTo>
+                <a:close/>
+              </a:path>
+            </a:pathLst>
+          </a:custGeom>
+          <a:solidFill>
+            <a:srgbClr val="4C4C4C"/>
+          </a:solidFill>
+          <a:ln w="0">
+            <a:noFill/>
+            <a:prstDash val="solid"/>
+            <a:round/>
+            <a:headEnd/>
+            <a:tailEnd/>
+          </a:ln>
+        </p:spPr>
+        <p:txBody>
+          <a:bodyPr/>
+          <a:lstStyle/>
+          <a:p>
+            <a:pPr marL="0" marR="0" lvl="0" indent="0" algn="l" defTabSz="914400" rtl="0" eaLnBrk="1" fontAlgn="auto" latinLnBrk="0" hangingPunct="1">
+              <a:lnSpc>
+                <a:spcPct val="100000"/>
+              </a:lnSpc>
+              <a:spcBef>
+                <a:spcPts val="0"/>
+              </a:spcBef>
+              <a:spcAft>
+                <a:spcPts val="0"/>
+              </a:spcAft>
+              <a:buClrTx/>
+              <a:buSzTx/>
+              <a:buFontTx/>
+              <a:buNone/>
+              <a:tabLst/>
+              <a:defRPr/>
+            </a:pPr>
+            <a:endParaRPr kumimoji="0" lang="en-US" sz="1800" b="0" i="0" u="none" strike="noStrike" kern="1200" cap="none" spc="0" normalizeH="0" baseline="0" noProof="0">
+              <a:ln>
+                <a:noFill/>
+              </a:ln>
+              <a:solidFill>
+                <a:prstClr val="black"/>
+              </a:solidFill>
+              <a:effectLst/>
+              <a:uLnTx/>
+              <a:uFillTx/>
+              <a:latin typeface="Calibri" panose="020F0502020204030204"/>
+              <a:ea typeface="+mn-ea"/>
+              <a:cs typeface="+mn-cs"/>
+            </a:endParaRPr>
+          </a:p>
+        </p:txBody>
+      </p:sp>
+      <p:sp>
+        <p:nvSpPr>
+          <p:cNvPr id="19" name="Freeform 6">
+            <a:extLst>
+              <a:ext uri="{FF2B5EF4-FFF2-40B4-BE49-F238E27FC236}">
+                <a16:creationId xmlns:a16="http://schemas.microsoft.com/office/drawing/2014/main" id="{115AD956-A5B6-4760-B8B2-11E2DF6B0212}"/>
+              </a:ext>
+              <a:ext uri="{C183D7F6-B498-43B3-948B-1728B52AA6E4}">
+                <adec:decorative xmlns:adec="http://schemas.microsoft.com/office/drawing/2017/decorative" val="1"/>
+              </a:ext>
+            </a:extLst>
+          </p:cNvPr>
+          <p:cNvSpPr>
+            <a:spLocks noGrp="1" noRot="1" noChangeAspect="1" noMove="1" noResize="1" noEditPoints="1" noAdjustHandles="1" noChangeArrowheads="1" noChangeShapeType="1" noTextEdit="1"/>
+          </p:cNvSpPr>
+          <p:nvPr>
+            <p:extLst>
+              <p:ext uri="{386F3935-93C4-4BCD-93E2-E3B085C9AB24}">
+                <p16:designElem xmlns:p16="http://schemas.microsoft.com/office/powerpoint/2015/main" val="1"/>
+              </p:ext>
+            </p:extLst>
+          </p:nvPr>
+        </p:nvSpPr>
+        <p:spPr bwMode="auto">
+          <a:xfrm flipH="1" flipV="1">
+            <a:off x="752858" y="744469"/>
+            <a:ext cx="3275668" cy="4408488"/>
+          </a:xfrm>
+          <a:custGeom>
+            <a:avLst/>
+            <a:gdLst/>
+            <a:ahLst/>
+            <a:cxnLst/>
+            <a:rect l="l" t="t" r="r" b="b"/>
+            <a:pathLst>
+              <a:path w="10002" h="10000">
+                <a:moveTo>
+                  <a:pt x="8763" y="0"/>
+                </a:moveTo>
+                <a:lnTo>
+                  <a:pt x="10002" y="0"/>
+                </a:lnTo>
+                <a:lnTo>
+                  <a:pt x="10002" y="10000"/>
+                </a:lnTo>
+                <a:lnTo>
+                  <a:pt x="2" y="10000"/>
+                </a:lnTo>
+                <a:cubicBezTo>
+                  <a:pt x="-2" y="9698"/>
+                  <a:pt x="4" y="9427"/>
+                  <a:pt x="0" y="9125"/>
+                </a:cubicBezTo>
+                <a:lnTo>
+                  <a:pt x="8763" y="9128"/>
+                </a:lnTo>
+                <a:lnTo>
+                  <a:pt x="8763" y="0"/>
+                </a:lnTo>
+                <a:close/>
+              </a:path>
+            </a:pathLst>
+          </a:custGeom>
+          <a:solidFill>
+            <a:srgbClr val="4C4C4C"/>
+          </a:solidFill>
+          <a:ln w="0">
+            <a:noFill/>
+            <a:prstDash val="solid"/>
+            <a:round/>
+            <a:headEnd/>
+            <a:tailEnd/>
+          </a:ln>
+        </p:spPr>
+      </p:sp>
+      <p:pic>
+        <p:nvPicPr>
+          <p:cNvPr id="7" name="Graphic 6">
+            <a:extLst>
+              <a:ext uri="{FF2B5EF4-FFF2-40B4-BE49-F238E27FC236}">
+                <a16:creationId xmlns:a16="http://schemas.microsoft.com/office/drawing/2014/main" id="{843D1B9C-035C-4071-B4B1-D3313C59E07E}"/>
+              </a:ext>
+            </a:extLst>
+          </p:cNvPr>
+          <p:cNvPicPr>
+            <a:picLocks noChangeAspect="1"/>
+          </p:cNvPicPr>
+          <p:nvPr/>
+        </p:nvPicPr>
+        <p:blipFill>
+          <a:blip r:embed="rId2">
+            <a:extLst>
+              <a:ext uri="{28A0092B-C50C-407E-A947-70E740481C1C}">
+                <a14:useLocalDpi xmlns:a14="http://schemas.microsoft.com/office/drawing/2010/main" val="0"/>
+              </a:ext>
+              <a:ext uri="{96DAC541-7B7A-43D3-8B79-37D633B846F1}">
+                <asvg:svgBlip xmlns:asvg="http://schemas.microsoft.com/office/drawing/2016/SVG/main" r:embed="rId3"/>
+              </a:ext>
+            </a:extLst>
+          </a:blip>
+          <a:stretch>
+            <a:fillRect/>
+          </a:stretch>
+        </p:blipFill>
+        <p:spPr>
+          <a:xfrm>
+            <a:off x="1480173" y="1790732"/>
+            <a:ext cx="3267942" cy="3267942"/>
+          </a:xfrm>
+          <a:prstGeom prst="rect">
+            <a:avLst/>
+          </a:prstGeom>
+        </p:spPr>
+      </p:pic>
+      <p:sp>
+        <p:nvSpPr>
+          <p:cNvPr id="8" name="内容占位符 2">
+            <a:extLst>
+              <a:ext uri="{FF2B5EF4-FFF2-40B4-BE49-F238E27FC236}">
+                <a16:creationId xmlns:a16="http://schemas.microsoft.com/office/drawing/2014/main" id="{5BB8EF5E-D8B0-4DE6-BC20-216A669FE60C}"/>
+              </a:ext>
+            </a:extLst>
+          </p:cNvPr>
+          <p:cNvSpPr>
+            <a:spLocks noGrp="1"/>
+          </p:cNvSpPr>
+          <p:nvPr>
+            <p:ph idx="1"/>
+          </p:nvPr>
+        </p:nvSpPr>
+        <p:spPr>
+          <a:xfrm>
+            <a:off x="5780664" y="2764288"/>
+            <a:ext cx="5610282" cy="2251215"/>
+          </a:xfrm>
+        </p:spPr>
+        <p:txBody>
+          <a:bodyPr>
+            <a:normAutofit/>
+          </a:bodyPr>
+          <a:lstStyle/>
+          <a:p>
+            <a:r>
+              <a:rPr lang="zh-CN" altLang="en-US" sz="3600" dirty="0"/>
+              <a:t>熟悉线性回归建模过程</a:t>
+            </a:r>
+            <a:endParaRPr lang="en-US" altLang="zh-CN" sz="3600" dirty="0"/>
+          </a:p>
+          <a:p>
+            <a:r>
+              <a:rPr lang="zh-CN" altLang="en-US" sz="3600" dirty="0"/>
+              <a:t>理解控制变量的使用原则</a:t>
+            </a:r>
+            <a:endParaRPr lang="en-US" altLang="zh-CN" sz="3600" dirty="0"/>
+          </a:p>
+          <a:p>
+            <a:r>
+              <a:rPr lang="zh-CN" altLang="en-US" sz="3600" dirty="0"/>
+              <a:t>理解交互项的使用原则</a:t>
+            </a:r>
+          </a:p>
+        </p:txBody>
+      </p:sp>
+    </p:spTree>
+    <p:extLst>
+      <p:ext uri="{BB962C8B-B14F-4D97-AF65-F5344CB8AC3E}">
+        <p14:creationId xmlns:p14="http://schemas.microsoft.com/office/powerpoint/2010/main" val="3365482745"/>
+      </p:ext>
+    </p:extLst>
+  </p:cSld>
+  <p:clrMapOvr>
+    <a:masterClrMapping/>
+  </p:clrMapOvr>
+</p:sld>
+</file>
+
+<file path=ppt/slides/slide20.xml><?xml version="1.0" encoding="utf-8"?>
 <p:sld xmlns:a="http://schemas.openxmlformats.org/drawingml/2006/main" xmlns:r="http://schemas.openxmlformats.org/officeDocument/2006/relationships" xmlns:p="http://schemas.openxmlformats.org/presentationml/2006/main">
   <p:cSld>
     <p:bg>
@@ -29164,354 +33007,7 @@
 </p:sld>
 </file>
 
-<file path=ppt/slides/slide2.xml><?xml version="1.0" encoding="utf-8"?>
-<p:sld xmlns:a="http://schemas.openxmlformats.org/drawingml/2006/main" xmlns:r="http://schemas.openxmlformats.org/officeDocument/2006/relationships" xmlns:p="http://schemas.openxmlformats.org/presentationml/2006/main">
-  <p:cSld>
-    <p:bg>
-      <p:bgPr>
-        <a:solidFill>
-          <a:schemeClr val="bg1"/>
-        </a:solidFill>
-        <a:effectLst/>
-      </p:bgPr>
-    </p:bg>
-    <p:spTree>
-      <p:nvGrpSpPr>
-        <p:cNvPr id="1" name=""/>
-        <p:cNvGrpSpPr/>
-        <p:nvPr/>
-      </p:nvGrpSpPr>
-      <p:grpSpPr>
-        <a:xfrm>
-          <a:off x="0" y="0"/>
-          <a:ext cx="0" cy="0"/>
-          <a:chOff x="0" y="0"/>
-          <a:chExt cx="0" cy="0"/>
-        </a:xfrm>
-      </p:grpSpPr>
-      <p:sp>
-        <p:nvSpPr>
-          <p:cNvPr id="2" name="标题 1">
-            <a:extLst>
-              <a:ext uri="{FF2B5EF4-FFF2-40B4-BE49-F238E27FC236}">
-                <a16:creationId xmlns:a16="http://schemas.microsoft.com/office/drawing/2014/main" id="{6DFC68D7-806B-4B70-82E2-3E5D9AA3A90A}"/>
-              </a:ext>
-            </a:extLst>
-          </p:cNvPr>
-          <p:cNvSpPr>
-            <a:spLocks noGrp="1"/>
-          </p:cNvSpPr>
-          <p:nvPr>
-            <p:ph type="title"/>
-          </p:nvPr>
-        </p:nvSpPr>
-        <p:spPr>
-          <a:xfrm>
-            <a:off x="6109498" y="908344"/>
-            <a:ext cx="5244301" cy="1538130"/>
-          </a:xfrm>
-        </p:spPr>
-        <p:txBody>
-          <a:bodyPr>
-            <a:normAutofit/>
-          </a:bodyPr>
-          <a:lstStyle/>
-          <a:p>
-            <a:pPr algn="ctr"/>
-            <a:r>
-              <a:rPr lang="zh-CN" altLang="en-US" dirty="0"/>
-              <a:t>教学目标</a:t>
-            </a:r>
-          </a:p>
-        </p:txBody>
-      </p:sp>
-      <p:sp>
-        <p:nvSpPr>
-          <p:cNvPr id="17" name="Freeform 6">
-            <a:extLst>
-              <a:ext uri="{FF2B5EF4-FFF2-40B4-BE49-F238E27FC236}">
-                <a16:creationId xmlns:a16="http://schemas.microsoft.com/office/drawing/2014/main" id="{B6C29DB0-17E9-42FF-986E-0B7F493F4D24}"/>
-              </a:ext>
-              <a:ext uri="{C183D7F6-B498-43B3-948B-1728B52AA6E4}">
-                <adec:decorative xmlns:adec="http://schemas.microsoft.com/office/drawing/2017/decorative" val="1"/>
-              </a:ext>
-            </a:extLst>
-          </p:cNvPr>
-          <p:cNvSpPr>
-            <a:spLocks noGrp="1" noRot="1" noChangeAspect="1" noMove="1" noResize="1" noEditPoints="1" noAdjustHandles="1" noChangeArrowheads="1" noChangeShapeType="1" noTextEdit="1"/>
-          </p:cNvSpPr>
-          <p:nvPr>
-            <p:extLst>
-              <p:ext uri="{386F3935-93C4-4BCD-93E2-E3B085C9AB24}">
-                <p16:designElem xmlns:p16="http://schemas.microsoft.com/office/powerpoint/2015/main" val="1"/>
-              </p:ext>
-            </p:extLst>
-          </p:nvPr>
-        </p:nvSpPr>
-        <p:spPr bwMode="auto">
-          <a:xfrm>
-            <a:off x="2199584" y="1685652"/>
-            <a:ext cx="3275013" cy="4408488"/>
-          </a:xfrm>
-          <a:custGeom>
-            <a:avLst/>
-            <a:gdLst/>
-            <a:ahLst/>
-            <a:cxnLst/>
-            <a:rect l="l" t="t" r="r" b="b"/>
-            <a:pathLst>
-              <a:path w="10000" h="10000">
-                <a:moveTo>
-                  <a:pt x="8761" y="0"/>
-                </a:moveTo>
-                <a:lnTo>
-                  <a:pt x="10000" y="0"/>
-                </a:lnTo>
-                <a:lnTo>
-                  <a:pt x="10000" y="10000"/>
-                </a:lnTo>
-                <a:lnTo>
-                  <a:pt x="0" y="10000"/>
-                </a:lnTo>
-                <a:lnTo>
-                  <a:pt x="0" y="9126"/>
-                </a:lnTo>
-                <a:lnTo>
-                  <a:pt x="8761" y="9127"/>
-                </a:lnTo>
-                <a:lnTo>
-                  <a:pt x="8761" y="0"/>
-                </a:lnTo>
-                <a:close/>
-              </a:path>
-            </a:pathLst>
-          </a:custGeom>
-          <a:solidFill>
-            <a:srgbClr val="4C4C4C"/>
-          </a:solidFill>
-          <a:ln w="0">
-            <a:noFill/>
-            <a:prstDash val="solid"/>
-            <a:round/>
-            <a:headEnd/>
-            <a:tailEnd/>
-          </a:ln>
-        </p:spPr>
-        <p:txBody>
-          <a:bodyPr/>
-          <a:lstStyle/>
-          <a:p>
-            <a:pPr marL="0" marR="0" lvl="0" indent="0" algn="l" defTabSz="914400" rtl="0" eaLnBrk="1" fontAlgn="auto" latinLnBrk="0" hangingPunct="1">
-              <a:lnSpc>
-                <a:spcPct val="100000"/>
-              </a:lnSpc>
-              <a:spcBef>
-                <a:spcPts val="0"/>
-              </a:spcBef>
-              <a:spcAft>
-                <a:spcPts val="0"/>
-              </a:spcAft>
-              <a:buClrTx/>
-              <a:buSzTx/>
-              <a:buFontTx/>
-              <a:buNone/>
-              <a:tabLst/>
-              <a:defRPr/>
-            </a:pPr>
-            <a:endParaRPr kumimoji="0" lang="en-US" sz="1800" b="0" i="0" u="none" strike="noStrike" kern="1200" cap="none" spc="0" normalizeH="0" baseline="0" noProof="0">
-              <a:ln>
-                <a:noFill/>
-              </a:ln>
-              <a:solidFill>
-                <a:prstClr val="black"/>
-              </a:solidFill>
-              <a:effectLst/>
-              <a:uLnTx/>
-              <a:uFillTx/>
-              <a:latin typeface="Calibri" panose="020F0502020204030204"/>
-              <a:ea typeface="+mn-ea"/>
-              <a:cs typeface="+mn-cs"/>
-            </a:endParaRPr>
-          </a:p>
-        </p:txBody>
-      </p:sp>
-      <p:sp>
-        <p:nvSpPr>
-          <p:cNvPr id="19" name="Freeform 6">
-            <a:extLst>
-              <a:ext uri="{FF2B5EF4-FFF2-40B4-BE49-F238E27FC236}">
-                <a16:creationId xmlns:a16="http://schemas.microsoft.com/office/drawing/2014/main" id="{115AD956-A5B6-4760-B8B2-11E2DF6B0212}"/>
-              </a:ext>
-              <a:ext uri="{C183D7F6-B498-43B3-948B-1728B52AA6E4}">
-                <adec:decorative xmlns:adec="http://schemas.microsoft.com/office/drawing/2017/decorative" val="1"/>
-              </a:ext>
-            </a:extLst>
-          </p:cNvPr>
-          <p:cNvSpPr>
-            <a:spLocks noGrp="1" noRot="1" noChangeAspect="1" noMove="1" noResize="1" noEditPoints="1" noAdjustHandles="1" noChangeArrowheads="1" noChangeShapeType="1" noTextEdit="1"/>
-          </p:cNvSpPr>
-          <p:nvPr>
-            <p:extLst>
-              <p:ext uri="{386F3935-93C4-4BCD-93E2-E3B085C9AB24}">
-                <p16:designElem xmlns:p16="http://schemas.microsoft.com/office/powerpoint/2015/main" val="1"/>
-              </p:ext>
-            </p:extLst>
-          </p:nvPr>
-        </p:nvSpPr>
-        <p:spPr bwMode="auto">
-          <a:xfrm flipH="1" flipV="1">
-            <a:off x="752858" y="744469"/>
-            <a:ext cx="3275668" cy="4408488"/>
-          </a:xfrm>
-          <a:custGeom>
-            <a:avLst/>
-            <a:gdLst/>
-            <a:ahLst/>
-            <a:cxnLst/>
-            <a:rect l="l" t="t" r="r" b="b"/>
-            <a:pathLst>
-              <a:path w="10002" h="10000">
-                <a:moveTo>
-                  <a:pt x="8763" y="0"/>
-                </a:moveTo>
-                <a:lnTo>
-                  <a:pt x="10002" y="0"/>
-                </a:lnTo>
-                <a:lnTo>
-                  <a:pt x="10002" y="10000"/>
-                </a:lnTo>
-                <a:lnTo>
-                  <a:pt x="2" y="10000"/>
-                </a:lnTo>
-                <a:cubicBezTo>
-                  <a:pt x="-2" y="9698"/>
-                  <a:pt x="4" y="9427"/>
-                  <a:pt x="0" y="9125"/>
-                </a:cubicBezTo>
-                <a:lnTo>
-                  <a:pt x="8763" y="9128"/>
-                </a:lnTo>
-                <a:lnTo>
-                  <a:pt x="8763" y="0"/>
-                </a:lnTo>
-                <a:close/>
-              </a:path>
-            </a:pathLst>
-          </a:custGeom>
-          <a:solidFill>
-            <a:srgbClr val="4C4C4C"/>
-          </a:solidFill>
-          <a:ln w="0">
-            <a:noFill/>
-            <a:prstDash val="solid"/>
-            <a:round/>
-            <a:headEnd/>
-            <a:tailEnd/>
-          </a:ln>
-        </p:spPr>
-      </p:sp>
-      <p:pic>
-        <p:nvPicPr>
-          <p:cNvPr id="7" name="Graphic 6">
-            <a:extLst>
-              <a:ext uri="{FF2B5EF4-FFF2-40B4-BE49-F238E27FC236}">
-                <a16:creationId xmlns:a16="http://schemas.microsoft.com/office/drawing/2014/main" id="{843D1B9C-035C-4071-B4B1-D3313C59E07E}"/>
-              </a:ext>
-            </a:extLst>
-          </p:cNvPr>
-          <p:cNvPicPr>
-            <a:picLocks noChangeAspect="1"/>
-          </p:cNvPicPr>
-          <p:nvPr/>
-        </p:nvPicPr>
-        <p:blipFill>
-          <a:blip r:embed="rId2">
-            <a:extLst>
-              <a:ext uri="{28A0092B-C50C-407E-A947-70E740481C1C}">
-                <a14:useLocalDpi xmlns:a14="http://schemas.microsoft.com/office/drawing/2010/main" val="0"/>
-              </a:ext>
-              <a:ext uri="{96DAC541-7B7A-43D3-8B79-37D633B846F1}">
-                <asvg:svgBlip xmlns:asvg="http://schemas.microsoft.com/office/drawing/2016/SVG/main" r:embed="rId3"/>
-              </a:ext>
-            </a:extLst>
-          </a:blip>
-          <a:stretch>
-            <a:fillRect/>
-          </a:stretch>
-        </p:blipFill>
-        <p:spPr>
-          <a:xfrm>
-            <a:off x="1480173" y="1790732"/>
-            <a:ext cx="3267942" cy="3267942"/>
-          </a:xfrm>
-          <a:prstGeom prst="rect">
-            <a:avLst/>
-          </a:prstGeom>
-        </p:spPr>
-      </p:pic>
-      <p:sp>
-        <p:nvSpPr>
-          <p:cNvPr id="8" name="内容占位符 2">
-            <a:extLst>
-              <a:ext uri="{FF2B5EF4-FFF2-40B4-BE49-F238E27FC236}">
-                <a16:creationId xmlns:a16="http://schemas.microsoft.com/office/drawing/2014/main" id="{5BB8EF5E-D8B0-4DE6-BC20-216A669FE60C}"/>
-              </a:ext>
-            </a:extLst>
-          </p:cNvPr>
-          <p:cNvSpPr>
-            <a:spLocks noGrp="1"/>
-          </p:cNvSpPr>
-          <p:nvPr>
-            <p:ph idx="1"/>
-          </p:nvPr>
-        </p:nvSpPr>
-        <p:spPr>
-          <a:xfrm>
-            <a:off x="5780664" y="2764288"/>
-            <a:ext cx="5610282" cy="2251215"/>
-          </a:xfrm>
-        </p:spPr>
-        <p:txBody>
-          <a:bodyPr>
-            <a:normAutofit/>
-          </a:bodyPr>
-          <a:lstStyle/>
-          <a:p>
-            <a:r>
-              <a:rPr lang="zh-CN" altLang="en-US" sz="3600" dirty="0"/>
-              <a:t>熟悉线性回归建模过程</a:t>
-            </a:r>
-            <a:endParaRPr lang="en-US" altLang="zh-CN" sz="3600" dirty="0"/>
-          </a:p>
-          <a:p>
-            <a:r>
-              <a:rPr lang="zh-CN" altLang="en-US" sz="3600" dirty="0"/>
-              <a:t>理解控制变量的使用原则</a:t>
-            </a:r>
-            <a:endParaRPr lang="en-US" altLang="zh-CN" sz="3600" dirty="0"/>
-          </a:p>
-          <a:p>
-            <a:r>
-              <a:rPr lang="zh-CN" altLang="en-US" sz="3600" dirty="0"/>
-              <a:t>理解交互项的使用原则</a:t>
-            </a:r>
-          </a:p>
-        </p:txBody>
-      </p:sp>
-    </p:spTree>
-    <p:extLst>
-      <p:ext uri="{BB962C8B-B14F-4D97-AF65-F5344CB8AC3E}">
-        <p14:creationId xmlns:p14="http://schemas.microsoft.com/office/powerpoint/2010/main" val="3365482745"/>
-      </p:ext>
-    </p:extLst>
-  </p:cSld>
-  <p:clrMapOvr>
-    <a:masterClrMapping/>
-  </p:clrMapOvr>
-</p:sld>
-</file>
-
-<file path=ppt/slides/slide20.xml><?xml version="1.0" encoding="utf-8"?>
+<file path=ppt/slides/slide21.xml><?xml version="1.0" encoding="utf-8"?>
 <p:sld xmlns:a="http://schemas.openxmlformats.org/drawingml/2006/main" xmlns:r="http://schemas.openxmlformats.org/officeDocument/2006/relationships" xmlns:p="http://schemas.openxmlformats.org/presentationml/2006/main">
   <p:cSld>
     <p:bg>
@@ -30213,7 +33709,7 @@
 </p:sld>
 </file>
 
-<file path=ppt/slides/slide21.xml><?xml version="1.0" encoding="utf-8"?>
+<file path=ppt/slides/slide22.xml><?xml version="1.0" encoding="utf-8"?>
 <p:sld xmlns:a="http://schemas.openxmlformats.org/drawingml/2006/main" xmlns:r="http://schemas.openxmlformats.org/officeDocument/2006/relationships" xmlns:p="http://schemas.openxmlformats.org/presentationml/2006/main">
   <p:cSld>
     <p:bg>
@@ -33532,7 +37028,7 @@
         </p:blipFill>
         <p:spPr>
           <a:xfrm>
-            <a:off x="1388650" y="583788"/>
+            <a:off x="789210" y="583788"/>
             <a:ext cx="8846136" cy="5940000"/>
           </a:xfrm>
           <a:prstGeom prst="rect">
@@ -33540,6 +37036,173 @@
           </a:prstGeom>
         </p:spPr>
       </p:pic>
+      <p:sp>
+        <p:nvSpPr>
+          <p:cNvPr id="3" name="文本框 2">
+            <a:extLst>
+              <a:ext uri="{FF2B5EF4-FFF2-40B4-BE49-F238E27FC236}">
+                <a16:creationId xmlns:a16="http://schemas.microsoft.com/office/drawing/2014/main" id="{F6E08286-B9FF-4D18-9B91-9624FBF88EBC}"/>
+              </a:ext>
+            </a:extLst>
+          </p:cNvPr>
+          <p:cNvSpPr txBox="1"/>
+          <p:nvPr/>
+        </p:nvSpPr>
+        <p:spPr>
+          <a:xfrm flipH="1">
+            <a:off x="9753598" y="1148080"/>
+            <a:ext cx="1066801" cy="523220"/>
+          </a:xfrm>
+          <a:prstGeom prst="rect">
+            <a:avLst/>
+          </a:prstGeom>
+          <a:noFill/>
+        </p:spPr>
+        <p:txBody>
+          <a:bodyPr wrap="square" rtlCol="0">
+            <a:spAutoFit/>
+          </a:bodyPr>
+          <a:lstStyle/>
+          <a:p>
+            <a:pPr algn="ctr"/>
+            <a:r>
+              <a:rPr lang="zh-CN" altLang="en-US" sz="2800" dirty="0">
+                <a:solidFill>
+                  <a:srgbClr val="FF0000"/>
+                </a:solidFill>
+                <a:latin typeface="楷体" panose="02010609060101010101" pitchFamily="49" charset="-122"/>
+                <a:ea typeface="楷体" panose="02010609060101010101" pitchFamily="49" charset="-122"/>
+              </a:rPr>
+              <a:t>系数</a:t>
+            </a:r>
+          </a:p>
+        </p:txBody>
+      </p:sp>
+      <p:sp>
+        <p:nvSpPr>
+          <p:cNvPr id="4" name="文本框 3">
+            <a:extLst>
+              <a:ext uri="{FF2B5EF4-FFF2-40B4-BE49-F238E27FC236}">
+                <a16:creationId xmlns:a16="http://schemas.microsoft.com/office/drawing/2014/main" id="{5F0D0DD7-37E6-419C-BF0A-00F251027445}"/>
+              </a:ext>
+            </a:extLst>
+          </p:cNvPr>
+          <p:cNvSpPr txBox="1"/>
+          <p:nvPr/>
+        </p:nvSpPr>
+        <p:spPr>
+          <a:xfrm flipH="1">
+            <a:off x="9635346" y="2164080"/>
+            <a:ext cx="1432558" cy="523220"/>
+          </a:xfrm>
+          <a:prstGeom prst="rect">
+            <a:avLst/>
+          </a:prstGeom>
+          <a:noFill/>
+        </p:spPr>
+        <p:txBody>
+          <a:bodyPr wrap="square" rtlCol="0">
+            <a:spAutoFit/>
+          </a:bodyPr>
+          <a:lstStyle/>
+          <a:p>
+            <a:pPr algn="ctr"/>
+            <a:r>
+              <a:rPr lang="zh-CN" altLang="en-US" sz="2800" dirty="0">
+                <a:solidFill>
+                  <a:srgbClr val="FF0000"/>
+                </a:solidFill>
+                <a:latin typeface="楷体" panose="02010609060101010101" pitchFamily="49" charset="-122"/>
+                <a:ea typeface="楷体" panose="02010609060101010101" pitchFamily="49" charset="-122"/>
+              </a:rPr>
+              <a:t>标准误</a:t>
+            </a:r>
+          </a:p>
+        </p:txBody>
+      </p:sp>
+      <p:cxnSp>
+        <p:nvCxnSpPr>
+          <p:cNvPr id="6" name="直接箭头连接符 5">
+            <a:extLst>
+              <a:ext uri="{FF2B5EF4-FFF2-40B4-BE49-F238E27FC236}">
+                <a16:creationId xmlns:a16="http://schemas.microsoft.com/office/drawing/2014/main" id="{AD2632F7-3599-4A91-927D-F2B7444F65A7}"/>
+              </a:ext>
+            </a:extLst>
+          </p:cNvPr>
+          <p:cNvCxnSpPr>
+            <a:cxnSpLocks/>
+          </p:cNvCxnSpPr>
+          <p:nvPr/>
+        </p:nvCxnSpPr>
+        <p:spPr>
+          <a:xfrm flipH="1">
+            <a:off x="7254240" y="1440170"/>
+            <a:ext cx="2499358" cy="1130310"/>
+          </a:xfrm>
+          <a:prstGeom prst="straightConnector1">
+            <a:avLst/>
+          </a:prstGeom>
+          <a:ln w="19050">
+            <a:tailEnd type="triangle"/>
+          </a:ln>
+        </p:spPr>
+        <p:style>
+          <a:lnRef idx="1">
+            <a:schemeClr val="accent1"/>
+          </a:lnRef>
+          <a:fillRef idx="0">
+            <a:schemeClr val="accent1"/>
+          </a:fillRef>
+          <a:effectRef idx="0">
+            <a:schemeClr val="accent1"/>
+          </a:effectRef>
+          <a:fontRef idx="minor">
+            <a:schemeClr val="tx1"/>
+          </a:fontRef>
+        </p:style>
+      </p:cxnSp>
+      <p:cxnSp>
+        <p:nvCxnSpPr>
+          <p:cNvPr id="8" name="直接箭头连接符 7">
+            <a:extLst>
+              <a:ext uri="{FF2B5EF4-FFF2-40B4-BE49-F238E27FC236}">
+                <a16:creationId xmlns:a16="http://schemas.microsoft.com/office/drawing/2014/main" id="{DAC82FA9-81FA-4BBF-AE11-E4FEFE178E98}"/>
+              </a:ext>
+            </a:extLst>
+          </p:cNvPr>
+          <p:cNvCxnSpPr>
+            <a:cxnSpLocks/>
+            <a:stCxn id="4" idx="3"/>
+          </p:cNvCxnSpPr>
+          <p:nvPr/>
+        </p:nvCxnSpPr>
+        <p:spPr>
+          <a:xfrm flipH="1">
+            <a:off x="7548880" y="2425690"/>
+            <a:ext cx="2086466" cy="868700"/>
+          </a:xfrm>
+          <a:prstGeom prst="straightConnector1">
+            <a:avLst/>
+          </a:prstGeom>
+          <a:ln w="19050">
+            <a:tailEnd type="triangle"/>
+          </a:ln>
+        </p:spPr>
+        <p:style>
+          <a:lnRef idx="1">
+            <a:schemeClr val="accent1"/>
+          </a:lnRef>
+          <a:fillRef idx="0">
+            <a:schemeClr val="accent1"/>
+          </a:fillRef>
+          <a:effectRef idx="0">
+            <a:schemeClr val="accent1"/>
+          </a:effectRef>
+          <a:fontRef idx="minor">
+            <a:schemeClr val="tx1"/>
+          </a:fontRef>
+        </p:style>
+      </p:cxnSp>
     </p:spTree>
     <p:extLst>
       <p:ext uri="{BB962C8B-B14F-4D97-AF65-F5344CB8AC3E}">

--- a/econometricsintro/ch3/lm-modeling.pptx
+++ b/econometricsintro/ch3/lm-modeling.pptx
@@ -35386,8 +35386,8 @@
         </p:nvSpPr>
         <p:spPr>
           <a:xfrm>
-            <a:off x="5760720" y="4815840"/>
-            <a:ext cx="5720080" cy="1077218"/>
+            <a:off x="5565140" y="4654440"/>
+            <a:ext cx="5771924" cy="2062103"/>
           </a:xfrm>
           <a:prstGeom prst="rect">
             <a:avLst/>
@@ -35400,6 +35400,21 @@
           </a:bodyPr>
           <a:lstStyle/>
           <a:p>
+            <a:r>
+              <a:rPr lang="en-US" altLang="zh-CN" sz="3200" dirty="0"/>
+              <a:t>1. </a:t>
+            </a:r>
+            <a:r>
+              <a:rPr lang="zh-CN" altLang="en-US" sz="3200" dirty="0"/>
+              <a:t>暗含影响关系而非预测关系，自变量与因变量不可颠倒</a:t>
+            </a:r>
+            <a:endParaRPr lang="en-US" altLang="zh-CN" sz="3200" dirty="0"/>
+          </a:p>
+          <a:p>
+            <a:r>
+              <a:rPr lang="en-US" altLang="zh-CN" sz="3200" dirty="0"/>
+              <a:t>2. </a:t>
+            </a:r>
             <a:r>
               <a:rPr lang="zh-CN" altLang="en-US" sz="3200" dirty="0"/>
               <a:t>预测变量（</a:t>
@@ -35427,6 +35442,7 @@
               <a:rPr lang="zh-CN" altLang="en-US" sz="3200" dirty="0"/>
               <a:t>控制变量</a:t>
             </a:r>
+            <a:endParaRPr lang="en-US" altLang="zh-CN" sz="3200" dirty="0"/>
           </a:p>
         </p:txBody>
       </p:sp>

--- a/econometricsintro/ch3/lm-modeling.pptx
+++ b/econometricsintro/ch3/lm-modeling.pptx
@@ -29038,7 +29038,7 @@
             </a:r>
             <a:r>
               <a:rPr lang="zh-CN" altLang="en-US" sz="3200" dirty="0"/>
-              <a:t>）：控制变量应当影响因变量</a:t>
+              <a:t>）：控制变量应当影响自变量</a:t>
             </a:r>
             <a:endParaRPr lang="en-US" altLang="zh-CN" sz="3200" dirty="0"/>
           </a:p>

--- a/econometricsintro/ch3/lm-modeling.pptx
+++ b/econometricsintro/ch3/lm-modeling.pptx
@@ -21645,7 +21645,7 @@
           <a:p>
             <a:fld id="{5A8F3604-515A-41FB-875F-ACBE921EC2F2}" type="datetimeFigureOut">
               <a:rPr lang="en-US" smtClean="0"/>
-              <a:t>5/10/2020</a:t>
+              <a:t>3/19/2021</a:t>
             </a:fld>
             <a:endParaRPr lang="en-US"/>
           </a:p>
@@ -21815,7 +21815,7 @@
           <a:p>
             <a:fld id="{5A8F3604-515A-41FB-875F-ACBE921EC2F2}" type="datetimeFigureOut">
               <a:rPr lang="en-US" smtClean="0"/>
-              <a:t>5/10/2020</a:t>
+              <a:t>3/19/2021</a:t>
             </a:fld>
             <a:endParaRPr lang="en-US"/>
           </a:p>
@@ -21995,7 +21995,7 @@
           <a:p>
             <a:fld id="{5A8F3604-515A-41FB-875F-ACBE921EC2F2}" type="datetimeFigureOut">
               <a:rPr lang="en-US" smtClean="0"/>
-              <a:t>5/10/2020</a:t>
+              <a:t>3/19/2021</a:t>
             </a:fld>
             <a:endParaRPr lang="en-US"/>
           </a:p>
@@ -22203,7 +22203,7 @@
           <a:p>
             <a:fld id="{8663F5F6-EA10-44FF-B365-9A2EC8616DD5}" type="datetimeFigureOut">
               <a:rPr lang="zh-CN" altLang="en-US" smtClean="0"/>
-              <a:t>2020/5/10</a:t>
+              <a:t>2021/3/19</a:t>
             </a:fld>
             <a:endParaRPr lang="zh-CN" altLang="en-US"/>
           </a:p>
@@ -22401,7 +22401,7 @@
           <a:p>
             <a:fld id="{8663F5F6-EA10-44FF-B365-9A2EC8616DD5}" type="datetimeFigureOut">
               <a:rPr lang="zh-CN" altLang="en-US" smtClean="0"/>
-              <a:t>2020/5/10</a:t>
+              <a:t>2021/3/19</a:t>
             </a:fld>
             <a:endParaRPr lang="zh-CN" altLang="en-US"/>
           </a:p>
@@ -22676,7 +22676,7 @@
           <a:p>
             <a:fld id="{8663F5F6-EA10-44FF-B365-9A2EC8616DD5}" type="datetimeFigureOut">
               <a:rPr lang="zh-CN" altLang="en-US" smtClean="0"/>
-              <a:t>2020/5/10</a:t>
+              <a:t>2021/3/19</a:t>
             </a:fld>
             <a:endParaRPr lang="zh-CN" altLang="en-US"/>
           </a:p>
@@ -22941,7 +22941,7 @@
           <a:p>
             <a:fld id="{8663F5F6-EA10-44FF-B365-9A2EC8616DD5}" type="datetimeFigureOut">
               <a:rPr lang="zh-CN" altLang="en-US" smtClean="0"/>
-              <a:t>2020/5/10</a:t>
+              <a:t>2021/3/19</a:t>
             </a:fld>
             <a:endParaRPr lang="zh-CN" altLang="en-US"/>
           </a:p>
@@ -23353,7 +23353,7 @@
           <a:p>
             <a:fld id="{8663F5F6-EA10-44FF-B365-9A2EC8616DD5}" type="datetimeFigureOut">
               <a:rPr lang="zh-CN" altLang="en-US" smtClean="0"/>
-              <a:t>2020/5/10</a:t>
+              <a:t>2021/3/19</a:t>
             </a:fld>
             <a:endParaRPr lang="zh-CN" altLang="en-US"/>
           </a:p>
@@ -23494,7 +23494,7 @@
           <a:p>
             <a:fld id="{8663F5F6-EA10-44FF-B365-9A2EC8616DD5}" type="datetimeFigureOut">
               <a:rPr lang="zh-CN" altLang="en-US" smtClean="0"/>
-              <a:t>2020/5/10</a:t>
+              <a:t>2021/3/19</a:t>
             </a:fld>
             <a:endParaRPr lang="zh-CN" altLang="en-US"/>
           </a:p>
@@ -23607,7 +23607,7 @@
           <a:p>
             <a:fld id="{8663F5F6-EA10-44FF-B365-9A2EC8616DD5}" type="datetimeFigureOut">
               <a:rPr lang="zh-CN" altLang="en-US" smtClean="0"/>
-              <a:t>2020/5/10</a:t>
+              <a:t>2021/3/19</a:t>
             </a:fld>
             <a:endParaRPr lang="zh-CN" altLang="en-US"/>
           </a:p>
@@ -23918,7 +23918,7 @@
           <a:p>
             <a:fld id="{8663F5F6-EA10-44FF-B365-9A2EC8616DD5}" type="datetimeFigureOut">
               <a:rPr lang="zh-CN" altLang="en-US" smtClean="0"/>
-              <a:t>2020/5/10</a:t>
+              <a:t>2021/3/19</a:t>
             </a:fld>
             <a:endParaRPr lang="zh-CN" altLang="en-US"/>
           </a:p>
@@ -24100,7 +24100,7 @@
           <a:p>
             <a:fld id="{5A8F3604-515A-41FB-875F-ACBE921EC2F2}" type="datetimeFigureOut">
               <a:rPr lang="en-US" smtClean="0"/>
-              <a:t>5/10/2020</a:t>
+              <a:t>3/19/2021</a:t>
             </a:fld>
             <a:endParaRPr lang="en-US"/>
           </a:p>
@@ -24376,7 +24376,7 @@
           <a:p>
             <a:fld id="{8663F5F6-EA10-44FF-B365-9A2EC8616DD5}" type="datetimeFigureOut">
               <a:rPr lang="zh-CN" altLang="en-US" smtClean="0"/>
-              <a:t>2020/5/10</a:t>
+              <a:t>2021/3/19</a:t>
             </a:fld>
             <a:endParaRPr lang="zh-CN" altLang="en-US"/>
           </a:p>
@@ -24574,7 +24574,7 @@
           <a:p>
             <a:fld id="{8663F5F6-EA10-44FF-B365-9A2EC8616DD5}" type="datetimeFigureOut">
               <a:rPr lang="zh-CN" altLang="en-US" smtClean="0"/>
-              <a:t>2020/5/10</a:t>
+              <a:t>2021/3/19</a:t>
             </a:fld>
             <a:endParaRPr lang="zh-CN" altLang="en-US"/>
           </a:p>
@@ -24782,7 +24782,7 @@
           <a:p>
             <a:fld id="{8663F5F6-EA10-44FF-B365-9A2EC8616DD5}" type="datetimeFigureOut">
               <a:rPr lang="zh-CN" altLang="en-US" smtClean="0"/>
-              <a:t>2020/5/10</a:t>
+              <a:t>2021/3/19</a:t>
             </a:fld>
             <a:endParaRPr lang="zh-CN" altLang="en-US"/>
           </a:p>
@@ -25040,7 +25040,7 @@
           <a:p>
             <a:fld id="{5A8F3604-515A-41FB-875F-ACBE921EC2F2}" type="datetimeFigureOut">
               <a:rPr lang="en-US" smtClean="0"/>
-              <a:t>5/10/2020</a:t>
+              <a:t>3/19/2021</a:t>
             </a:fld>
             <a:endParaRPr lang="en-US"/>
           </a:p>
@@ -25272,7 +25272,7 @@
           <a:p>
             <a:fld id="{5A8F3604-515A-41FB-875F-ACBE921EC2F2}" type="datetimeFigureOut">
               <a:rPr lang="en-US" smtClean="0"/>
-              <a:t>5/10/2020</a:t>
+              <a:t>3/19/2021</a:t>
             </a:fld>
             <a:endParaRPr lang="en-US"/>
           </a:p>
@@ -25639,7 +25639,7 @@
           <a:p>
             <a:fld id="{5A8F3604-515A-41FB-875F-ACBE921EC2F2}" type="datetimeFigureOut">
               <a:rPr lang="en-US" smtClean="0"/>
-              <a:t>5/10/2020</a:t>
+              <a:t>3/19/2021</a:t>
             </a:fld>
             <a:endParaRPr lang="en-US"/>
           </a:p>
@@ -25757,7 +25757,7 @@
           <a:p>
             <a:fld id="{5A8F3604-515A-41FB-875F-ACBE921EC2F2}" type="datetimeFigureOut">
               <a:rPr lang="en-US" smtClean="0"/>
-              <a:t>5/10/2020</a:t>
+              <a:t>3/19/2021</a:t>
             </a:fld>
             <a:endParaRPr lang="en-US"/>
           </a:p>
@@ -25852,7 +25852,7 @@
           <a:p>
             <a:fld id="{5A8F3604-515A-41FB-875F-ACBE921EC2F2}" type="datetimeFigureOut">
               <a:rPr lang="en-US" smtClean="0"/>
-              <a:t>5/10/2020</a:t>
+              <a:t>3/19/2021</a:t>
             </a:fld>
             <a:endParaRPr lang="en-US"/>
           </a:p>
@@ -26129,7 +26129,7 @@
           <a:p>
             <a:fld id="{5A8F3604-515A-41FB-875F-ACBE921EC2F2}" type="datetimeFigureOut">
               <a:rPr lang="en-US" smtClean="0"/>
-              <a:t>5/10/2020</a:t>
+              <a:t>3/19/2021</a:t>
             </a:fld>
             <a:endParaRPr lang="en-US"/>
           </a:p>
@@ -26382,7 +26382,7 @@
           <a:p>
             <a:fld id="{5A8F3604-515A-41FB-875F-ACBE921EC2F2}" type="datetimeFigureOut">
               <a:rPr lang="en-US" smtClean="0"/>
-              <a:t>5/10/2020</a:t>
+              <a:t>3/19/2021</a:t>
             </a:fld>
             <a:endParaRPr lang="en-US"/>
           </a:p>
@@ -26595,7 +26595,7 @@
           <a:p>
             <a:fld id="{5A8F3604-515A-41FB-875F-ACBE921EC2F2}" type="datetimeFigureOut">
               <a:rPr lang="en-US" smtClean="0"/>
-              <a:t>5/10/2020</a:t>
+              <a:t>3/19/2021</a:t>
             </a:fld>
             <a:endParaRPr lang="en-US"/>
           </a:p>
@@ -27151,7 +27151,7 @@
           <a:p>
             <a:fld id="{8663F5F6-EA10-44FF-B365-9A2EC8616DD5}" type="datetimeFigureOut">
               <a:rPr lang="zh-CN" altLang="en-US" smtClean="0"/>
-              <a:t>2020/5/10</a:t>
+              <a:t>2021/3/19</a:t>
             </a:fld>
             <a:endParaRPr lang="zh-CN" altLang="en-US"/>
           </a:p>
@@ -27630,8 +27630,8 @@
         </p:nvSpPr>
         <p:spPr>
           <a:xfrm>
-            <a:off x="4136809" y="3945374"/>
-            <a:ext cx="3621633" cy="1569660"/>
+            <a:off x="3898828" y="3945374"/>
+            <a:ext cx="4097597" cy="1569660"/>
           </a:xfrm>
           <a:prstGeom prst="rect">
             <a:avLst/>
@@ -27649,7 +27649,7 @@
                 <a:latin typeface="Times New Roman" panose="02020603050405020304" pitchFamily="18" charset="0"/>
                 <a:cs typeface="Times New Roman" panose="02020603050405020304" pitchFamily="18" charset="0"/>
               </a:rPr>
-              <a:t>May 10, 2020</a:t>
+              <a:t>March 20, 2021</a:t>
             </a:r>
           </a:p>
           <a:p>

--- a/econometricsintro/ch3/lm-modeling.pptx
+++ b/econometricsintro/ch3/lm-modeling.pptx
@@ -23,11 +23,11 @@
     <p:sldId id="275" r:id="rId17"/>
     <p:sldId id="264" r:id="rId18"/>
     <p:sldId id="284" r:id="rId19"/>
-    <p:sldId id="289" r:id="rId20"/>
-    <p:sldId id="276" r:id="rId21"/>
-    <p:sldId id="285" r:id="rId22"/>
-    <p:sldId id="283" r:id="rId23"/>
-    <p:sldId id="265" r:id="rId24"/>
+    <p:sldId id="265" r:id="rId20"/>
+    <p:sldId id="289" r:id="rId21"/>
+    <p:sldId id="276" r:id="rId22"/>
+    <p:sldId id="285" r:id="rId23"/>
+    <p:sldId id="283" r:id="rId24"/>
   </p:sldIdLst>
   <p:sldSz cx="12192000" cy="6858000"/>
   <p:notesSz cx="6858000" cy="9144000"/>
@@ -21645,7 +21645,7 @@
           <a:p>
             <a:fld id="{5A8F3604-515A-41FB-875F-ACBE921EC2F2}" type="datetimeFigureOut">
               <a:rPr lang="en-US" smtClean="0"/>
-              <a:t>3/19/2021</a:t>
+              <a:t>3/20/2021</a:t>
             </a:fld>
             <a:endParaRPr lang="en-US"/>
           </a:p>
@@ -21815,7 +21815,7 @@
           <a:p>
             <a:fld id="{5A8F3604-515A-41FB-875F-ACBE921EC2F2}" type="datetimeFigureOut">
               <a:rPr lang="en-US" smtClean="0"/>
-              <a:t>3/19/2021</a:t>
+              <a:t>3/20/2021</a:t>
             </a:fld>
             <a:endParaRPr lang="en-US"/>
           </a:p>
@@ -21995,7 +21995,7 @@
           <a:p>
             <a:fld id="{5A8F3604-515A-41FB-875F-ACBE921EC2F2}" type="datetimeFigureOut">
               <a:rPr lang="en-US" smtClean="0"/>
-              <a:t>3/19/2021</a:t>
+              <a:t>3/20/2021</a:t>
             </a:fld>
             <a:endParaRPr lang="en-US"/>
           </a:p>
@@ -22203,7 +22203,7 @@
           <a:p>
             <a:fld id="{8663F5F6-EA10-44FF-B365-9A2EC8616DD5}" type="datetimeFigureOut">
               <a:rPr lang="zh-CN" altLang="en-US" smtClean="0"/>
-              <a:t>2021/3/19</a:t>
+              <a:t>2021/3/20</a:t>
             </a:fld>
             <a:endParaRPr lang="zh-CN" altLang="en-US"/>
           </a:p>
@@ -22401,7 +22401,7 @@
           <a:p>
             <a:fld id="{8663F5F6-EA10-44FF-B365-9A2EC8616DD5}" type="datetimeFigureOut">
               <a:rPr lang="zh-CN" altLang="en-US" smtClean="0"/>
-              <a:t>2021/3/19</a:t>
+              <a:t>2021/3/20</a:t>
             </a:fld>
             <a:endParaRPr lang="zh-CN" altLang="en-US"/>
           </a:p>
@@ -22676,7 +22676,7 @@
           <a:p>
             <a:fld id="{8663F5F6-EA10-44FF-B365-9A2EC8616DD5}" type="datetimeFigureOut">
               <a:rPr lang="zh-CN" altLang="en-US" smtClean="0"/>
-              <a:t>2021/3/19</a:t>
+              <a:t>2021/3/20</a:t>
             </a:fld>
             <a:endParaRPr lang="zh-CN" altLang="en-US"/>
           </a:p>
@@ -22941,7 +22941,7 @@
           <a:p>
             <a:fld id="{8663F5F6-EA10-44FF-B365-9A2EC8616DD5}" type="datetimeFigureOut">
               <a:rPr lang="zh-CN" altLang="en-US" smtClean="0"/>
-              <a:t>2021/3/19</a:t>
+              <a:t>2021/3/20</a:t>
             </a:fld>
             <a:endParaRPr lang="zh-CN" altLang="en-US"/>
           </a:p>
@@ -23353,7 +23353,7 @@
           <a:p>
             <a:fld id="{8663F5F6-EA10-44FF-B365-9A2EC8616DD5}" type="datetimeFigureOut">
               <a:rPr lang="zh-CN" altLang="en-US" smtClean="0"/>
-              <a:t>2021/3/19</a:t>
+              <a:t>2021/3/20</a:t>
             </a:fld>
             <a:endParaRPr lang="zh-CN" altLang="en-US"/>
           </a:p>
@@ -23494,7 +23494,7 @@
           <a:p>
             <a:fld id="{8663F5F6-EA10-44FF-B365-9A2EC8616DD5}" type="datetimeFigureOut">
               <a:rPr lang="zh-CN" altLang="en-US" smtClean="0"/>
-              <a:t>2021/3/19</a:t>
+              <a:t>2021/3/20</a:t>
             </a:fld>
             <a:endParaRPr lang="zh-CN" altLang="en-US"/>
           </a:p>
@@ -23607,7 +23607,7 @@
           <a:p>
             <a:fld id="{8663F5F6-EA10-44FF-B365-9A2EC8616DD5}" type="datetimeFigureOut">
               <a:rPr lang="zh-CN" altLang="en-US" smtClean="0"/>
-              <a:t>2021/3/19</a:t>
+              <a:t>2021/3/20</a:t>
             </a:fld>
             <a:endParaRPr lang="zh-CN" altLang="en-US"/>
           </a:p>
@@ -23918,7 +23918,7 @@
           <a:p>
             <a:fld id="{8663F5F6-EA10-44FF-B365-9A2EC8616DD5}" type="datetimeFigureOut">
               <a:rPr lang="zh-CN" altLang="en-US" smtClean="0"/>
-              <a:t>2021/3/19</a:t>
+              <a:t>2021/3/20</a:t>
             </a:fld>
             <a:endParaRPr lang="zh-CN" altLang="en-US"/>
           </a:p>
@@ -24100,7 +24100,7 @@
           <a:p>
             <a:fld id="{5A8F3604-515A-41FB-875F-ACBE921EC2F2}" type="datetimeFigureOut">
               <a:rPr lang="en-US" smtClean="0"/>
-              <a:t>3/19/2021</a:t>
+              <a:t>3/20/2021</a:t>
             </a:fld>
             <a:endParaRPr lang="en-US"/>
           </a:p>
@@ -24376,7 +24376,7 @@
           <a:p>
             <a:fld id="{8663F5F6-EA10-44FF-B365-9A2EC8616DD5}" type="datetimeFigureOut">
               <a:rPr lang="zh-CN" altLang="en-US" smtClean="0"/>
-              <a:t>2021/3/19</a:t>
+              <a:t>2021/3/20</a:t>
             </a:fld>
             <a:endParaRPr lang="zh-CN" altLang="en-US"/>
           </a:p>
@@ -24574,7 +24574,7 @@
           <a:p>
             <a:fld id="{8663F5F6-EA10-44FF-B365-9A2EC8616DD5}" type="datetimeFigureOut">
               <a:rPr lang="zh-CN" altLang="en-US" smtClean="0"/>
-              <a:t>2021/3/19</a:t>
+              <a:t>2021/3/20</a:t>
             </a:fld>
             <a:endParaRPr lang="zh-CN" altLang="en-US"/>
           </a:p>
@@ -24782,7 +24782,7 @@
           <a:p>
             <a:fld id="{8663F5F6-EA10-44FF-B365-9A2EC8616DD5}" type="datetimeFigureOut">
               <a:rPr lang="zh-CN" altLang="en-US" smtClean="0"/>
-              <a:t>2021/3/19</a:t>
+              <a:t>2021/3/20</a:t>
             </a:fld>
             <a:endParaRPr lang="zh-CN" altLang="en-US"/>
           </a:p>
@@ -25040,7 +25040,7 @@
           <a:p>
             <a:fld id="{5A8F3604-515A-41FB-875F-ACBE921EC2F2}" type="datetimeFigureOut">
               <a:rPr lang="en-US" smtClean="0"/>
-              <a:t>3/19/2021</a:t>
+              <a:t>3/20/2021</a:t>
             </a:fld>
             <a:endParaRPr lang="en-US"/>
           </a:p>
@@ -25272,7 +25272,7 @@
           <a:p>
             <a:fld id="{5A8F3604-515A-41FB-875F-ACBE921EC2F2}" type="datetimeFigureOut">
               <a:rPr lang="en-US" smtClean="0"/>
-              <a:t>3/19/2021</a:t>
+              <a:t>3/20/2021</a:t>
             </a:fld>
             <a:endParaRPr lang="en-US"/>
           </a:p>
@@ -25639,7 +25639,7 @@
           <a:p>
             <a:fld id="{5A8F3604-515A-41FB-875F-ACBE921EC2F2}" type="datetimeFigureOut">
               <a:rPr lang="en-US" smtClean="0"/>
-              <a:t>3/19/2021</a:t>
+              <a:t>3/20/2021</a:t>
             </a:fld>
             <a:endParaRPr lang="en-US"/>
           </a:p>
@@ -25757,7 +25757,7 @@
           <a:p>
             <a:fld id="{5A8F3604-515A-41FB-875F-ACBE921EC2F2}" type="datetimeFigureOut">
               <a:rPr lang="en-US" smtClean="0"/>
-              <a:t>3/19/2021</a:t>
+              <a:t>3/20/2021</a:t>
             </a:fld>
             <a:endParaRPr lang="en-US"/>
           </a:p>
@@ -25852,7 +25852,7 @@
           <a:p>
             <a:fld id="{5A8F3604-515A-41FB-875F-ACBE921EC2F2}" type="datetimeFigureOut">
               <a:rPr lang="en-US" smtClean="0"/>
-              <a:t>3/19/2021</a:t>
+              <a:t>3/20/2021</a:t>
             </a:fld>
             <a:endParaRPr lang="en-US"/>
           </a:p>
@@ -26129,7 +26129,7 @@
           <a:p>
             <a:fld id="{5A8F3604-515A-41FB-875F-ACBE921EC2F2}" type="datetimeFigureOut">
               <a:rPr lang="en-US" smtClean="0"/>
-              <a:t>3/19/2021</a:t>
+              <a:t>3/20/2021</a:t>
             </a:fld>
             <a:endParaRPr lang="en-US"/>
           </a:p>
@@ -26382,7 +26382,7 @@
           <a:p>
             <a:fld id="{5A8F3604-515A-41FB-875F-ACBE921EC2F2}" type="datetimeFigureOut">
               <a:rPr lang="en-US" smtClean="0"/>
-              <a:t>3/19/2021</a:t>
+              <a:t>3/20/2021</a:t>
             </a:fld>
             <a:endParaRPr lang="en-US"/>
           </a:p>
@@ -26595,7 +26595,7 @@
           <a:p>
             <a:fld id="{5A8F3604-515A-41FB-875F-ACBE921EC2F2}" type="datetimeFigureOut">
               <a:rPr lang="en-US" smtClean="0"/>
-              <a:t>3/19/2021</a:t>
+              <a:t>3/20/2021</a:t>
             </a:fld>
             <a:endParaRPr lang="en-US"/>
           </a:p>
@@ -27151,7 +27151,7 @@
           <a:p>
             <a:fld id="{8663F5F6-EA10-44FF-B365-9A2EC8616DD5}" type="datetimeFigureOut">
               <a:rPr lang="zh-CN" altLang="en-US" smtClean="0"/>
-              <a:t>2021/3/19</a:t>
+              <a:t>2021/3/20</a:t>
             </a:fld>
             <a:endParaRPr lang="zh-CN" altLang="en-US"/>
           </a:p>
@@ -30487,6 +30487,392 @@
           <a:chExt cx="0" cy="0"/>
         </a:xfrm>
       </p:grpSpPr>
+      <p:pic>
+        <p:nvPicPr>
+          <p:cNvPr id="4" name="内容占位符 3"/>
+          <p:cNvPicPr>
+            <a:picLocks noGrp="1" noChangeAspect="1"/>
+          </p:cNvPicPr>
+          <p:nvPr>
+            <p:ph idx="1"/>
+          </p:nvPr>
+        </p:nvPicPr>
+        <p:blipFill>
+          <a:blip r:embed="rId2"/>
+          <a:stretch>
+            <a:fillRect/>
+          </a:stretch>
+        </p:blipFill>
+        <p:spPr>
+          <a:xfrm>
+            <a:off x="550216" y="412552"/>
+            <a:ext cx="7110882" cy="6201607"/>
+          </a:xfrm>
+          <a:prstGeom prst="rect">
+            <a:avLst/>
+          </a:prstGeom>
+        </p:spPr>
+      </p:pic>
+      <p:sp>
+        <p:nvSpPr>
+          <p:cNvPr id="5" name="内容占位符 2"/>
+          <p:cNvSpPr txBox="1">
+            <a:spLocks/>
+          </p:cNvSpPr>
+          <p:nvPr/>
+        </p:nvSpPr>
+        <p:spPr>
+          <a:xfrm>
+            <a:off x="8308863" y="1598059"/>
+            <a:ext cx="3212577" cy="2730101"/>
+          </a:xfrm>
+          <a:prstGeom prst="rect">
+            <a:avLst/>
+          </a:prstGeom>
+        </p:spPr>
+        <p:txBody>
+          <a:bodyPr vert="horz" lIns="91440" tIns="45720" rIns="91440" bIns="45720" rtlCol="0">
+            <a:normAutofit/>
+          </a:bodyPr>
+          <a:lstStyle>
+            <a:lvl1pPr marL="228600" indent="-228600" algn="l" defTabSz="914400" rtl="0" eaLnBrk="1" latinLnBrk="0" hangingPunct="1">
+              <a:lnSpc>
+                <a:spcPct val="90000"/>
+              </a:lnSpc>
+              <a:spcBef>
+                <a:spcPts val="1000"/>
+              </a:spcBef>
+              <a:buFont typeface="Arial" panose="020B0604020202020204" pitchFamily="34" charset="0"/>
+              <a:buChar char="•"/>
+              <a:defRPr sz="2800" kern="1200">
+                <a:solidFill>
+                  <a:schemeClr val="tx1"/>
+                </a:solidFill>
+                <a:latin typeface="+mn-lt"/>
+                <a:ea typeface="+mn-ea"/>
+                <a:cs typeface="+mn-cs"/>
+              </a:defRPr>
+            </a:lvl1pPr>
+            <a:lvl2pPr marL="685800" indent="-228600" algn="l" defTabSz="914400" rtl="0" eaLnBrk="1" latinLnBrk="0" hangingPunct="1">
+              <a:lnSpc>
+                <a:spcPct val="90000"/>
+              </a:lnSpc>
+              <a:spcBef>
+                <a:spcPts val="500"/>
+              </a:spcBef>
+              <a:buFont typeface="Arial" panose="020B0604020202020204" pitchFamily="34" charset="0"/>
+              <a:buChar char="•"/>
+              <a:defRPr sz="2400" kern="1200">
+                <a:solidFill>
+                  <a:schemeClr val="tx1"/>
+                </a:solidFill>
+                <a:latin typeface="+mn-lt"/>
+                <a:ea typeface="+mn-ea"/>
+                <a:cs typeface="+mn-cs"/>
+              </a:defRPr>
+            </a:lvl2pPr>
+            <a:lvl3pPr marL="1143000" indent="-228600" algn="l" defTabSz="914400" rtl="0" eaLnBrk="1" latinLnBrk="0" hangingPunct="1">
+              <a:lnSpc>
+                <a:spcPct val="90000"/>
+              </a:lnSpc>
+              <a:spcBef>
+                <a:spcPts val="500"/>
+              </a:spcBef>
+              <a:buFont typeface="Arial" panose="020B0604020202020204" pitchFamily="34" charset="0"/>
+              <a:buChar char="•"/>
+              <a:defRPr sz="2000" kern="1200">
+                <a:solidFill>
+                  <a:schemeClr val="tx1"/>
+                </a:solidFill>
+                <a:latin typeface="+mn-lt"/>
+                <a:ea typeface="+mn-ea"/>
+                <a:cs typeface="+mn-cs"/>
+              </a:defRPr>
+            </a:lvl3pPr>
+            <a:lvl4pPr marL="1600200" indent="-228600" algn="l" defTabSz="914400" rtl="0" eaLnBrk="1" latinLnBrk="0" hangingPunct="1">
+              <a:lnSpc>
+                <a:spcPct val="90000"/>
+              </a:lnSpc>
+              <a:spcBef>
+                <a:spcPts val="500"/>
+              </a:spcBef>
+              <a:buFont typeface="Arial" panose="020B0604020202020204" pitchFamily="34" charset="0"/>
+              <a:buChar char="•"/>
+              <a:defRPr sz="1800" kern="1200">
+                <a:solidFill>
+                  <a:schemeClr val="tx1"/>
+                </a:solidFill>
+                <a:latin typeface="+mn-lt"/>
+                <a:ea typeface="+mn-ea"/>
+                <a:cs typeface="+mn-cs"/>
+              </a:defRPr>
+            </a:lvl4pPr>
+            <a:lvl5pPr marL="2057400" indent="-228600" algn="l" defTabSz="914400" rtl="0" eaLnBrk="1" latinLnBrk="0" hangingPunct="1">
+              <a:lnSpc>
+                <a:spcPct val="90000"/>
+              </a:lnSpc>
+              <a:spcBef>
+                <a:spcPts val="500"/>
+              </a:spcBef>
+              <a:buFont typeface="Arial" panose="020B0604020202020204" pitchFamily="34" charset="0"/>
+              <a:buChar char="•"/>
+              <a:defRPr sz="1800" kern="1200">
+                <a:solidFill>
+                  <a:schemeClr val="tx1"/>
+                </a:solidFill>
+                <a:latin typeface="+mn-lt"/>
+                <a:ea typeface="+mn-ea"/>
+                <a:cs typeface="+mn-cs"/>
+              </a:defRPr>
+            </a:lvl5pPr>
+            <a:lvl6pPr marL="2514600" indent="-228600" algn="l" defTabSz="914400" rtl="0" eaLnBrk="1" latinLnBrk="0" hangingPunct="1">
+              <a:lnSpc>
+                <a:spcPct val="90000"/>
+              </a:lnSpc>
+              <a:spcBef>
+                <a:spcPts val="500"/>
+              </a:spcBef>
+              <a:buFont typeface="Arial" panose="020B0604020202020204" pitchFamily="34" charset="0"/>
+              <a:buChar char="•"/>
+              <a:defRPr sz="1800" kern="1200">
+                <a:solidFill>
+                  <a:schemeClr val="tx1"/>
+                </a:solidFill>
+                <a:latin typeface="+mn-lt"/>
+                <a:ea typeface="+mn-ea"/>
+                <a:cs typeface="+mn-cs"/>
+              </a:defRPr>
+            </a:lvl6pPr>
+            <a:lvl7pPr marL="2971800" indent="-228600" algn="l" defTabSz="914400" rtl="0" eaLnBrk="1" latinLnBrk="0" hangingPunct="1">
+              <a:lnSpc>
+                <a:spcPct val="90000"/>
+              </a:lnSpc>
+              <a:spcBef>
+                <a:spcPts val="500"/>
+              </a:spcBef>
+              <a:buFont typeface="Arial" panose="020B0604020202020204" pitchFamily="34" charset="0"/>
+              <a:buChar char="•"/>
+              <a:defRPr sz="1800" kern="1200">
+                <a:solidFill>
+                  <a:schemeClr val="tx1"/>
+                </a:solidFill>
+                <a:latin typeface="+mn-lt"/>
+                <a:ea typeface="+mn-ea"/>
+                <a:cs typeface="+mn-cs"/>
+              </a:defRPr>
+            </a:lvl7pPr>
+            <a:lvl8pPr marL="3429000" indent="-228600" algn="l" defTabSz="914400" rtl="0" eaLnBrk="1" latinLnBrk="0" hangingPunct="1">
+              <a:lnSpc>
+                <a:spcPct val="90000"/>
+              </a:lnSpc>
+              <a:spcBef>
+                <a:spcPts val="500"/>
+              </a:spcBef>
+              <a:buFont typeface="Arial" panose="020B0604020202020204" pitchFamily="34" charset="0"/>
+              <a:buChar char="•"/>
+              <a:defRPr sz="1800" kern="1200">
+                <a:solidFill>
+                  <a:schemeClr val="tx1"/>
+                </a:solidFill>
+                <a:latin typeface="+mn-lt"/>
+                <a:ea typeface="+mn-ea"/>
+                <a:cs typeface="+mn-cs"/>
+              </a:defRPr>
+            </a:lvl8pPr>
+            <a:lvl9pPr marL="3886200" indent="-228600" algn="l" defTabSz="914400" rtl="0" eaLnBrk="1" latinLnBrk="0" hangingPunct="1">
+              <a:lnSpc>
+                <a:spcPct val="90000"/>
+              </a:lnSpc>
+              <a:spcBef>
+                <a:spcPts val="500"/>
+              </a:spcBef>
+              <a:buFont typeface="Arial" panose="020B0604020202020204" pitchFamily="34" charset="0"/>
+              <a:buChar char="•"/>
+              <a:defRPr sz="1800" kern="1200">
+                <a:solidFill>
+                  <a:schemeClr val="tx1"/>
+                </a:solidFill>
+                <a:latin typeface="+mn-lt"/>
+                <a:ea typeface="+mn-ea"/>
+                <a:cs typeface="+mn-cs"/>
+              </a:defRPr>
+            </a:lvl9pPr>
+          </a:lstStyle>
+          <a:p>
+            <a:pPr marL="0" indent="0" algn="ctr">
+              <a:buNone/>
+            </a:pPr>
+            <a:r>
+              <a:rPr lang="zh-CN" altLang="en-US" sz="3200" dirty="0"/>
+              <a:t>讨论</a:t>
+            </a:r>
+            <a:endParaRPr lang="en-US" sz="3200" dirty="0"/>
+          </a:p>
+          <a:p>
+            <a:r>
+              <a:rPr lang="en-US" sz="3200" dirty="0"/>
+              <a:t>BMI</a:t>
+            </a:r>
+            <a:r>
+              <a:rPr lang="zh-CN" altLang="en-US" sz="3200" dirty="0"/>
+              <a:t>均值为</a:t>
+            </a:r>
+            <a:r>
+              <a:rPr lang="en-US" altLang="zh-CN" sz="3200" dirty="0"/>
+              <a:t>22</a:t>
+            </a:r>
+          </a:p>
+          <a:p>
+            <a:r>
+              <a:rPr lang="zh-CN" altLang="en-US" sz="3200" dirty="0"/>
+              <a:t>吸烟量对血压效应为多少？</a:t>
+            </a:r>
+            <a:endParaRPr lang="en-US" sz="3200" dirty="0"/>
+          </a:p>
+        </p:txBody>
+      </p:sp>
+      <p:sp>
+        <p:nvSpPr>
+          <p:cNvPr id="20" name="Freeform: Shape 19">
+            <a:extLst>
+              <a:ext uri="{FF2B5EF4-FFF2-40B4-BE49-F238E27FC236}">
+                <a16:creationId xmlns:a16="http://schemas.microsoft.com/office/drawing/2014/main" id="{43573EFB-E773-46FC-B866-B57ED2E3906B}"/>
+              </a:ext>
+              <a:ext uri="{C183D7F6-B498-43B3-948B-1728B52AA6E4}">
+                <adec:decorative xmlns:adec="http://schemas.microsoft.com/office/drawing/2017/decorative" val="1"/>
+              </a:ext>
+            </a:extLst>
+          </p:cNvPr>
+          <p:cNvSpPr>
+            <a:spLocks noGrp="1" noRot="1" noChangeAspect="1" noMove="1" noResize="1" noEditPoints="1" noAdjustHandles="1" noChangeArrowheads="1" noChangeShapeType="1" noTextEdit="1"/>
+          </p:cNvSpPr>
+          <p:nvPr>
+            <p:extLst>
+              <p:ext uri="{386F3935-93C4-4BCD-93E2-E3B085C9AB24}">
+                <p16:designElem xmlns:p16="http://schemas.microsoft.com/office/powerpoint/2015/main" val="1"/>
+              </p:ext>
+            </p:extLst>
+          </p:nvPr>
+        </p:nvSpPr>
+        <p:spPr bwMode="auto">
+          <a:xfrm flipH="1" flipV="1">
+            <a:off x="7983434" y="640080"/>
+            <a:ext cx="2296028" cy="3569741"/>
+          </a:xfrm>
+          <a:custGeom>
+            <a:avLst/>
+            <a:gdLst>
+              <a:gd name="connsiteX0" fmla="*/ 2296028 w 2296028"/>
+              <a:gd name="connsiteY0" fmla="*/ 3569741 h 3569741"/>
+              <a:gd name="connsiteX1" fmla="*/ 459 w 2296028"/>
+              <a:gd name="connsiteY1" fmla="*/ 3569741 h 3569741"/>
+              <a:gd name="connsiteX2" fmla="*/ 0 w 2296028"/>
+              <a:gd name="connsiteY2" fmla="*/ 3248180 h 3569741"/>
+              <a:gd name="connsiteX3" fmla="*/ 2011607 w 2296028"/>
+              <a:gd name="connsiteY3" fmla="*/ 3249283 h 3569741"/>
+              <a:gd name="connsiteX4" fmla="*/ 2011607 w 2296028"/>
+              <a:gd name="connsiteY4" fmla="*/ 0 h 3569741"/>
+              <a:gd name="connsiteX5" fmla="*/ 2296028 w 2296028"/>
+              <a:gd name="connsiteY5" fmla="*/ 0 h 3569741"/>
+            </a:gdLst>
+            <a:ahLst/>
+            <a:cxnLst>
+              <a:cxn ang="0">
+                <a:pos x="connsiteX0" y="connsiteY0"/>
+              </a:cxn>
+              <a:cxn ang="0">
+                <a:pos x="connsiteX1" y="connsiteY1"/>
+              </a:cxn>
+              <a:cxn ang="0">
+                <a:pos x="connsiteX2" y="connsiteY2"/>
+              </a:cxn>
+              <a:cxn ang="0">
+                <a:pos x="connsiteX3" y="connsiteY3"/>
+              </a:cxn>
+              <a:cxn ang="0">
+                <a:pos x="connsiteX4" y="connsiteY4"/>
+              </a:cxn>
+              <a:cxn ang="0">
+                <a:pos x="connsiteX5" y="connsiteY5"/>
+              </a:cxn>
+            </a:cxnLst>
+            <a:rect l="l" t="t" r="r" b="b"/>
+            <a:pathLst>
+              <a:path w="2296028" h="3569741">
+                <a:moveTo>
+                  <a:pt x="2296028" y="3569741"/>
+                </a:moveTo>
+                <a:lnTo>
+                  <a:pt x="459" y="3569741"/>
+                </a:lnTo>
+                <a:cubicBezTo>
+                  <a:pt x="-459" y="3458756"/>
+                  <a:pt x="918" y="3359164"/>
+                  <a:pt x="0" y="3248180"/>
+                </a:cubicBezTo>
+                <a:lnTo>
+                  <a:pt x="2011607" y="3249283"/>
+                </a:lnTo>
+                <a:lnTo>
+                  <a:pt x="2011607" y="0"/>
+                </a:lnTo>
+                <a:lnTo>
+                  <a:pt x="2296028" y="0"/>
+                </a:lnTo>
+                <a:close/>
+              </a:path>
+            </a:pathLst>
+          </a:custGeom>
+          <a:solidFill>
+            <a:srgbClr val="4C4C4C"/>
+          </a:solidFill>
+          <a:ln w="0">
+            <a:noFill/>
+            <a:prstDash val="solid"/>
+            <a:round/>
+            <a:headEnd/>
+            <a:tailEnd/>
+          </a:ln>
+        </p:spPr>
+      </p:sp>
+    </p:spTree>
+    <p:extLst>
+      <p:ext uri="{BB962C8B-B14F-4D97-AF65-F5344CB8AC3E}">
+        <p14:creationId xmlns:p14="http://schemas.microsoft.com/office/powerpoint/2010/main" val="773630525"/>
+      </p:ext>
+    </p:extLst>
+  </p:cSld>
+  <p:clrMapOvr>
+    <a:masterClrMapping/>
+  </p:clrMapOvr>
+</p:sld>
+</file>
+
+<file path=ppt/slides/slide19.xml><?xml version="1.0" encoding="utf-8"?>
+<p:sld xmlns:a="http://schemas.openxmlformats.org/drawingml/2006/main" xmlns:r="http://schemas.openxmlformats.org/officeDocument/2006/relationships" xmlns:p="http://schemas.openxmlformats.org/presentationml/2006/main">
+  <p:cSld>
+    <p:bg>
+      <p:bgPr>
+        <a:solidFill>
+          <a:schemeClr val="bg1"/>
+        </a:solidFill>
+        <a:effectLst/>
+      </p:bgPr>
+    </p:bg>
+    <p:spTree>
+      <p:nvGrpSpPr>
+        <p:cNvPr id="1" name=""/>
+        <p:cNvGrpSpPr/>
+        <p:nvPr/>
+      </p:nvGrpSpPr>
+      <p:grpSpPr>
+        <a:xfrm>
+          <a:off x="0" y="0"/>
+          <a:ext cx="0" cy="0"/>
+          <a:chOff x="0" y="0"/>
+          <a:chExt cx="0" cy="0"/>
+        </a:xfrm>
+      </p:grpSpPr>
       <p:sp>
         <p:nvSpPr>
           <p:cNvPr id="2" name="标题 1">
@@ -30645,7 +31031,354 @@
 </p:sld>
 </file>
 
-<file path=ppt/slides/slide19.xml><?xml version="1.0" encoding="utf-8"?>
+<file path=ppt/slides/slide2.xml><?xml version="1.0" encoding="utf-8"?>
+<p:sld xmlns:a="http://schemas.openxmlformats.org/drawingml/2006/main" xmlns:r="http://schemas.openxmlformats.org/officeDocument/2006/relationships" xmlns:p="http://schemas.openxmlformats.org/presentationml/2006/main">
+  <p:cSld>
+    <p:bg>
+      <p:bgPr>
+        <a:solidFill>
+          <a:schemeClr val="bg1"/>
+        </a:solidFill>
+        <a:effectLst/>
+      </p:bgPr>
+    </p:bg>
+    <p:spTree>
+      <p:nvGrpSpPr>
+        <p:cNvPr id="1" name=""/>
+        <p:cNvGrpSpPr/>
+        <p:nvPr/>
+      </p:nvGrpSpPr>
+      <p:grpSpPr>
+        <a:xfrm>
+          <a:off x="0" y="0"/>
+          <a:ext cx="0" cy="0"/>
+          <a:chOff x="0" y="0"/>
+          <a:chExt cx="0" cy="0"/>
+        </a:xfrm>
+      </p:grpSpPr>
+      <p:sp>
+        <p:nvSpPr>
+          <p:cNvPr id="2" name="标题 1">
+            <a:extLst>
+              <a:ext uri="{FF2B5EF4-FFF2-40B4-BE49-F238E27FC236}">
+                <a16:creationId xmlns:a16="http://schemas.microsoft.com/office/drawing/2014/main" id="{6DFC68D7-806B-4B70-82E2-3E5D9AA3A90A}"/>
+              </a:ext>
+            </a:extLst>
+          </p:cNvPr>
+          <p:cNvSpPr>
+            <a:spLocks noGrp="1"/>
+          </p:cNvSpPr>
+          <p:nvPr>
+            <p:ph type="title"/>
+          </p:nvPr>
+        </p:nvSpPr>
+        <p:spPr>
+          <a:xfrm>
+            <a:off x="6109498" y="908344"/>
+            <a:ext cx="5244301" cy="1538130"/>
+          </a:xfrm>
+        </p:spPr>
+        <p:txBody>
+          <a:bodyPr>
+            <a:normAutofit/>
+          </a:bodyPr>
+          <a:lstStyle/>
+          <a:p>
+            <a:pPr algn="ctr"/>
+            <a:r>
+              <a:rPr lang="zh-CN" altLang="en-US" dirty="0"/>
+              <a:t>教学目标</a:t>
+            </a:r>
+          </a:p>
+        </p:txBody>
+      </p:sp>
+      <p:sp>
+        <p:nvSpPr>
+          <p:cNvPr id="17" name="Freeform 6">
+            <a:extLst>
+              <a:ext uri="{FF2B5EF4-FFF2-40B4-BE49-F238E27FC236}">
+                <a16:creationId xmlns:a16="http://schemas.microsoft.com/office/drawing/2014/main" id="{B6C29DB0-17E9-42FF-986E-0B7F493F4D24}"/>
+              </a:ext>
+              <a:ext uri="{C183D7F6-B498-43B3-948B-1728B52AA6E4}">
+                <adec:decorative xmlns:adec="http://schemas.microsoft.com/office/drawing/2017/decorative" val="1"/>
+              </a:ext>
+            </a:extLst>
+          </p:cNvPr>
+          <p:cNvSpPr>
+            <a:spLocks noGrp="1" noRot="1" noChangeAspect="1" noMove="1" noResize="1" noEditPoints="1" noAdjustHandles="1" noChangeArrowheads="1" noChangeShapeType="1" noTextEdit="1"/>
+          </p:cNvSpPr>
+          <p:nvPr>
+            <p:extLst>
+              <p:ext uri="{386F3935-93C4-4BCD-93E2-E3B085C9AB24}">
+                <p16:designElem xmlns:p16="http://schemas.microsoft.com/office/powerpoint/2015/main" val="1"/>
+              </p:ext>
+            </p:extLst>
+          </p:nvPr>
+        </p:nvSpPr>
+        <p:spPr bwMode="auto">
+          <a:xfrm>
+            <a:off x="2199584" y="1685652"/>
+            <a:ext cx="3275013" cy="4408488"/>
+          </a:xfrm>
+          <a:custGeom>
+            <a:avLst/>
+            <a:gdLst/>
+            <a:ahLst/>
+            <a:cxnLst/>
+            <a:rect l="l" t="t" r="r" b="b"/>
+            <a:pathLst>
+              <a:path w="10000" h="10000">
+                <a:moveTo>
+                  <a:pt x="8761" y="0"/>
+                </a:moveTo>
+                <a:lnTo>
+                  <a:pt x="10000" y="0"/>
+                </a:lnTo>
+                <a:lnTo>
+                  <a:pt x="10000" y="10000"/>
+                </a:lnTo>
+                <a:lnTo>
+                  <a:pt x="0" y="10000"/>
+                </a:lnTo>
+                <a:lnTo>
+                  <a:pt x="0" y="9126"/>
+                </a:lnTo>
+                <a:lnTo>
+                  <a:pt x="8761" y="9127"/>
+                </a:lnTo>
+                <a:lnTo>
+                  <a:pt x="8761" y="0"/>
+                </a:lnTo>
+                <a:close/>
+              </a:path>
+            </a:pathLst>
+          </a:custGeom>
+          <a:solidFill>
+            <a:srgbClr val="4C4C4C"/>
+          </a:solidFill>
+          <a:ln w="0">
+            <a:noFill/>
+            <a:prstDash val="solid"/>
+            <a:round/>
+            <a:headEnd/>
+            <a:tailEnd/>
+          </a:ln>
+        </p:spPr>
+        <p:txBody>
+          <a:bodyPr/>
+          <a:lstStyle/>
+          <a:p>
+            <a:pPr marL="0" marR="0" lvl="0" indent="0" algn="l" defTabSz="914400" rtl="0" eaLnBrk="1" fontAlgn="auto" latinLnBrk="0" hangingPunct="1">
+              <a:lnSpc>
+                <a:spcPct val="100000"/>
+              </a:lnSpc>
+              <a:spcBef>
+                <a:spcPts val="0"/>
+              </a:spcBef>
+              <a:spcAft>
+                <a:spcPts val="0"/>
+              </a:spcAft>
+              <a:buClrTx/>
+              <a:buSzTx/>
+              <a:buFontTx/>
+              <a:buNone/>
+              <a:tabLst/>
+              <a:defRPr/>
+            </a:pPr>
+            <a:endParaRPr kumimoji="0" lang="en-US" sz="1800" b="0" i="0" u="none" strike="noStrike" kern="1200" cap="none" spc="0" normalizeH="0" baseline="0" noProof="0">
+              <a:ln>
+                <a:noFill/>
+              </a:ln>
+              <a:solidFill>
+                <a:prstClr val="black"/>
+              </a:solidFill>
+              <a:effectLst/>
+              <a:uLnTx/>
+              <a:uFillTx/>
+              <a:latin typeface="Calibri" panose="020F0502020204030204"/>
+              <a:ea typeface="+mn-ea"/>
+              <a:cs typeface="+mn-cs"/>
+            </a:endParaRPr>
+          </a:p>
+        </p:txBody>
+      </p:sp>
+      <p:sp>
+        <p:nvSpPr>
+          <p:cNvPr id="19" name="Freeform 6">
+            <a:extLst>
+              <a:ext uri="{FF2B5EF4-FFF2-40B4-BE49-F238E27FC236}">
+                <a16:creationId xmlns:a16="http://schemas.microsoft.com/office/drawing/2014/main" id="{115AD956-A5B6-4760-B8B2-11E2DF6B0212}"/>
+              </a:ext>
+              <a:ext uri="{C183D7F6-B498-43B3-948B-1728B52AA6E4}">
+                <adec:decorative xmlns:adec="http://schemas.microsoft.com/office/drawing/2017/decorative" val="1"/>
+              </a:ext>
+            </a:extLst>
+          </p:cNvPr>
+          <p:cNvSpPr>
+            <a:spLocks noGrp="1" noRot="1" noChangeAspect="1" noMove="1" noResize="1" noEditPoints="1" noAdjustHandles="1" noChangeArrowheads="1" noChangeShapeType="1" noTextEdit="1"/>
+          </p:cNvSpPr>
+          <p:nvPr>
+            <p:extLst>
+              <p:ext uri="{386F3935-93C4-4BCD-93E2-E3B085C9AB24}">
+                <p16:designElem xmlns:p16="http://schemas.microsoft.com/office/powerpoint/2015/main" val="1"/>
+              </p:ext>
+            </p:extLst>
+          </p:nvPr>
+        </p:nvSpPr>
+        <p:spPr bwMode="auto">
+          <a:xfrm flipH="1" flipV="1">
+            <a:off x="752858" y="744469"/>
+            <a:ext cx="3275668" cy="4408488"/>
+          </a:xfrm>
+          <a:custGeom>
+            <a:avLst/>
+            <a:gdLst/>
+            <a:ahLst/>
+            <a:cxnLst/>
+            <a:rect l="l" t="t" r="r" b="b"/>
+            <a:pathLst>
+              <a:path w="10002" h="10000">
+                <a:moveTo>
+                  <a:pt x="8763" y="0"/>
+                </a:moveTo>
+                <a:lnTo>
+                  <a:pt x="10002" y="0"/>
+                </a:lnTo>
+                <a:lnTo>
+                  <a:pt x="10002" y="10000"/>
+                </a:lnTo>
+                <a:lnTo>
+                  <a:pt x="2" y="10000"/>
+                </a:lnTo>
+                <a:cubicBezTo>
+                  <a:pt x="-2" y="9698"/>
+                  <a:pt x="4" y="9427"/>
+                  <a:pt x="0" y="9125"/>
+                </a:cubicBezTo>
+                <a:lnTo>
+                  <a:pt x="8763" y="9128"/>
+                </a:lnTo>
+                <a:lnTo>
+                  <a:pt x="8763" y="0"/>
+                </a:lnTo>
+                <a:close/>
+              </a:path>
+            </a:pathLst>
+          </a:custGeom>
+          <a:solidFill>
+            <a:srgbClr val="4C4C4C"/>
+          </a:solidFill>
+          <a:ln w="0">
+            <a:noFill/>
+            <a:prstDash val="solid"/>
+            <a:round/>
+            <a:headEnd/>
+            <a:tailEnd/>
+          </a:ln>
+        </p:spPr>
+      </p:sp>
+      <p:pic>
+        <p:nvPicPr>
+          <p:cNvPr id="7" name="Graphic 6">
+            <a:extLst>
+              <a:ext uri="{FF2B5EF4-FFF2-40B4-BE49-F238E27FC236}">
+                <a16:creationId xmlns:a16="http://schemas.microsoft.com/office/drawing/2014/main" id="{843D1B9C-035C-4071-B4B1-D3313C59E07E}"/>
+              </a:ext>
+            </a:extLst>
+          </p:cNvPr>
+          <p:cNvPicPr>
+            <a:picLocks noChangeAspect="1"/>
+          </p:cNvPicPr>
+          <p:nvPr/>
+        </p:nvPicPr>
+        <p:blipFill>
+          <a:blip r:embed="rId2">
+            <a:extLst>
+              <a:ext uri="{28A0092B-C50C-407E-A947-70E740481C1C}">
+                <a14:useLocalDpi xmlns:a14="http://schemas.microsoft.com/office/drawing/2010/main" val="0"/>
+              </a:ext>
+              <a:ext uri="{96DAC541-7B7A-43D3-8B79-37D633B846F1}">
+                <asvg:svgBlip xmlns:asvg="http://schemas.microsoft.com/office/drawing/2016/SVG/main" r:embed="rId3"/>
+              </a:ext>
+            </a:extLst>
+          </a:blip>
+          <a:stretch>
+            <a:fillRect/>
+          </a:stretch>
+        </p:blipFill>
+        <p:spPr>
+          <a:xfrm>
+            <a:off x="1480173" y="1790732"/>
+            <a:ext cx="3267942" cy="3267942"/>
+          </a:xfrm>
+          <a:prstGeom prst="rect">
+            <a:avLst/>
+          </a:prstGeom>
+        </p:spPr>
+      </p:pic>
+      <p:sp>
+        <p:nvSpPr>
+          <p:cNvPr id="8" name="内容占位符 2">
+            <a:extLst>
+              <a:ext uri="{FF2B5EF4-FFF2-40B4-BE49-F238E27FC236}">
+                <a16:creationId xmlns:a16="http://schemas.microsoft.com/office/drawing/2014/main" id="{5BB8EF5E-D8B0-4DE6-BC20-216A669FE60C}"/>
+              </a:ext>
+            </a:extLst>
+          </p:cNvPr>
+          <p:cNvSpPr>
+            <a:spLocks noGrp="1"/>
+          </p:cNvSpPr>
+          <p:nvPr>
+            <p:ph idx="1"/>
+          </p:nvPr>
+        </p:nvSpPr>
+        <p:spPr>
+          <a:xfrm>
+            <a:off x="5780664" y="2764288"/>
+            <a:ext cx="5610282" cy="2251215"/>
+          </a:xfrm>
+        </p:spPr>
+        <p:txBody>
+          <a:bodyPr>
+            <a:normAutofit/>
+          </a:bodyPr>
+          <a:lstStyle/>
+          <a:p>
+            <a:r>
+              <a:rPr lang="zh-CN" altLang="en-US" sz="3600" dirty="0"/>
+              <a:t>熟悉线性回归建模过程</a:t>
+            </a:r>
+            <a:endParaRPr lang="en-US" altLang="zh-CN" sz="3600" dirty="0"/>
+          </a:p>
+          <a:p>
+            <a:r>
+              <a:rPr lang="zh-CN" altLang="en-US" sz="3600" dirty="0"/>
+              <a:t>理解控制变量的使用原则</a:t>
+            </a:r>
+            <a:endParaRPr lang="en-US" altLang="zh-CN" sz="3600" dirty="0"/>
+          </a:p>
+          <a:p>
+            <a:r>
+              <a:rPr lang="zh-CN" altLang="en-US" sz="3600" dirty="0"/>
+              <a:t>理解交互项的使用原则</a:t>
+            </a:r>
+          </a:p>
+        </p:txBody>
+      </p:sp>
+    </p:spTree>
+    <p:extLst>
+      <p:ext uri="{BB962C8B-B14F-4D97-AF65-F5344CB8AC3E}">
+        <p14:creationId xmlns:p14="http://schemas.microsoft.com/office/powerpoint/2010/main" val="3365482745"/>
+      </p:ext>
+    </p:extLst>
+  </p:cSld>
+  <p:clrMapOvr>
+    <a:masterClrMapping/>
+  </p:clrMapOvr>
+</p:sld>
+</file>
+
+<file path=ppt/slides/slide20.xml><?xml version="1.0" encoding="utf-8"?>
 <p:sld xmlns:a="http://schemas.openxmlformats.org/drawingml/2006/main" xmlns:r="http://schemas.openxmlformats.org/officeDocument/2006/relationships" xmlns:p="http://schemas.openxmlformats.org/presentationml/2006/main">
   <p:cSld>
     <p:bg>
@@ -31482,354 +32215,7 @@
 </p:sld>
 </file>
 
-<file path=ppt/slides/slide2.xml><?xml version="1.0" encoding="utf-8"?>
-<p:sld xmlns:a="http://schemas.openxmlformats.org/drawingml/2006/main" xmlns:r="http://schemas.openxmlformats.org/officeDocument/2006/relationships" xmlns:p="http://schemas.openxmlformats.org/presentationml/2006/main">
-  <p:cSld>
-    <p:bg>
-      <p:bgPr>
-        <a:solidFill>
-          <a:schemeClr val="bg1"/>
-        </a:solidFill>
-        <a:effectLst/>
-      </p:bgPr>
-    </p:bg>
-    <p:spTree>
-      <p:nvGrpSpPr>
-        <p:cNvPr id="1" name=""/>
-        <p:cNvGrpSpPr/>
-        <p:nvPr/>
-      </p:nvGrpSpPr>
-      <p:grpSpPr>
-        <a:xfrm>
-          <a:off x="0" y="0"/>
-          <a:ext cx="0" cy="0"/>
-          <a:chOff x="0" y="0"/>
-          <a:chExt cx="0" cy="0"/>
-        </a:xfrm>
-      </p:grpSpPr>
-      <p:sp>
-        <p:nvSpPr>
-          <p:cNvPr id="2" name="标题 1">
-            <a:extLst>
-              <a:ext uri="{FF2B5EF4-FFF2-40B4-BE49-F238E27FC236}">
-                <a16:creationId xmlns:a16="http://schemas.microsoft.com/office/drawing/2014/main" id="{6DFC68D7-806B-4B70-82E2-3E5D9AA3A90A}"/>
-              </a:ext>
-            </a:extLst>
-          </p:cNvPr>
-          <p:cNvSpPr>
-            <a:spLocks noGrp="1"/>
-          </p:cNvSpPr>
-          <p:nvPr>
-            <p:ph type="title"/>
-          </p:nvPr>
-        </p:nvSpPr>
-        <p:spPr>
-          <a:xfrm>
-            <a:off x="6109498" y="908344"/>
-            <a:ext cx="5244301" cy="1538130"/>
-          </a:xfrm>
-        </p:spPr>
-        <p:txBody>
-          <a:bodyPr>
-            <a:normAutofit/>
-          </a:bodyPr>
-          <a:lstStyle/>
-          <a:p>
-            <a:pPr algn="ctr"/>
-            <a:r>
-              <a:rPr lang="zh-CN" altLang="en-US" dirty="0"/>
-              <a:t>教学目标</a:t>
-            </a:r>
-          </a:p>
-        </p:txBody>
-      </p:sp>
-      <p:sp>
-        <p:nvSpPr>
-          <p:cNvPr id="17" name="Freeform 6">
-            <a:extLst>
-              <a:ext uri="{FF2B5EF4-FFF2-40B4-BE49-F238E27FC236}">
-                <a16:creationId xmlns:a16="http://schemas.microsoft.com/office/drawing/2014/main" id="{B6C29DB0-17E9-42FF-986E-0B7F493F4D24}"/>
-              </a:ext>
-              <a:ext uri="{C183D7F6-B498-43B3-948B-1728B52AA6E4}">
-                <adec:decorative xmlns:adec="http://schemas.microsoft.com/office/drawing/2017/decorative" val="1"/>
-              </a:ext>
-            </a:extLst>
-          </p:cNvPr>
-          <p:cNvSpPr>
-            <a:spLocks noGrp="1" noRot="1" noChangeAspect="1" noMove="1" noResize="1" noEditPoints="1" noAdjustHandles="1" noChangeArrowheads="1" noChangeShapeType="1" noTextEdit="1"/>
-          </p:cNvSpPr>
-          <p:nvPr>
-            <p:extLst>
-              <p:ext uri="{386F3935-93C4-4BCD-93E2-E3B085C9AB24}">
-                <p16:designElem xmlns:p16="http://schemas.microsoft.com/office/powerpoint/2015/main" val="1"/>
-              </p:ext>
-            </p:extLst>
-          </p:nvPr>
-        </p:nvSpPr>
-        <p:spPr bwMode="auto">
-          <a:xfrm>
-            <a:off x="2199584" y="1685652"/>
-            <a:ext cx="3275013" cy="4408488"/>
-          </a:xfrm>
-          <a:custGeom>
-            <a:avLst/>
-            <a:gdLst/>
-            <a:ahLst/>
-            <a:cxnLst/>
-            <a:rect l="l" t="t" r="r" b="b"/>
-            <a:pathLst>
-              <a:path w="10000" h="10000">
-                <a:moveTo>
-                  <a:pt x="8761" y="0"/>
-                </a:moveTo>
-                <a:lnTo>
-                  <a:pt x="10000" y="0"/>
-                </a:lnTo>
-                <a:lnTo>
-                  <a:pt x="10000" y="10000"/>
-                </a:lnTo>
-                <a:lnTo>
-                  <a:pt x="0" y="10000"/>
-                </a:lnTo>
-                <a:lnTo>
-                  <a:pt x="0" y="9126"/>
-                </a:lnTo>
-                <a:lnTo>
-                  <a:pt x="8761" y="9127"/>
-                </a:lnTo>
-                <a:lnTo>
-                  <a:pt x="8761" y="0"/>
-                </a:lnTo>
-                <a:close/>
-              </a:path>
-            </a:pathLst>
-          </a:custGeom>
-          <a:solidFill>
-            <a:srgbClr val="4C4C4C"/>
-          </a:solidFill>
-          <a:ln w="0">
-            <a:noFill/>
-            <a:prstDash val="solid"/>
-            <a:round/>
-            <a:headEnd/>
-            <a:tailEnd/>
-          </a:ln>
-        </p:spPr>
-        <p:txBody>
-          <a:bodyPr/>
-          <a:lstStyle/>
-          <a:p>
-            <a:pPr marL="0" marR="0" lvl="0" indent="0" algn="l" defTabSz="914400" rtl="0" eaLnBrk="1" fontAlgn="auto" latinLnBrk="0" hangingPunct="1">
-              <a:lnSpc>
-                <a:spcPct val="100000"/>
-              </a:lnSpc>
-              <a:spcBef>
-                <a:spcPts val="0"/>
-              </a:spcBef>
-              <a:spcAft>
-                <a:spcPts val="0"/>
-              </a:spcAft>
-              <a:buClrTx/>
-              <a:buSzTx/>
-              <a:buFontTx/>
-              <a:buNone/>
-              <a:tabLst/>
-              <a:defRPr/>
-            </a:pPr>
-            <a:endParaRPr kumimoji="0" lang="en-US" sz="1800" b="0" i="0" u="none" strike="noStrike" kern="1200" cap="none" spc="0" normalizeH="0" baseline="0" noProof="0">
-              <a:ln>
-                <a:noFill/>
-              </a:ln>
-              <a:solidFill>
-                <a:prstClr val="black"/>
-              </a:solidFill>
-              <a:effectLst/>
-              <a:uLnTx/>
-              <a:uFillTx/>
-              <a:latin typeface="Calibri" panose="020F0502020204030204"/>
-              <a:ea typeface="+mn-ea"/>
-              <a:cs typeface="+mn-cs"/>
-            </a:endParaRPr>
-          </a:p>
-        </p:txBody>
-      </p:sp>
-      <p:sp>
-        <p:nvSpPr>
-          <p:cNvPr id="19" name="Freeform 6">
-            <a:extLst>
-              <a:ext uri="{FF2B5EF4-FFF2-40B4-BE49-F238E27FC236}">
-                <a16:creationId xmlns:a16="http://schemas.microsoft.com/office/drawing/2014/main" id="{115AD956-A5B6-4760-B8B2-11E2DF6B0212}"/>
-              </a:ext>
-              <a:ext uri="{C183D7F6-B498-43B3-948B-1728B52AA6E4}">
-                <adec:decorative xmlns:adec="http://schemas.microsoft.com/office/drawing/2017/decorative" val="1"/>
-              </a:ext>
-            </a:extLst>
-          </p:cNvPr>
-          <p:cNvSpPr>
-            <a:spLocks noGrp="1" noRot="1" noChangeAspect="1" noMove="1" noResize="1" noEditPoints="1" noAdjustHandles="1" noChangeArrowheads="1" noChangeShapeType="1" noTextEdit="1"/>
-          </p:cNvSpPr>
-          <p:nvPr>
-            <p:extLst>
-              <p:ext uri="{386F3935-93C4-4BCD-93E2-E3B085C9AB24}">
-                <p16:designElem xmlns:p16="http://schemas.microsoft.com/office/powerpoint/2015/main" val="1"/>
-              </p:ext>
-            </p:extLst>
-          </p:nvPr>
-        </p:nvSpPr>
-        <p:spPr bwMode="auto">
-          <a:xfrm flipH="1" flipV="1">
-            <a:off x="752858" y="744469"/>
-            <a:ext cx="3275668" cy="4408488"/>
-          </a:xfrm>
-          <a:custGeom>
-            <a:avLst/>
-            <a:gdLst/>
-            <a:ahLst/>
-            <a:cxnLst/>
-            <a:rect l="l" t="t" r="r" b="b"/>
-            <a:pathLst>
-              <a:path w="10002" h="10000">
-                <a:moveTo>
-                  <a:pt x="8763" y="0"/>
-                </a:moveTo>
-                <a:lnTo>
-                  <a:pt x="10002" y="0"/>
-                </a:lnTo>
-                <a:lnTo>
-                  <a:pt x="10002" y="10000"/>
-                </a:lnTo>
-                <a:lnTo>
-                  <a:pt x="2" y="10000"/>
-                </a:lnTo>
-                <a:cubicBezTo>
-                  <a:pt x="-2" y="9698"/>
-                  <a:pt x="4" y="9427"/>
-                  <a:pt x="0" y="9125"/>
-                </a:cubicBezTo>
-                <a:lnTo>
-                  <a:pt x="8763" y="9128"/>
-                </a:lnTo>
-                <a:lnTo>
-                  <a:pt x="8763" y="0"/>
-                </a:lnTo>
-                <a:close/>
-              </a:path>
-            </a:pathLst>
-          </a:custGeom>
-          <a:solidFill>
-            <a:srgbClr val="4C4C4C"/>
-          </a:solidFill>
-          <a:ln w="0">
-            <a:noFill/>
-            <a:prstDash val="solid"/>
-            <a:round/>
-            <a:headEnd/>
-            <a:tailEnd/>
-          </a:ln>
-        </p:spPr>
-      </p:sp>
-      <p:pic>
-        <p:nvPicPr>
-          <p:cNvPr id="7" name="Graphic 6">
-            <a:extLst>
-              <a:ext uri="{FF2B5EF4-FFF2-40B4-BE49-F238E27FC236}">
-                <a16:creationId xmlns:a16="http://schemas.microsoft.com/office/drawing/2014/main" id="{843D1B9C-035C-4071-B4B1-D3313C59E07E}"/>
-              </a:ext>
-            </a:extLst>
-          </p:cNvPr>
-          <p:cNvPicPr>
-            <a:picLocks noChangeAspect="1"/>
-          </p:cNvPicPr>
-          <p:nvPr/>
-        </p:nvPicPr>
-        <p:blipFill>
-          <a:blip r:embed="rId2">
-            <a:extLst>
-              <a:ext uri="{28A0092B-C50C-407E-A947-70E740481C1C}">
-                <a14:useLocalDpi xmlns:a14="http://schemas.microsoft.com/office/drawing/2010/main" val="0"/>
-              </a:ext>
-              <a:ext uri="{96DAC541-7B7A-43D3-8B79-37D633B846F1}">
-                <asvg:svgBlip xmlns:asvg="http://schemas.microsoft.com/office/drawing/2016/SVG/main" r:embed="rId3"/>
-              </a:ext>
-            </a:extLst>
-          </a:blip>
-          <a:stretch>
-            <a:fillRect/>
-          </a:stretch>
-        </p:blipFill>
-        <p:spPr>
-          <a:xfrm>
-            <a:off x="1480173" y="1790732"/>
-            <a:ext cx="3267942" cy="3267942"/>
-          </a:xfrm>
-          <a:prstGeom prst="rect">
-            <a:avLst/>
-          </a:prstGeom>
-        </p:spPr>
-      </p:pic>
-      <p:sp>
-        <p:nvSpPr>
-          <p:cNvPr id="8" name="内容占位符 2">
-            <a:extLst>
-              <a:ext uri="{FF2B5EF4-FFF2-40B4-BE49-F238E27FC236}">
-                <a16:creationId xmlns:a16="http://schemas.microsoft.com/office/drawing/2014/main" id="{5BB8EF5E-D8B0-4DE6-BC20-216A669FE60C}"/>
-              </a:ext>
-            </a:extLst>
-          </p:cNvPr>
-          <p:cNvSpPr>
-            <a:spLocks noGrp="1"/>
-          </p:cNvSpPr>
-          <p:nvPr>
-            <p:ph idx="1"/>
-          </p:nvPr>
-        </p:nvSpPr>
-        <p:spPr>
-          <a:xfrm>
-            <a:off x="5780664" y="2764288"/>
-            <a:ext cx="5610282" cy="2251215"/>
-          </a:xfrm>
-        </p:spPr>
-        <p:txBody>
-          <a:bodyPr>
-            <a:normAutofit/>
-          </a:bodyPr>
-          <a:lstStyle/>
-          <a:p>
-            <a:r>
-              <a:rPr lang="zh-CN" altLang="en-US" sz="3600" dirty="0"/>
-              <a:t>熟悉线性回归建模过程</a:t>
-            </a:r>
-            <a:endParaRPr lang="en-US" altLang="zh-CN" sz="3600" dirty="0"/>
-          </a:p>
-          <a:p>
-            <a:r>
-              <a:rPr lang="zh-CN" altLang="en-US" sz="3600" dirty="0"/>
-              <a:t>理解控制变量的使用原则</a:t>
-            </a:r>
-            <a:endParaRPr lang="en-US" altLang="zh-CN" sz="3600" dirty="0"/>
-          </a:p>
-          <a:p>
-            <a:r>
-              <a:rPr lang="zh-CN" altLang="en-US" sz="3600" dirty="0"/>
-              <a:t>理解交互项的使用原则</a:t>
-            </a:r>
-          </a:p>
-        </p:txBody>
-      </p:sp>
-    </p:spTree>
-    <p:extLst>
-      <p:ext uri="{BB962C8B-B14F-4D97-AF65-F5344CB8AC3E}">
-        <p14:creationId xmlns:p14="http://schemas.microsoft.com/office/powerpoint/2010/main" val="3365482745"/>
-      </p:ext>
-    </p:extLst>
-  </p:cSld>
-  <p:clrMapOvr>
-    <a:masterClrMapping/>
-  </p:clrMapOvr>
-</p:sld>
-</file>
-
-<file path=ppt/slides/slide20.xml><?xml version="1.0" encoding="utf-8"?>
+<file path=ppt/slides/slide21.xml><?xml version="1.0" encoding="utf-8"?>
 <p:sld xmlns:a="http://schemas.openxmlformats.org/drawingml/2006/main" xmlns:r="http://schemas.openxmlformats.org/officeDocument/2006/relationships" xmlns:p="http://schemas.openxmlformats.org/presentationml/2006/main">
   <p:cSld>
     <p:bg>
@@ -33007,7 +33393,7 @@
 </p:sld>
 </file>
 
-<file path=ppt/slides/slide21.xml><?xml version="1.0" encoding="utf-8"?>
+<file path=ppt/slides/slide22.xml><?xml version="1.0" encoding="utf-8"?>
 <p:sld xmlns:a="http://schemas.openxmlformats.org/drawingml/2006/main" xmlns:r="http://schemas.openxmlformats.org/officeDocument/2006/relationships" xmlns:p="http://schemas.openxmlformats.org/presentationml/2006/main">
   <p:cSld>
     <p:bg>
@@ -33700,392 +34086,6 @@
     <p:extLst>
       <p:ext uri="{BB962C8B-B14F-4D97-AF65-F5344CB8AC3E}">
         <p14:creationId xmlns:p14="http://schemas.microsoft.com/office/powerpoint/2010/main" val="396698028"/>
-      </p:ext>
-    </p:extLst>
-  </p:cSld>
-  <p:clrMapOvr>
-    <a:masterClrMapping/>
-  </p:clrMapOvr>
-</p:sld>
-</file>
-
-<file path=ppt/slides/slide22.xml><?xml version="1.0" encoding="utf-8"?>
-<p:sld xmlns:a="http://schemas.openxmlformats.org/drawingml/2006/main" xmlns:r="http://schemas.openxmlformats.org/officeDocument/2006/relationships" xmlns:p="http://schemas.openxmlformats.org/presentationml/2006/main">
-  <p:cSld>
-    <p:bg>
-      <p:bgPr>
-        <a:solidFill>
-          <a:schemeClr val="bg1"/>
-        </a:solidFill>
-        <a:effectLst/>
-      </p:bgPr>
-    </p:bg>
-    <p:spTree>
-      <p:nvGrpSpPr>
-        <p:cNvPr id="1" name=""/>
-        <p:cNvGrpSpPr/>
-        <p:nvPr/>
-      </p:nvGrpSpPr>
-      <p:grpSpPr>
-        <a:xfrm>
-          <a:off x="0" y="0"/>
-          <a:ext cx="0" cy="0"/>
-          <a:chOff x="0" y="0"/>
-          <a:chExt cx="0" cy="0"/>
-        </a:xfrm>
-      </p:grpSpPr>
-      <p:pic>
-        <p:nvPicPr>
-          <p:cNvPr id="4" name="内容占位符 3"/>
-          <p:cNvPicPr>
-            <a:picLocks noGrp="1" noChangeAspect="1"/>
-          </p:cNvPicPr>
-          <p:nvPr>
-            <p:ph idx="1"/>
-          </p:nvPr>
-        </p:nvPicPr>
-        <p:blipFill>
-          <a:blip r:embed="rId2"/>
-          <a:stretch>
-            <a:fillRect/>
-          </a:stretch>
-        </p:blipFill>
-        <p:spPr>
-          <a:xfrm>
-            <a:off x="550216" y="412552"/>
-            <a:ext cx="7110882" cy="6201607"/>
-          </a:xfrm>
-          <a:prstGeom prst="rect">
-            <a:avLst/>
-          </a:prstGeom>
-        </p:spPr>
-      </p:pic>
-      <p:sp>
-        <p:nvSpPr>
-          <p:cNvPr id="5" name="内容占位符 2"/>
-          <p:cNvSpPr txBox="1">
-            <a:spLocks/>
-          </p:cNvSpPr>
-          <p:nvPr/>
-        </p:nvSpPr>
-        <p:spPr>
-          <a:xfrm>
-            <a:off x="8308863" y="1598059"/>
-            <a:ext cx="3212577" cy="2730101"/>
-          </a:xfrm>
-          <a:prstGeom prst="rect">
-            <a:avLst/>
-          </a:prstGeom>
-        </p:spPr>
-        <p:txBody>
-          <a:bodyPr vert="horz" lIns="91440" tIns="45720" rIns="91440" bIns="45720" rtlCol="0">
-            <a:normAutofit/>
-          </a:bodyPr>
-          <a:lstStyle>
-            <a:lvl1pPr marL="228600" indent="-228600" algn="l" defTabSz="914400" rtl="0" eaLnBrk="1" latinLnBrk="0" hangingPunct="1">
-              <a:lnSpc>
-                <a:spcPct val="90000"/>
-              </a:lnSpc>
-              <a:spcBef>
-                <a:spcPts val="1000"/>
-              </a:spcBef>
-              <a:buFont typeface="Arial" panose="020B0604020202020204" pitchFamily="34" charset="0"/>
-              <a:buChar char="•"/>
-              <a:defRPr sz="2800" kern="1200">
-                <a:solidFill>
-                  <a:schemeClr val="tx1"/>
-                </a:solidFill>
-                <a:latin typeface="+mn-lt"/>
-                <a:ea typeface="+mn-ea"/>
-                <a:cs typeface="+mn-cs"/>
-              </a:defRPr>
-            </a:lvl1pPr>
-            <a:lvl2pPr marL="685800" indent="-228600" algn="l" defTabSz="914400" rtl="0" eaLnBrk="1" latinLnBrk="0" hangingPunct="1">
-              <a:lnSpc>
-                <a:spcPct val="90000"/>
-              </a:lnSpc>
-              <a:spcBef>
-                <a:spcPts val="500"/>
-              </a:spcBef>
-              <a:buFont typeface="Arial" panose="020B0604020202020204" pitchFamily="34" charset="0"/>
-              <a:buChar char="•"/>
-              <a:defRPr sz="2400" kern="1200">
-                <a:solidFill>
-                  <a:schemeClr val="tx1"/>
-                </a:solidFill>
-                <a:latin typeface="+mn-lt"/>
-                <a:ea typeface="+mn-ea"/>
-                <a:cs typeface="+mn-cs"/>
-              </a:defRPr>
-            </a:lvl2pPr>
-            <a:lvl3pPr marL="1143000" indent="-228600" algn="l" defTabSz="914400" rtl="0" eaLnBrk="1" latinLnBrk="0" hangingPunct="1">
-              <a:lnSpc>
-                <a:spcPct val="90000"/>
-              </a:lnSpc>
-              <a:spcBef>
-                <a:spcPts val="500"/>
-              </a:spcBef>
-              <a:buFont typeface="Arial" panose="020B0604020202020204" pitchFamily="34" charset="0"/>
-              <a:buChar char="•"/>
-              <a:defRPr sz="2000" kern="1200">
-                <a:solidFill>
-                  <a:schemeClr val="tx1"/>
-                </a:solidFill>
-                <a:latin typeface="+mn-lt"/>
-                <a:ea typeface="+mn-ea"/>
-                <a:cs typeface="+mn-cs"/>
-              </a:defRPr>
-            </a:lvl3pPr>
-            <a:lvl4pPr marL="1600200" indent="-228600" algn="l" defTabSz="914400" rtl="0" eaLnBrk="1" latinLnBrk="0" hangingPunct="1">
-              <a:lnSpc>
-                <a:spcPct val="90000"/>
-              </a:lnSpc>
-              <a:spcBef>
-                <a:spcPts val="500"/>
-              </a:spcBef>
-              <a:buFont typeface="Arial" panose="020B0604020202020204" pitchFamily="34" charset="0"/>
-              <a:buChar char="•"/>
-              <a:defRPr sz="1800" kern="1200">
-                <a:solidFill>
-                  <a:schemeClr val="tx1"/>
-                </a:solidFill>
-                <a:latin typeface="+mn-lt"/>
-                <a:ea typeface="+mn-ea"/>
-                <a:cs typeface="+mn-cs"/>
-              </a:defRPr>
-            </a:lvl4pPr>
-            <a:lvl5pPr marL="2057400" indent="-228600" algn="l" defTabSz="914400" rtl="0" eaLnBrk="1" latinLnBrk="0" hangingPunct="1">
-              <a:lnSpc>
-                <a:spcPct val="90000"/>
-              </a:lnSpc>
-              <a:spcBef>
-                <a:spcPts val="500"/>
-              </a:spcBef>
-              <a:buFont typeface="Arial" panose="020B0604020202020204" pitchFamily="34" charset="0"/>
-              <a:buChar char="•"/>
-              <a:defRPr sz="1800" kern="1200">
-                <a:solidFill>
-                  <a:schemeClr val="tx1"/>
-                </a:solidFill>
-                <a:latin typeface="+mn-lt"/>
-                <a:ea typeface="+mn-ea"/>
-                <a:cs typeface="+mn-cs"/>
-              </a:defRPr>
-            </a:lvl5pPr>
-            <a:lvl6pPr marL="2514600" indent="-228600" algn="l" defTabSz="914400" rtl="0" eaLnBrk="1" latinLnBrk="0" hangingPunct="1">
-              <a:lnSpc>
-                <a:spcPct val="90000"/>
-              </a:lnSpc>
-              <a:spcBef>
-                <a:spcPts val="500"/>
-              </a:spcBef>
-              <a:buFont typeface="Arial" panose="020B0604020202020204" pitchFamily="34" charset="0"/>
-              <a:buChar char="•"/>
-              <a:defRPr sz="1800" kern="1200">
-                <a:solidFill>
-                  <a:schemeClr val="tx1"/>
-                </a:solidFill>
-                <a:latin typeface="+mn-lt"/>
-                <a:ea typeface="+mn-ea"/>
-                <a:cs typeface="+mn-cs"/>
-              </a:defRPr>
-            </a:lvl6pPr>
-            <a:lvl7pPr marL="2971800" indent="-228600" algn="l" defTabSz="914400" rtl="0" eaLnBrk="1" latinLnBrk="0" hangingPunct="1">
-              <a:lnSpc>
-                <a:spcPct val="90000"/>
-              </a:lnSpc>
-              <a:spcBef>
-                <a:spcPts val="500"/>
-              </a:spcBef>
-              <a:buFont typeface="Arial" panose="020B0604020202020204" pitchFamily="34" charset="0"/>
-              <a:buChar char="•"/>
-              <a:defRPr sz="1800" kern="1200">
-                <a:solidFill>
-                  <a:schemeClr val="tx1"/>
-                </a:solidFill>
-                <a:latin typeface="+mn-lt"/>
-                <a:ea typeface="+mn-ea"/>
-                <a:cs typeface="+mn-cs"/>
-              </a:defRPr>
-            </a:lvl7pPr>
-            <a:lvl8pPr marL="3429000" indent="-228600" algn="l" defTabSz="914400" rtl="0" eaLnBrk="1" latinLnBrk="0" hangingPunct="1">
-              <a:lnSpc>
-                <a:spcPct val="90000"/>
-              </a:lnSpc>
-              <a:spcBef>
-                <a:spcPts val="500"/>
-              </a:spcBef>
-              <a:buFont typeface="Arial" panose="020B0604020202020204" pitchFamily="34" charset="0"/>
-              <a:buChar char="•"/>
-              <a:defRPr sz="1800" kern="1200">
-                <a:solidFill>
-                  <a:schemeClr val="tx1"/>
-                </a:solidFill>
-                <a:latin typeface="+mn-lt"/>
-                <a:ea typeface="+mn-ea"/>
-                <a:cs typeface="+mn-cs"/>
-              </a:defRPr>
-            </a:lvl8pPr>
-            <a:lvl9pPr marL="3886200" indent="-228600" algn="l" defTabSz="914400" rtl="0" eaLnBrk="1" latinLnBrk="0" hangingPunct="1">
-              <a:lnSpc>
-                <a:spcPct val="90000"/>
-              </a:lnSpc>
-              <a:spcBef>
-                <a:spcPts val="500"/>
-              </a:spcBef>
-              <a:buFont typeface="Arial" panose="020B0604020202020204" pitchFamily="34" charset="0"/>
-              <a:buChar char="•"/>
-              <a:defRPr sz="1800" kern="1200">
-                <a:solidFill>
-                  <a:schemeClr val="tx1"/>
-                </a:solidFill>
-                <a:latin typeface="+mn-lt"/>
-                <a:ea typeface="+mn-ea"/>
-                <a:cs typeface="+mn-cs"/>
-              </a:defRPr>
-            </a:lvl9pPr>
-          </a:lstStyle>
-          <a:p>
-            <a:pPr marL="0" indent="0" algn="ctr">
-              <a:buNone/>
-            </a:pPr>
-            <a:r>
-              <a:rPr lang="zh-CN" altLang="en-US" sz="3200" dirty="0"/>
-              <a:t>讨论</a:t>
-            </a:r>
-            <a:endParaRPr lang="en-US" sz="3200" dirty="0"/>
-          </a:p>
-          <a:p>
-            <a:r>
-              <a:rPr lang="en-US" sz="3200" dirty="0"/>
-              <a:t>BMI</a:t>
-            </a:r>
-            <a:r>
-              <a:rPr lang="zh-CN" altLang="en-US" sz="3200" dirty="0"/>
-              <a:t>均值为</a:t>
-            </a:r>
-            <a:r>
-              <a:rPr lang="en-US" altLang="zh-CN" sz="3200" dirty="0"/>
-              <a:t>22</a:t>
-            </a:r>
-          </a:p>
-          <a:p>
-            <a:r>
-              <a:rPr lang="zh-CN" altLang="en-US" sz="3200" dirty="0"/>
-              <a:t>吸烟量对血压效应为多少？</a:t>
-            </a:r>
-            <a:endParaRPr lang="en-US" sz="3200" dirty="0"/>
-          </a:p>
-        </p:txBody>
-      </p:sp>
-      <p:sp>
-        <p:nvSpPr>
-          <p:cNvPr id="20" name="Freeform: Shape 19">
-            <a:extLst>
-              <a:ext uri="{FF2B5EF4-FFF2-40B4-BE49-F238E27FC236}">
-                <a16:creationId xmlns:a16="http://schemas.microsoft.com/office/drawing/2014/main" id="{43573EFB-E773-46FC-B866-B57ED2E3906B}"/>
-              </a:ext>
-              <a:ext uri="{C183D7F6-B498-43B3-948B-1728B52AA6E4}">
-                <adec:decorative xmlns:adec="http://schemas.microsoft.com/office/drawing/2017/decorative" val="1"/>
-              </a:ext>
-            </a:extLst>
-          </p:cNvPr>
-          <p:cNvSpPr>
-            <a:spLocks noGrp="1" noRot="1" noChangeAspect="1" noMove="1" noResize="1" noEditPoints="1" noAdjustHandles="1" noChangeArrowheads="1" noChangeShapeType="1" noTextEdit="1"/>
-          </p:cNvSpPr>
-          <p:nvPr>
-            <p:extLst>
-              <p:ext uri="{386F3935-93C4-4BCD-93E2-E3B085C9AB24}">
-                <p16:designElem xmlns:p16="http://schemas.microsoft.com/office/powerpoint/2015/main" val="1"/>
-              </p:ext>
-            </p:extLst>
-          </p:nvPr>
-        </p:nvSpPr>
-        <p:spPr bwMode="auto">
-          <a:xfrm flipH="1" flipV="1">
-            <a:off x="7983434" y="640080"/>
-            <a:ext cx="2296028" cy="3569741"/>
-          </a:xfrm>
-          <a:custGeom>
-            <a:avLst/>
-            <a:gdLst>
-              <a:gd name="connsiteX0" fmla="*/ 2296028 w 2296028"/>
-              <a:gd name="connsiteY0" fmla="*/ 3569741 h 3569741"/>
-              <a:gd name="connsiteX1" fmla="*/ 459 w 2296028"/>
-              <a:gd name="connsiteY1" fmla="*/ 3569741 h 3569741"/>
-              <a:gd name="connsiteX2" fmla="*/ 0 w 2296028"/>
-              <a:gd name="connsiteY2" fmla="*/ 3248180 h 3569741"/>
-              <a:gd name="connsiteX3" fmla="*/ 2011607 w 2296028"/>
-              <a:gd name="connsiteY3" fmla="*/ 3249283 h 3569741"/>
-              <a:gd name="connsiteX4" fmla="*/ 2011607 w 2296028"/>
-              <a:gd name="connsiteY4" fmla="*/ 0 h 3569741"/>
-              <a:gd name="connsiteX5" fmla="*/ 2296028 w 2296028"/>
-              <a:gd name="connsiteY5" fmla="*/ 0 h 3569741"/>
-            </a:gdLst>
-            <a:ahLst/>
-            <a:cxnLst>
-              <a:cxn ang="0">
-                <a:pos x="connsiteX0" y="connsiteY0"/>
-              </a:cxn>
-              <a:cxn ang="0">
-                <a:pos x="connsiteX1" y="connsiteY1"/>
-              </a:cxn>
-              <a:cxn ang="0">
-                <a:pos x="connsiteX2" y="connsiteY2"/>
-              </a:cxn>
-              <a:cxn ang="0">
-                <a:pos x="connsiteX3" y="connsiteY3"/>
-              </a:cxn>
-              <a:cxn ang="0">
-                <a:pos x="connsiteX4" y="connsiteY4"/>
-              </a:cxn>
-              <a:cxn ang="0">
-                <a:pos x="connsiteX5" y="connsiteY5"/>
-              </a:cxn>
-            </a:cxnLst>
-            <a:rect l="l" t="t" r="r" b="b"/>
-            <a:pathLst>
-              <a:path w="2296028" h="3569741">
-                <a:moveTo>
-                  <a:pt x="2296028" y="3569741"/>
-                </a:moveTo>
-                <a:lnTo>
-                  <a:pt x="459" y="3569741"/>
-                </a:lnTo>
-                <a:cubicBezTo>
-                  <a:pt x="-459" y="3458756"/>
-                  <a:pt x="918" y="3359164"/>
-                  <a:pt x="0" y="3248180"/>
-                </a:cubicBezTo>
-                <a:lnTo>
-                  <a:pt x="2011607" y="3249283"/>
-                </a:lnTo>
-                <a:lnTo>
-                  <a:pt x="2011607" y="0"/>
-                </a:lnTo>
-                <a:lnTo>
-                  <a:pt x="2296028" y="0"/>
-                </a:lnTo>
-                <a:close/>
-              </a:path>
-            </a:pathLst>
-          </a:custGeom>
-          <a:solidFill>
-            <a:srgbClr val="4C4C4C"/>
-          </a:solidFill>
-          <a:ln w="0">
-            <a:noFill/>
-            <a:prstDash val="solid"/>
-            <a:round/>
-            <a:headEnd/>
-            <a:tailEnd/>
-          </a:ln>
-        </p:spPr>
-      </p:sp>
-    </p:spTree>
-    <p:extLst>
-      <p:ext uri="{BB962C8B-B14F-4D97-AF65-F5344CB8AC3E}">
-        <p14:creationId xmlns:p14="http://schemas.microsoft.com/office/powerpoint/2010/main" val="773630525"/>
       </p:ext>
     </p:extLst>
   </p:cSld>
